--- a/plot-diagram.pptx
+++ b/plot-diagram.pptx
@@ -10,6 +10,12 @@
     <p:sldId id="258" r:id="rId4"/>
     <p:sldId id="259" r:id="rId5"/>
     <p:sldId id="260" r:id="rId6"/>
+    <p:sldId id="261" r:id="rId7"/>
+    <p:sldId id="262" r:id="rId8"/>
+    <p:sldId id="263" r:id="rId9"/>
+    <p:sldId id="264" r:id="rId10"/>
+    <p:sldId id="265" r:id="rId11"/>
+    <p:sldId id="266" r:id="rId12"/>
   </p:sldIdLst>
   <p:sldSz cx="12192000" cy="6858000"/>
   <p:notesSz cx="6858000" cy="9144000"/>
@@ -3409,6 +3415,149 @@
 </p:sld>
 </file>
 
+<file path=ppt/slides/slide10.xml><?xml version="1.0" encoding="utf-8"?>
+<p:sld xmlns:a="http://schemas.openxmlformats.org/drawingml/2006/main" xmlns:r="http://schemas.openxmlformats.org/officeDocument/2006/relationships" xmlns:p="http://schemas.openxmlformats.org/presentationml/2006/main">
+  <p:cSld>
+    <p:spTree>
+      <p:nvGrpSpPr>
+        <p:cNvPr id="1" name=""/>
+        <p:cNvGrpSpPr/>
+        <p:nvPr/>
+      </p:nvGrpSpPr>
+      <p:grpSpPr>
+        <a:xfrm>
+          <a:off x="0" y="0"/>
+          <a:ext cx="0" cy="0"/>
+          <a:chOff x="0" y="0"/>
+          <a:chExt cx="0" cy="0"/>
+        </a:xfrm>
+      </p:grpSpPr>
+      <p:grpSp>
+        <p:nvGrpSpPr>
+          <p:cNvPr id="9" name="Group 8">
+            <a:extLst>
+              <a:ext uri="{FF2B5EF4-FFF2-40B4-BE49-F238E27FC236}">
+                <a16:creationId xmlns:a16="http://schemas.microsoft.com/office/drawing/2014/main" id="{6288FA2C-7060-26DB-7506-CFC4B1DEA33B}"/>
+              </a:ext>
+            </a:extLst>
+          </p:cNvPr>
+          <p:cNvGrpSpPr/>
+          <p:nvPr/>
+        </p:nvGrpSpPr>
+        <p:grpSpPr>
+          <a:xfrm>
+            <a:off x="1444981" y="1378267"/>
+            <a:ext cx="10191434" cy="4345305"/>
+            <a:chOff x="1444981" y="1378267"/>
+            <a:chExt cx="10191434" cy="4345305"/>
+          </a:xfrm>
+        </p:grpSpPr>
+        <p:pic>
+          <p:nvPicPr>
+            <p:cNvPr id="7" name="Picture 6">
+              <a:extLst>
+                <a:ext uri="{FF2B5EF4-FFF2-40B4-BE49-F238E27FC236}">
+                  <a16:creationId xmlns:a16="http://schemas.microsoft.com/office/drawing/2014/main" id="{38A54973-0570-F7E7-5658-C8406372CACA}"/>
+                </a:ext>
+              </a:extLst>
+            </p:cNvPr>
+            <p:cNvPicPr>
+              <a:picLocks noChangeAspect="1"/>
+            </p:cNvPicPr>
+            <p:nvPr/>
+          </p:nvPicPr>
+          <p:blipFill>
+            <a:blip r:embed="rId2"/>
+            <a:srcRect b="36638"/>
+            <a:stretch>
+              <a:fillRect/>
+            </a:stretch>
+          </p:blipFill>
+          <p:spPr>
+            <a:xfrm>
+              <a:off x="1444981" y="1378267"/>
+              <a:ext cx="4231869" cy="4345305"/>
+            </a:xfrm>
+            <a:prstGeom prst="rect">
+              <a:avLst/>
+            </a:prstGeom>
+          </p:spPr>
+        </p:pic>
+        <p:pic>
+          <p:nvPicPr>
+            <p:cNvPr id="8" name="Picture 7">
+              <a:extLst>
+                <a:ext uri="{FF2B5EF4-FFF2-40B4-BE49-F238E27FC236}">
+                  <a16:creationId xmlns:a16="http://schemas.microsoft.com/office/drawing/2014/main" id="{0FAD2A26-DFC7-2887-A37A-485138C78958}"/>
+                </a:ext>
+              </a:extLst>
+            </p:cNvPr>
+            <p:cNvPicPr>
+              <a:picLocks noChangeAspect="1"/>
+            </p:cNvPicPr>
+            <p:nvPr/>
+          </p:nvPicPr>
+          <p:blipFill>
+            <a:blip r:embed="rId2"/>
+            <a:srcRect t="62949"/>
+            <a:stretch>
+              <a:fillRect/>
+            </a:stretch>
+          </p:blipFill>
+          <p:spPr>
+            <a:xfrm>
+              <a:off x="5935502" y="1839391"/>
+              <a:ext cx="5700913" cy="3423056"/>
+            </a:xfrm>
+            <a:prstGeom prst="rect">
+              <a:avLst/>
+            </a:prstGeom>
+          </p:spPr>
+        </p:pic>
+      </p:grpSp>
+    </p:spTree>
+    <p:extLst>
+      <p:ext uri="{BB962C8B-B14F-4D97-AF65-F5344CB8AC3E}">
+        <p14:creationId xmlns:p14="http://schemas.microsoft.com/office/powerpoint/2010/main" val="423350681"/>
+      </p:ext>
+    </p:extLst>
+  </p:cSld>
+  <p:clrMapOvr>
+    <a:masterClrMapping/>
+  </p:clrMapOvr>
+</p:sld>
+</file>
+
+<file path=ppt/slides/slide11.xml><?xml version="1.0" encoding="utf-8"?>
+<p:sld xmlns:a="http://schemas.openxmlformats.org/drawingml/2006/main" xmlns:r="http://schemas.openxmlformats.org/officeDocument/2006/relationships" xmlns:p="http://schemas.openxmlformats.org/presentationml/2006/main">
+  <p:cSld>
+    <p:spTree>
+      <p:nvGrpSpPr>
+        <p:cNvPr id="1" name=""/>
+        <p:cNvGrpSpPr/>
+        <p:nvPr/>
+      </p:nvGrpSpPr>
+      <p:grpSpPr>
+        <a:xfrm>
+          <a:off x="0" y="0"/>
+          <a:ext cx="0" cy="0"/>
+          <a:chOff x="0" y="0"/>
+          <a:chExt cx="0" cy="0"/>
+        </a:xfrm>
+      </p:grpSpPr>
+    </p:spTree>
+    <p:extLst>
+      <p:ext uri="{BB962C8B-B14F-4D97-AF65-F5344CB8AC3E}">
+        <p14:creationId xmlns:p14="http://schemas.microsoft.com/office/powerpoint/2010/main" val="123789952"/>
+      </p:ext>
+    </p:extLst>
+  </p:cSld>
+  <p:clrMapOvr>
+    <a:masterClrMapping/>
+  </p:clrMapOvr>
+</p:sld>
+</file>
+
 <file path=ppt/slides/slide2.xml><?xml version="1.0" encoding="utf-8"?>
 <p:sld xmlns:a="http://schemas.openxmlformats.org/drawingml/2006/main" xmlns:r="http://schemas.openxmlformats.org/officeDocument/2006/relationships" xmlns:p="http://schemas.openxmlformats.org/presentationml/2006/main">
   <p:cSld>
@@ -4429,10 +4578,10 @@
       </p:grpSpPr>
       <p:grpSp>
         <p:nvGrpSpPr>
-          <p:cNvPr id="39" name="Group 38">
+          <p:cNvPr id="3" name="Group 2">
             <a:extLst>
               <a:ext uri="{FF2B5EF4-FFF2-40B4-BE49-F238E27FC236}">
-                <a16:creationId xmlns:a16="http://schemas.microsoft.com/office/drawing/2014/main" id="{007B95EA-10B7-0834-3419-071B82FDB8CA}"/>
+                <a16:creationId xmlns:a16="http://schemas.microsoft.com/office/drawing/2014/main" id="{2969D2E6-3064-D86C-54AF-71CA6A367346}"/>
               </a:ext>
             </a:extLst>
           </p:cNvPr>
@@ -4441,18 +4590,983 @@
         </p:nvGrpSpPr>
         <p:grpSpPr>
           <a:xfrm>
-            <a:off x="2886173" y="612742"/>
-            <a:ext cx="6553331" cy="5539820"/>
-            <a:chOff x="2886173" y="612742"/>
-            <a:chExt cx="6553331" cy="5539820"/>
+            <a:off x="2516957" y="612742"/>
+            <a:ext cx="8003355" cy="5539820"/>
+            <a:chOff x="2516957" y="612742"/>
+            <a:chExt cx="8003355" cy="5539820"/>
           </a:xfrm>
         </p:grpSpPr>
+        <p:grpSp>
+          <p:nvGrpSpPr>
+            <p:cNvPr id="39" name="Group 38">
+              <a:extLst>
+                <a:ext uri="{FF2B5EF4-FFF2-40B4-BE49-F238E27FC236}">
+                  <a16:creationId xmlns:a16="http://schemas.microsoft.com/office/drawing/2014/main" id="{007B95EA-10B7-0834-3419-071B82FDB8CA}"/>
+                </a:ext>
+              </a:extLst>
+            </p:cNvPr>
+            <p:cNvGrpSpPr/>
+            <p:nvPr/>
+          </p:nvGrpSpPr>
+          <p:grpSpPr>
+            <a:xfrm>
+              <a:off x="2886173" y="612742"/>
+              <a:ext cx="6553331" cy="5539820"/>
+              <a:chOff x="2886173" y="612742"/>
+              <a:chExt cx="6553331" cy="5539820"/>
+            </a:xfrm>
+          </p:grpSpPr>
+          <p:sp>
+            <p:nvSpPr>
+              <p:cNvPr id="4" name="Rectangle 3">
+                <a:extLst>
+                  <a:ext uri="{FF2B5EF4-FFF2-40B4-BE49-F238E27FC236}">
+                    <a16:creationId xmlns:a16="http://schemas.microsoft.com/office/drawing/2014/main" id="{95869A08-C588-6C6F-68E6-327620855A14}"/>
+                  </a:ext>
+                </a:extLst>
+              </p:cNvPr>
+              <p:cNvSpPr/>
+              <p:nvPr/>
+            </p:nvSpPr>
+            <p:spPr>
+              <a:xfrm>
+                <a:off x="6617615" y="612742"/>
+                <a:ext cx="2809189" cy="631596"/>
+              </a:xfrm>
+              <a:prstGeom prst="rect">
+                <a:avLst/>
+              </a:prstGeom>
+              <a:solidFill>
+                <a:srgbClr val="003049"/>
+              </a:solidFill>
+              <a:ln>
+                <a:noFill/>
+              </a:ln>
+            </p:spPr>
+            <p:style>
+              <a:lnRef idx="2">
+                <a:schemeClr val="accent1">
+                  <a:shade val="15000"/>
+                </a:schemeClr>
+              </a:lnRef>
+              <a:fillRef idx="1">
+                <a:schemeClr val="accent1"/>
+              </a:fillRef>
+              <a:effectRef idx="0">
+                <a:schemeClr val="accent1"/>
+              </a:effectRef>
+              <a:fontRef idx="minor">
+                <a:schemeClr val="lt1"/>
+              </a:fontRef>
+            </p:style>
+            <p:txBody>
+              <a:bodyPr rtlCol="0" anchor="ctr"/>
+              <a:lstStyle/>
+              <a:p>
+                <a:pPr algn="ctr"/>
+                <a:r>
+                  <a:rPr lang="en-PH" dirty="0"/>
+                  <a:t>Initial observations</a:t>
+                </a:r>
+              </a:p>
+              <a:p>
+                <a:pPr algn="ctr"/>
+                <a:r>
+                  <a:rPr lang="en-PH" dirty="0"/>
+                  <a:t>(Research questions)</a:t>
+                </a:r>
+              </a:p>
+            </p:txBody>
+          </p:sp>
+          <p:sp>
+            <p:nvSpPr>
+              <p:cNvPr id="5" name="Rectangle 4">
+                <a:extLst>
+                  <a:ext uri="{FF2B5EF4-FFF2-40B4-BE49-F238E27FC236}">
+                    <a16:creationId xmlns:a16="http://schemas.microsoft.com/office/drawing/2014/main" id="{8808C127-A409-BC11-D02E-E4D021B9DA65}"/>
+                  </a:ext>
+                </a:extLst>
+              </p:cNvPr>
+              <p:cNvSpPr/>
+              <p:nvPr/>
+            </p:nvSpPr>
+            <p:spPr>
+              <a:xfrm>
+                <a:off x="6617615" y="1839798"/>
+                <a:ext cx="2809189" cy="631596"/>
+              </a:xfrm>
+              <a:prstGeom prst="rect">
+                <a:avLst/>
+              </a:prstGeom>
+              <a:solidFill>
+                <a:srgbClr val="003049"/>
+              </a:solidFill>
+              <a:ln>
+                <a:noFill/>
+              </a:ln>
+            </p:spPr>
+            <p:style>
+              <a:lnRef idx="2">
+                <a:schemeClr val="accent1">
+                  <a:shade val="15000"/>
+                </a:schemeClr>
+              </a:lnRef>
+              <a:fillRef idx="1">
+                <a:schemeClr val="accent1"/>
+              </a:fillRef>
+              <a:effectRef idx="0">
+                <a:schemeClr val="accent1"/>
+              </a:effectRef>
+              <a:fontRef idx="minor">
+                <a:schemeClr val="lt1"/>
+              </a:fontRef>
+            </p:style>
+            <p:txBody>
+              <a:bodyPr rtlCol="0" anchor="ctr"/>
+              <a:lstStyle/>
+              <a:p>
+                <a:pPr algn="ctr"/>
+                <a:r>
+                  <a:rPr lang="en-PH" dirty="0"/>
+                  <a:t>Generate theory</a:t>
+                </a:r>
+              </a:p>
+            </p:txBody>
+          </p:sp>
+          <p:sp>
+            <p:nvSpPr>
+              <p:cNvPr id="6" name="Rectangle 5">
+                <a:extLst>
+                  <a:ext uri="{FF2B5EF4-FFF2-40B4-BE49-F238E27FC236}">
+                    <a16:creationId xmlns:a16="http://schemas.microsoft.com/office/drawing/2014/main" id="{76C3F5DD-120E-219E-CB3D-282B082A29A1}"/>
+                  </a:ext>
+                </a:extLst>
+              </p:cNvPr>
+              <p:cNvSpPr/>
+              <p:nvPr/>
+            </p:nvSpPr>
+            <p:spPr>
+              <a:xfrm>
+                <a:off x="6617615" y="3066854"/>
+                <a:ext cx="2809189" cy="631596"/>
+              </a:xfrm>
+              <a:prstGeom prst="rect">
+                <a:avLst/>
+              </a:prstGeom>
+              <a:solidFill>
+                <a:srgbClr val="003049"/>
+              </a:solidFill>
+              <a:ln>
+                <a:noFill/>
+              </a:ln>
+            </p:spPr>
+            <p:style>
+              <a:lnRef idx="2">
+                <a:schemeClr val="accent1">
+                  <a:shade val="15000"/>
+                </a:schemeClr>
+              </a:lnRef>
+              <a:fillRef idx="1">
+                <a:schemeClr val="accent1"/>
+              </a:fillRef>
+              <a:effectRef idx="0">
+                <a:schemeClr val="accent1"/>
+              </a:effectRef>
+              <a:fontRef idx="minor">
+                <a:schemeClr val="lt1"/>
+              </a:fontRef>
+            </p:style>
+            <p:txBody>
+              <a:bodyPr rtlCol="0" anchor="ctr"/>
+              <a:lstStyle/>
+              <a:p>
+                <a:pPr algn="ctr"/>
+                <a:r>
+                  <a:rPr lang="en-PH" dirty="0"/>
+                  <a:t>Generate hypotheses</a:t>
+                </a:r>
+              </a:p>
+            </p:txBody>
+          </p:sp>
+          <p:sp>
+            <p:nvSpPr>
+              <p:cNvPr id="7" name="Rectangle 6">
+                <a:extLst>
+                  <a:ext uri="{FF2B5EF4-FFF2-40B4-BE49-F238E27FC236}">
+                    <a16:creationId xmlns:a16="http://schemas.microsoft.com/office/drawing/2014/main" id="{2ED15C66-1108-0FED-4184-004177E0BED8}"/>
+                  </a:ext>
+                </a:extLst>
+              </p:cNvPr>
+              <p:cNvSpPr/>
+              <p:nvPr/>
+            </p:nvSpPr>
+            <p:spPr>
+              <a:xfrm>
+                <a:off x="6617615" y="4293910"/>
+                <a:ext cx="2809189" cy="631596"/>
+              </a:xfrm>
+              <a:prstGeom prst="rect">
+                <a:avLst/>
+              </a:prstGeom>
+              <a:solidFill>
+                <a:srgbClr val="003049"/>
+              </a:solidFill>
+              <a:ln>
+                <a:noFill/>
+              </a:ln>
+            </p:spPr>
+            <p:style>
+              <a:lnRef idx="2">
+                <a:schemeClr val="accent1">
+                  <a:shade val="15000"/>
+                </a:schemeClr>
+              </a:lnRef>
+              <a:fillRef idx="1">
+                <a:schemeClr val="accent1"/>
+              </a:fillRef>
+              <a:effectRef idx="0">
+                <a:schemeClr val="accent1"/>
+              </a:effectRef>
+              <a:fontRef idx="minor">
+                <a:schemeClr val="lt1"/>
+              </a:fontRef>
+            </p:style>
+            <p:txBody>
+              <a:bodyPr rtlCol="0" anchor="ctr"/>
+              <a:lstStyle/>
+              <a:p>
+                <a:pPr algn="ctr"/>
+                <a:r>
+                  <a:rPr lang="en-PH" dirty="0"/>
+                  <a:t>Collect data to test theory</a:t>
+                </a:r>
+              </a:p>
+            </p:txBody>
+          </p:sp>
+          <p:sp>
+            <p:nvSpPr>
+              <p:cNvPr id="8" name="Rectangle 7">
+                <a:extLst>
+                  <a:ext uri="{FF2B5EF4-FFF2-40B4-BE49-F238E27FC236}">
+                    <a16:creationId xmlns:a16="http://schemas.microsoft.com/office/drawing/2014/main" id="{32B42018-7ED5-0D1C-D65B-704371C9BE01}"/>
+                  </a:ext>
+                </a:extLst>
+              </p:cNvPr>
+              <p:cNvSpPr/>
+              <p:nvPr/>
+            </p:nvSpPr>
+            <p:spPr>
+              <a:xfrm>
+                <a:off x="6617615" y="5520966"/>
+                <a:ext cx="2809189" cy="631596"/>
+              </a:xfrm>
+              <a:prstGeom prst="rect">
+                <a:avLst/>
+              </a:prstGeom>
+              <a:solidFill>
+                <a:srgbClr val="003049"/>
+              </a:solidFill>
+              <a:ln>
+                <a:noFill/>
+              </a:ln>
+            </p:spPr>
+            <p:style>
+              <a:lnRef idx="2">
+                <a:schemeClr val="accent1">
+                  <a:shade val="15000"/>
+                </a:schemeClr>
+              </a:lnRef>
+              <a:fillRef idx="1">
+                <a:schemeClr val="accent1"/>
+              </a:fillRef>
+              <a:effectRef idx="0">
+                <a:schemeClr val="accent1"/>
+              </a:effectRef>
+              <a:fontRef idx="minor">
+                <a:schemeClr val="lt1"/>
+              </a:fontRef>
+            </p:style>
+            <p:txBody>
+              <a:bodyPr rtlCol="0" anchor="ctr"/>
+              <a:lstStyle/>
+              <a:p>
+                <a:pPr algn="ctr"/>
+                <a:r>
+                  <a:rPr lang="en-PH" dirty="0"/>
+                  <a:t>Analyze data</a:t>
+                </a:r>
+              </a:p>
+            </p:txBody>
+          </p:sp>
+          <p:cxnSp>
+            <p:nvCxnSpPr>
+              <p:cNvPr id="10" name="Straight Arrow Connector 9">
+                <a:extLst>
+                  <a:ext uri="{FF2B5EF4-FFF2-40B4-BE49-F238E27FC236}">
+                    <a16:creationId xmlns:a16="http://schemas.microsoft.com/office/drawing/2014/main" id="{DC4CE6FB-1F0B-95FB-B828-04ED148858C6}"/>
+                  </a:ext>
+                </a:extLst>
+              </p:cNvPr>
+              <p:cNvCxnSpPr>
+                <a:stCxn id="4" idx="2"/>
+                <a:endCxn id="5" idx="0"/>
+              </p:cNvCxnSpPr>
+              <p:nvPr/>
+            </p:nvCxnSpPr>
+            <p:spPr>
+              <a:xfrm>
+                <a:off x="8022210" y="1244338"/>
+                <a:ext cx="0" cy="595460"/>
+              </a:xfrm>
+              <a:prstGeom prst="straightConnector1">
+                <a:avLst/>
+              </a:prstGeom>
+              <a:ln w="28575">
+                <a:solidFill>
+                  <a:schemeClr val="tx1">
+                    <a:lumMod val="75000"/>
+                    <a:lumOff val="25000"/>
+                  </a:schemeClr>
+                </a:solidFill>
+                <a:tailEnd type="triangle"/>
+              </a:ln>
+            </p:spPr>
+            <p:style>
+              <a:lnRef idx="1">
+                <a:schemeClr val="dk1"/>
+              </a:lnRef>
+              <a:fillRef idx="0">
+                <a:schemeClr val="dk1"/>
+              </a:fillRef>
+              <a:effectRef idx="0">
+                <a:schemeClr val="dk1"/>
+              </a:effectRef>
+              <a:fontRef idx="minor">
+                <a:schemeClr val="tx1"/>
+              </a:fontRef>
+            </p:style>
+          </p:cxnSp>
+          <p:cxnSp>
+            <p:nvCxnSpPr>
+              <p:cNvPr id="11" name="Straight Arrow Connector 10">
+                <a:extLst>
+                  <a:ext uri="{FF2B5EF4-FFF2-40B4-BE49-F238E27FC236}">
+                    <a16:creationId xmlns:a16="http://schemas.microsoft.com/office/drawing/2014/main" id="{8020577A-A98F-1D58-B54A-580762EC9ACD}"/>
+                  </a:ext>
+                </a:extLst>
+              </p:cNvPr>
+              <p:cNvCxnSpPr>
+                <a:cxnSpLocks/>
+                <a:stCxn id="5" idx="2"/>
+                <a:endCxn id="6" idx="0"/>
+              </p:cNvCxnSpPr>
+              <p:nvPr/>
+            </p:nvCxnSpPr>
+            <p:spPr>
+              <a:xfrm>
+                <a:off x="8022210" y="2471394"/>
+                <a:ext cx="0" cy="595460"/>
+              </a:xfrm>
+              <a:prstGeom prst="straightConnector1">
+                <a:avLst/>
+              </a:prstGeom>
+              <a:ln w="28575">
+                <a:solidFill>
+                  <a:schemeClr val="tx1">
+                    <a:lumMod val="75000"/>
+                    <a:lumOff val="25000"/>
+                  </a:schemeClr>
+                </a:solidFill>
+                <a:tailEnd type="triangle"/>
+              </a:ln>
+            </p:spPr>
+            <p:style>
+              <a:lnRef idx="1">
+                <a:schemeClr val="dk1"/>
+              </a:lnRef>
+              <a:fillRef idx="0">
+                <a:schemeClr val="dk1"/>
+              </a:fillRef>
+              <a:effectRef idx="0">
+                <a:schemeClr val="dk1"/>
+              </a:effectRef>
+              <a:fontRef idx="minor">
+                <a:schemeClr val="tx1"/>
+              </a:fontRef>
+            </p:style>
+          </p:cxnSp>
+          <p:cxnSp>
+            <p:nvCxnSpPr>
+              <p:cNvPr id="14" name="Straight Arrow Connector 13">
+                <a:extLst>
+                  <a:ext uri="{FF2B5EF4-FFF2-40B4-BE49-F238E27FC236}">
+                    <a16:creationId xmlns:a16="http://schemas.microsoft.com/office/drawing/2014/main" id="{45C84B4D-884B-919D-E62F-225E656C847D}"/>
+                  </a:ext>
+                </a:extLst>
+              </p:cNvPr>
+              <p:cNvCxnSpPr>
+                <a:cxnSpLocks/>
+                <a:stCxn id="6" idx="2"/>
+                <a:endCxn id="7" idx="0"/>
+              </p:cNvCxnSpPr>
+              <p:nvPr/>
+            </p:nvCxnSpPr>
+            <p:spPr>
+              <a:xfrm>
+                <a:off x="8022210" y="3698450"/>
+                <a:ext cx="0" cy="595460"/>
+              </a:xfrm>
+              <a:prstGeom prst="straightConnector1">
+                <a:avLst/>
+              </a:prstGeom>
+              <a:ln w="28575">
+                <a:solidFill>
+                  <a:schemeClr val="tx1">
+                    <a:lumMod val="75000"/>
+                    <a:lumOff val="25000"/>
+                  </a:schemeClr>
+                </a:solidFill>
+                <a:tailEnd type="triangle"/>
+              </a:ln>
+            </p:spPr>
+            <p:style>
+              <a:lnRef idx="1">
+                <a:schemeClr val="dk1"/>
+              </a:lnRef>
+              <a:fillRef idx="0">
+                <a:schemeClr val="dk1"/>
+              </a:fillRef>
+              <a:effectRef idx="0">
+                <a:schemeClr val="dk1"/>
+              </a:effectRef>
+              <a:fontRef idx="minor">
+                <a:schemeClr val="tx1"/>
+              </a:fontRef>
+            </p:style>
+          </p:cxnSp>
+          <p:cxnSp>
+            <p:nvCxnSpPr>
+              <p:cNvPr id="17" name="Straight Arrow Connector 16">
+                <a:extLst>
+                  <a:ext uri="{FF2B5EF4-FFF2-40B4-BE49-F238E27FC236}">
+                    <a16:creationId xmlns:a16="http://schemas.microsoft.com/office/drawing/2014/main" id="{58BC2242-847E-86C8-98E4-6B8356DAACF4}"/>
+                  </a:ext>
+                </a:extLst>
+              </p:cNvPr>
+              <p:cNvCxnSpPr>
+                <a:cxnSpLocks/>
+                <a:stCxn id="7" idx="2"/>
+                <a:endCxn id="8" idx="0"/>
+              </p:cNvCxnSpPr>
+              <p:nvPr/>
+            </p:nvCxnSpPr>
+            <p:spPr>
+              <a:xfrm>
+                <a:off x="8022210" y="4925506"/>
+                <a:ext cx="0" cy="595460"/>
+              </a:xfrm>
+              <a:prstGeom prst="straightConnector1">
+                <a:avLst/>
+              </a:prstGeom>
+              <a:ln w="28575">
+                <a:solidFill>
+                  <a:schemeClr val="tx1">
+                    <a:lumMod val="75000"/>
+                    <a:lumOff val="25000"/>
+                  </a:schemeClr>
+                </a:solidFill>
+                <a:tailEnd type="triangle"/>
+              </a:ln>
+            </p:spPr>
+            <p:style>
+              <a:lnRef idx="1">
+                <a:schemeClr val="dk1"/>
+              </a:lnRef>
+              <a:fillRef idx="0">
+                <a:schemeClr val="dk1"/>
+              </a:fillRef>
+              <a:effectRef idx="0">
+                <a:schemeClr val="dk1"/>
+              </a:effectRef>
+              <a:fontRef idx="minor">
+                <a:schemeClr val="tx1"/>
+              </a:fontRef>
+            </p:style>
+          </p:cxnSp>
+          <p:cxnSp>
+            <p:nvCxnSpPr>
+              <p:cNvPr id="21" name="Connector: Elbow 20">
+                <a:extLst>
+                  <a:ext uri="{FF2B5EF4-FFF2-40B4-BE49-F238E27FC236}">
+                    <a16:creationId xmlns:a16="http://schemas.microsoft.com/office/drawing/2014/main" id="{5AEB1F39-0CB2-F1F7-C878-A960FE4A55F2}"/>
+                  </a:ext>
+                </a:extLst>
+              </p:cNvPr>
+              <p:cNvCxnSpPr>
+                <a:stCxn id="8" idx="3"/>
+                <a:endCxn id="5" idx="3"/>
+              </p:cNvCxnSpPr>
+              <p:nvPr/>
+            </p:nvCxnSpPr>
+            <p:spPr>
+              <a:xfrm flipV="1">
+                <a:off x="9426804" y="2155596"/>
+                <a:ext cx="12700" cy="3681168"/>
+              </a:xfrm>
+              <a:prstGeom prst="bentConnector3">
+                <a:avLst>
+                  <a:gd name="adj1" fmla="val 5956701"/>
+                </a:avLst>
+              </a:prstGeom>
+              <a:ln w="28575">
+                <a:solidFill>
+                  <a:schemeClr val="tx1">
+                    <a:lumMod val="75000"/>
+                    <a:lumOff val="25000"/>
+                  </a:schemeClr>
+                </a:solidFill>
+                <a:tailEnd type="triangle"/>
+              </a:ln>
+            </p:spPr>
+            <p:style>
+              <a:lnRef idx="1">
+                <a:schemeClr val="dk1"/>
+              </a:lnRef>
+              <a:fillRef idx="0">
+                <a:schemeClr val="dk1"/>
+              </a:fillRef>
+              <a:effectRef idx="0">
+                <a:schemeClr val="dk1"/>
+              </a:effectRef>
+              <a:fontRef idx="minor">
+                <a:schemeClr val="tx1"/>
+              </a:fontRef>
+            </p:style>
+          </p:cxnSp>
+          <p:sp>
+            <p:nvSpPr>
+              <p:cNvPr id="23" name="Rectangle 22">
+                <a:extLst>
+                  <a:ext uri="{FF2B5EF4-FFF2-40B4-BE49-F238E27FC236}">
+                    <a16:creationId xmlns:a16="http://schemas.microsoft.com/office/drawing/2014/main" id="{526AA3FC-CB9F-133F-FEE5-FA6778EA320B}"/>
+                  </a:ext>
+                </a:extLst>
+              </p:cNvPr>
+              <p:cNvSpPr/>
+              <p:nvPr/>
+            </p:nvSpPr>
+            <p:spPr>
+              <a:xfrm>
+                <a:off x="2886173" y="612742"/>
+                <a:ext cx="2317424" cy="631596"/>
+              </a:xfrm>
+              <a:prstGeom prst="rect">
+                <a:avLst/>
+              </a:prstGeom>
+              <a:solidFill>
+                <a:srgbClr val="005F73"/>
+              </a:solidFill>
+              <a:ln>
+                <a:noFill/>
+              </a:ln>
+            </p:spPr>
+            <p:style>
+              <a:lnRef idx="2">
+                <a:schemeClr val="accent1">
+                  <a:shade val="15000"/>
+                </a:schemeClr>
+              </a:lnRef>
+              <a:fillRef idx="1">
+                <a:schemeClr val="accent1"/>
+              </a:fillRef>
+              <a:effectRef idx="0">
+                <a:schemeClr val="accent1"/>
+              </a:effectRef>
+              <a:fontRef idx="minor">
+                <a:schemeClr val="lt1"/>
+              </a:fontRef>
+            </p:style>
+            <p:txBody>
+              <a:bodyPr rtlCol="0" anchor="ctr"/>
+              <a:lstStyle/>
+              <a:p>
+                <a:pPr algn="ctr"/>
+                <a:r>
+                  <a:rPr lang="en-PH" dirty="0"/>
+                  <a:t>data</a:t>
+                </a:r>
+              </a:p>
+            </p:txBody>
+          </p:sp>
+          <p:sp>
+            <p:nvSpPr>
+              <p:cNvPr id="24" name="Rectangle 23">
+                <a:extLst>
+                  <a:ext uri="{FF2B5EF4-FFF2-40B4-BE49-F238E27FC236}">
+                    <a16:creationId xmlns:a16="http://schemas.microsoft.com/office/drawing/2014/main" id="{BC26471C-F848-E20F-DFED-590D5118372A}"/>
+                  </a:ext>
+                </a:extLst>
+              </p:cNvPr>
+              <p:cNvSpPr/>
+              <p:nvPr/>
+            </p:nvSpPr>
+            <p:spPr>
+              <a:xfrm>
+                <a:off x="2886173" y="3066854"/>
+                <a:ext cx="2317424" cy="631596"/>
+              </a:xfrm>
+              <a:prstGeom prst="rect">
+                <a:avLst/>
+              </a:prstGeom>
+              <a:solidFill>
+                <a:srgbClr val="005F73"/>
+              </a:solidFill>
+              <a:ln>
+                <a:noFill/>
+              </a:ln>
+            </p:spPr>
+            <p:style>
+              <a:lnRef idx="2">
+                <a:schemeClr val="accent1">
+                  <a:shade val="15000"/>
+                </a:schemeClr>
+              </a:lnRef>
+              <a:fillRef idx="1">
+                <a:schemeClr val="accent1"/>
+              </a:fillRef>
+              <a:effectRef idx="0">
+                <a:schemeClr val="accent1"/>
+              </a:effectRef>
+              <a:fontRef idx="minor">
+                <a:schemeClr val="lt1"/>
+              </a:fontRef>
+            </p:style>
+            <p:txBody>
+              <a:bodyPr rtlCol="0" anchor="ctr"/>
+              <a:lstStyle/>
+              <a:p>
+                <a:pPr algn="ctr"/>
+                <a:r>
+                  <a:rPr lang="en-PH" dirty="0"/>
+                  <a:t>Identify variables</a:t>
+                </a:r>
+              </a:p>
+            </p:txBody>
+          </p:sp>
+          <p:sp>
+            <p:nvSpPr>
+              <p:cNvPr id="25" name="Rectangle 24">
+                <a:extLst>
+                  <a:ext uri="{FF2B5EF4-FFF2-40B4-BE49-F238E27FC236}">
+                    <a16:creationId xmlns:a16="http://schemas.microsoft.com/office/drawing/2014/main" id="{2494A07E-3415-86B8-1AB2-7332674C6DB2}"/>
+                  </a:ext>
+                </a:extLst>
+              </p:cNvPr>
+              <p:cNvSpPr/>
+              <p:nvPr/>
+            </p:nvSpPr>
+            <p:spPr>
+              <a:xfrm>
+                <a:off x="2886173" y="4293910"/>
+                <a:ext cx="2317424" cy="631596"/>
+              </a:xfrm>
+              <a:prstGeom prst="rect">
+                <a:avLst/>
+              </a:prstGeom>
+              <a:solidFill>
+                <a:srgbClr val="005F73"/>
+              </a:solidFill>
+              <a:ln>
+                <a:noFill/>
+              </a:ln>
+            </p:spPr>
+            <p:style>
+              <a:lnRef idx="2">
+                <a:schemeClr val="accent1">
+                  <a:shade val="15000"/>
+                </a:schemeClr>
+              </a:lnRef>
+              <a:fillRef idx="1">
+                <a:schemeClr val="accent1"/>
+              </a:fillRef>
+              <a:effectRef idx="0">
+                <a:schemeClr val="accent1"/>
+              </a:effectRef>
+              <a:fontRef idx="minor">
+                <a:schemeClr val="lt1"/>
+              </a:fontRef>
+            </p:style>
+            <p:txBody>
+              <a:bodyPr rtlCol="0" anchor="ctr"/>
+              <a:lstStyle/>
+              <a:p>
+                <a:pPr algn="ctr"/>
+                <a:r>
+                  <a:rPr lang="en-PH" dirty="0"/>
+                  <a:t>Measure variables</a:t>
+                </a:r>
+              </a:p>
+            </p:txBody>
+          </p:sp>
+          <p:sp>
+            <p:nvSpPr>
+              <p:cNvPr id="26" name="Rectangle 25">
+                <a:extLst>
+                  <a:ext uri="{FF2B5EF4-FFF2-40B4-BE49-F238E27FC236}">
+                    <a16:creationId xmlns:a16="http://schemas.microsoft.com/office/drawing/2014/main" id="{B1F719D9-0753-9647-EC62-37BE66FC1701}"/>
+                  </a:ext>
+                </a:extLst>
+              </p:cNvPr>
+              <p:cNvSpPr/>
+              <p:nvPr/>
+            </p:nvSpPr>
+            <p:spPr>
+              <a:xfrm>
+                <a:off x="2886173" y="5520966"/>
+                <a:ext cx="2317424" cy="631596"/>
+              </a:xfrm>
+              <a:prstGeom prst="rect">
+                <a:avLst/>
+              </a:prstGeom>
+              <a:solidFill>
+                <a:srgbClr val="005F73"/>
+              </a:solidFill>
+              <a:ln>
+                <a:noFill/>
+              </a:ln>
+            </p:spPr>
+            <p:style>
+              <a:lnRef idx="2">
+                <a:schemeClr val="accent1">
+                  <a:shade val="15000"/>
+                </a:schemeClr>
+              </a:lnRef>
+              <a:fillRef idx="1">
+                <a:schemeClr val="accent1"/>
+              </a:fillRef>
+              <a:effectRef idx="0">
+                <a:schemeClr val="accent1"/>
+              </a:effectRef>
+              <a:fontRef idx="minor">
+                <a:schemeClr val="lt1"/>
+              </a:fontRef>
+            </p:style>
+            <p:txBody>
+              <a:bodyPr rtlCol="0" anchor="ctr"/>
+              <a:lstStyle/>
+              <a:p>
+                <a:pPr algn="ctr"/>
+                <a:r>
+                  <a:rPr lang="en-PH" dirty="0"/>
+                  <a:t>Graph data / fit a model</a:t>
+                </a:r>
+              </a:p>
+            </p:txBody>
+          </p:sp>
+          <p:cxnSp>
+            <p:nvCxnSpPr>
+              <p:cNvPr id="27" name="Straight Arrow Connector 26">
+                <a:extLst>
+                  <a:ext uri="{FF2B5EF4-FFF2-40B4-BE49-F238E27FC236}">
+                    <a16:creationId xmlns:a16="http://schemas.microsoft.com/office/drawing/2014/main" id="{8A2C7916-901F-725B-8E28-38913EE65834}"/>
+                  </a:ext>
+                </a:extLst>
+              </p:cNvPr>
+              <p:cNvCxnSpPr>
+                <a:cxnSpLocks/>
+                <a:stCxn id="4" idx="1"/>
+                <a:endCxn id="23" idx="3"/>
+              </p:cNvCxnSpPr>
+              <p:nvPr/>
+            </p:nvCxnSpPr>
+            <p:spPr>
+              <a:xfrm flipH="1">
+                <a:off x="5203597" y="928540"/>
+                <a:ext cx="1414018" cy="0"/>
+              </a:xfrm>
+              <a:prstGeom prst="straightConnector1">
+                <a:avLst/>
+              </a:prstGeom>
+              <a:ln w="28575">
+                <a:solidFill>
+                  <a:schemeClr val="tx1">
+                    <a:lumMod val="75000"/>
+                    <a:lumOff val="25000"/>
+                  </a:schemeClr>
+                </a:solidFill>
+                <a:headEnd type="triangle" w="med" len="med"/>
+                <a:tailEnd type="triangle" w="med" len="med"/>
+              </a:ln>
+            </p:spPr>
+            <p:style>
+              <a:lnRef idx="1">
+                <a:schemeClr val="dk1"/>
+              </a:lnRef>
+              <a:fillRef idx="0">
+                <a:schemeClr val="dk1"/>
+              </a:fillRef>
+              <a:effectRef idx="0">
+                <a:schemeClr val="dk1"/>
+              </a:effectRef>
+              <a:fontRef idx="minor">
+                <a:schemeClr val="tx1"/>
+              </a:fontRef>
+            </p:style>
+          </p:cxnSp>
+          <p:cxnSp>
+            <p:nvCxnSpPr>
+              <p:cNvPr id="30" name="Straight Arrow Connector 29">
+                <a:extLst>
+                  <a:ext uri="{FF2B5EF4-FFF2-40B4-BE49-F238E27FC236}">
+                    <a16:creationId xmlns:a16="http://schemas.microsoft.com/office/drawing/2014/main" id="{37F0678F-2598-626B-0078-7599AD9CB3BD}"/>
+                  </a:ext>
+                </a:extLst>
+              </p:cNvPr>
+              <p:cNvCxnSpPr>
+                <a:cxnSpLocks/>
+                <a:stCxn id="6" idx="1"/>
+                <a:endCxn id="24" idx="3"/>
+              </p:cNvCxnSpPr>
+              <p:nvPr/>
+            </p:nvCxnSpPr>
+            <p:spPr>
+              <a:xfrm flipH="1">
+                <a:off x="5203597" y="3382652"/>
+                <a:ext cx="1414018" cy="0"/>
+              </a:xfrm>
+              <a:prstGeom prst="straightConnector1">
+                <a:avLst/>
+              </a:prstGeom>
+              <a:ln w="28575">
+                <a:solidFill>
+                  <a:schemeClr val="tx1">
+                    <a:lumMod val="75000"/>
+                    <a:lumOff val="25000"/>
+                  </a:schemeClr>
+                </a:solidFill>
+                <a:tailEnd type="triangle"/>
+              </a:ln>
+            </p:spPr>
+            <p:style>
+              <a:lnRef idx="1">
+                <a:schemeClr val="dk1"/>
+              </a:lnRef>
+              <a:fillRef idx="0">
+                <a:schemeClr val="dk1"/>
+              </a:fillRef>
+              <a:effectRef idx="0">
+                <a:schemeClr val="dk1"/>
+              </a:effectRef>
+              <a:fontRef idx="minor">
+                <a:schemeClr val="tx1"/>
+              </a:fontRef>
+            </p:style>
+          </p:cxnSp>
+          <p:cxnSp>
+            <p:nvCxnSpPr>
+              <p:cNvPr id="33" name="Straight Arrow Connector 32">
+                <a:extLst>
+                  <a:ext uri="{FF2B5EF4-FFF2-40B4-BE49-F238E27FC236}">
+                    <a16:creationId xmlns:a16="http://schemas.microsoft.com/office/drawing/2014/main" id="{0FEE767E-E532-682F-645D-BA14D51A4EA7}"/>
+                  </a:ext>
+                </a:extLst>
+              </p:cNvPr>
+              <p:cNvCxnSpPr>
+                <a:cxnSpLocks/>
+                <a:stCxn id="7" idx="1"/>
+                <a:endCxn id="25" idx="3"/>
+              </p:cNvCxnSpPr>
+              <p:nvPr/>
+            </p:nvCxnSpPr>
+            <p:spPr>
+              <a:xfrm flipH="1">
+                <a:off x="5203597" y="4609708"/>
+                <a:ext cx="1414018" cy="0"/>
+              </a:xfrm>
+              <a:prstGeom prst="straightConnector1">
+                <a:avLst/>
+              </a:prstGeom>
+              <a:ln w="28575">
+                <a:solidFill>
+                  <a:schemeClr val="tx1">
+                    <a:lumMod val="75000"/>
+                    <a:lumOff val="25000"/>
+                  </a:schemeClr>
+                </a:solidFill>
+                <a:tailEnd type="triangle"/>
+              </a:ln>
+            </p:spPr>
+            <p:style>
+              <a:lnRef idx="1">
+                <a:schemeClr val="dk1"/>
+              </a:lnRef>
+              <a:fillRef idx="0">
+                <a:schemeClr val="dk1"/>
+              </a:fillRef>
+              <a:effectRef idx="0">
+                <a:schemeClr val="dk1"/>
+              </a:effectRef>
+              <a:fontRef idx="minor">
+                <a:schemeClr val="tx1"/>
+              </a:fontRef>
+            </p:style>
+          </p:cxnSp>
+          <p:cxnSp>
+            <p:nvCxnSpPr>
+              <p:cNvPr id="36" name="Straight Arrow Connector 35">
+                <a:extLst>
+                  <a:ext uri="{FF2B5EF4-FFF2-40B4-BE49-F238E27FC236}">
+                    <a16:creationId xmlns:a16="http://schemas.microsoft.com/office/drawing/2014/main" id="{E2BECACA-1BC7-A97D-BD0B-F3F62005B732}"/>
+                  </a:ext>
+                </a:extLst>
+              </p:cNvPr>
+              <p:cNvCxnSpPr>
+                <a:cxnSpLocks/>
+                <a:stCxn id="8" idx="1"/>
+                <a:endCxn id="26" idx="3"/>
+              </p:cNvCxnSpPr>
+              <p:nvPr/>
+            </p:nvCxnSpPr>
+            <p:spPr>
+              <a:xfrm flipH="1">
+                <a:off x="5203597" y="5836764"/>
+                <a:ext cx="1414018" cy="0"/>
+              </a:xfrm>
+              <a:prstGeom prst="straightConnector1">
+                <a:avLst/>
+              </a:prstGeom>
+              <a:ln w="28575">
+                <a:solidFill>
+                  <a:schemeClr val="tx1">
+                    <a:lumMod val="75000"/>
+                    <a:lumOff val="25000"/>
+                  </a:schemeClr>
+                </a:solidFill>
+                <a:tailEnd type="triangle"/>
+              </a:ln>
+            </p:spPr>
+            <p:style>
+              <a:lnRef idx="1">
+                <a:schemeClr val="dk1"/>
+              </a:lnRef>
+              <a:fillRef idx="0">
+                <a:schemeClr val="dk1"/>
+              </a:fillRef>
+              <a:effectRef idx="0">
+                <a:schemeClr val="dk1"/>
+              </a:effectRef>
+              <a:fontRef idx="minor">
+                <a:schemeClr val="tx1"/>
+              </a:fontRef>
+            </p:style>
+          </p:cxnSp>
+        </p:grpSp>
         <p:sp>
           <p:nvSpPr>
-            <p:cNvPr id="4" name="Rectangle 3">
+            <p:cNvPr id="2" name="Rectangle 1">
               <a:extLst>
                 <a:ext uri="{FF2B5EF4-FFF2-40B4-BE49-F238E27FC236}">
-                  <a16:creationId xmlns:a16="http://schemas.microsoft.com/office/drawing/2014/main" id="{95869A08-C588-6C6F-68E6-327620855A14}"/>
+                  <a16:creationId xmlns:a16="http://schemas.microsoft.com/office/drawing/2014/main" id="{134309A7-115D-E8E7-C8A5-96041D698862}"/>
                 </a:ext>
               </a:extLst>
             </p:cNvPr>
@@ -4461,14 +5575,16 @@
           </p:nvSpPr>
           <p:spPr>
             <a:xfrm>
-              <a:off x="6617615" y="612742"/>
-              <a:ext cx="2809189" cy="631596"/>
+              <a:off x="2516957" y="1583703"/>
+              <a:ext cx="8003355" cy="2469823"/>
             </a:xfrm>
             <a:prstGeom prst="rect">
               <a:avLst/>
             </a:prstGeom>
             <a:solidFill>
-              <a:srgbClr val="003049"/>
+              <a:srgbClr val="005F73">
+                <a:alpha val="23000"/>
+              </a:srgbClr>
             </a:solidFill>
             <a:ln>
               <a:noFill/>
@@ -4495,957 +5611,11 @@
             <a:lstStyle/>
             <a:p>
               <a:pPr algn="ctr"/>
-              <a:r>
-                <a:rPr lang="en-PH" dirty="0"/>
-                <a:t>Initial observations</a:t>
-              </a:r>
-            </a:p>
-            <a:p>
-              <a:pPr algn="ctr"/>
-              <a:r>
-                <a:rPr lang="en-PH" dirty="0"/>
-                <a:t>(Research questions)</a:t>
-              </a:r>
+              <a:endParaRPr lang="en-PH"/>
             </a:p>
           </p:txBody>
         </p:sp>
-        <p:sp>
-          <p:nvSpPr>
-            <p:cNvPr id="5" name="Rectangle 4">
-              <a:extLst>
-                <a:ext uri="{FF2B5EF4-FFF2-40B4-BE49-F238E27FC236}">
-                  <a16:creationId xmlns:a16="http://schemas.microsoft.com/office/drawing/2014/main" id="{8808C127-A409-BC11-D02E-E4D021B9DA65}"/>
-                </a:ext>
-              </a:extLst>
-            </p:cNvPr>
-            <p:cNvSpPr/>
-            <p:nvPr/>
-          </p:nvSpPr>
-          <p:spPr>
-            <a:xfrm>
-              <a:off x="6617615" y="1839798"/>
-              <a:ext cx="2809189" cy="631596"/>
-            </a:xfrm>
-            <a:prstGeom prst="rect">
-              <a:avLst/>
-            </a:prstGeom>
-            <a:solidFill>
-              <a:srgbClr val="003049"/>
-            </a:solidFill>
-            <a:ln>
-              <a:noFill/>
-            </a:ln>
-          </p:spPr>
-          <p:style>
-            <a:lnRef idx="2">
-              <a:schemeClr val="accent1">
-                <a:shade val="15000"/>
-              </a:schemeClr>
-            </a:lnRef>
-            <a:fillRef idx="1">
-              <a:schemeClr val="accent1"/>
-            </a:fillRef>
-            <a:effectRef idx="0">
-              <a:schemeClr val="accent1"/>
-            </a:effectRef>
-            <a:fontRef idx="minor">
-              <a:schemeClr val="lt1"/>
-            </a:fontRef>
-          </p:style>
-          <p:txBody>
-            <a:bodyPr rtlCol="0" anchor="ctr"/>
-            <a:lstStyle/>
-            <a:p>
-              <a:pPr algn="ctr"/>
-              <a:r>
-                <a:rPr lang="en-PH" dirty="0"/>
-                <a:t>Generate theory</a:t>
-              </a:r>
-            </a:p>
-          </p:txBody>
-        </p:sp>
-        <p:sp>
-          <p:nvSpPr>
-            <p:cNvPr id="6" name="Rectangle 5">
-              <a:extLst>
-                <a:ext uri="{FF2B5EF4-FFF2-40B4-BE49-F238E27FC236}">
-                  <a16:creationId xmlns:a16="http://schemas.microsoft.com/office/drawing/2014/main" id="{76C3F5DD-120E-219E-CB3D-282B082A29A1}"/>
-                </a:ext>
-              </a:extLst>
-            </p:cNvPr>
-            <p:cNvSpPr/>
-            <p:nvPr/>
-          </p:nvSpPr>
-          <p:spPr>
-            <a:xfrm>
-              <a:off x="6617615" y="3066854"/>
-              <a:ext cx="2809189" cy="631596"/>
-            </a:xfrm>
-            <a:prstGeom prst="rect">
-              <a:avLst/>
-            </a:prstGeom>
-            <a:solidFill>
-              <a:srgbClr val="003049"/>
-            </a:solidFill>
-            <a:ln>
-              <a:noFill/>
-            </a:ln>
-          </p:spPr>
-          <p:style>
-            <a:lnRef idx="2">
-              <a:schemeClr val="accent1">
-                <a:shade val="15000"/>
-              </a:schemeClr>
-            </a:lnRef>
-            <a:fillRef idx="1">
-              <a:schemeClr val="accent1"/>
-            </a:fillRef>
-            <a:effectRef idx="0">
-              <a:schemeClr val="accent1"/>
-            </a:effectRef>
-            <a:fontRef idx="minor">
-              <a:schemeClr val="lt1"/>
-            </a:fontRef>
-          </p:style>
-          <p:txBody>
-            <a:bodyPr rtlCol="0" anchor="ctr"/>
-            <a:lstStyle/>
-            <a:p>
-              <a:pPr algn="ctr"/>
-              <a:r>
-                <a:rPr lang="en-PH" dirty="0"/>
-                <a:t>Generate hypotheses</a:t>
-              </a:r>
-            </a:p>
-          </p:txBody>
-        </p:sp>
-        <p:sp>
-          <p:nvSpPr>
-            <p:cNvPr id="7" name="Rectangle 6">
-              <a:extLst>
-                <a:ext uri="{FF2B5EF4-FFF2-40B4-BE49-F238E27FC236}">
-                  <a16:creationId xmlns:a16="http://schemas.microsoft.com/office/drawing/2014/main" id="{2ED15C66-1108-0FED-4184-004177E0BED8}"/>
-                </a:ext>
-              </a:extLst>
-            </p:cNvPr>
-            <p:cNvSpPr/>
-            <p:nvPr/>
-          </p:nvSpPr>
-          <p:spPr>
-            <a:xfrm>
-              <a:off x="6617615" y="4293910"/>
-              <a:ext cx="2809189" cy="631596"/>
-            </a:xfrm>
-            <a:prstGeom prst="rect">
-              <a:avLst/>
-            </a:prstGeom>
-            <a:solidFill>
-              <a:srgbClr val="003049"/>
-            </a:solidFill>
-            <a:ln>
-              <a:noFill/>
-            </a:ln>
-          </p:spPr>
-          <p:style>
-            <a:lnRef idx="2">
-              <a:schemeClr val="accent1">
-                <a:shade val="15000"/>
-              </a:schemeClr>
-            </a:lnRef>
-            <a:fillRef idx="1">
-              <a:schemeClr val="accent1"/>
-            </a:fillRef>
-            <a:effectRef idx="0">
-              <a:schemeClr val="accent1"/>
-            </a:effectRef>
-            <a:fontRef idx="minor">
-              <a:schemeClr val="lt1"/>
-            </a:fontRef>
-          </p:style>
-          <p:txBody>
-            <a:bodyPr rtlCol="0" anchor="ctr"/>
-            <a:lstStyle/>
-            <a:p>
-              <a:pPr algn="ctr"/>
-              <a:r>
-                <a:rPr lang="en-PH" dirty="0"/>
-                <a:t>Collect data to test theory</a:t>
-              </a:r>
-            </a:p>
-          </p:txBody>
-        </p:sp>
-        <p:sp>
-          <p:nvSpPr>
-            <p:cNvPr id="8" name="Rectangle 7">
-              <a:extLst>
-                <a:ext uri="{FF2B5EF4-FFF2-40B4-BE49-F238E27FC236}">
-                  <a16:creationId xmlns:a16="http://schemas.microsoft.com/office/drawing/2014/main" id="{32B42018-7ED5-0D1C-D65B-704371C9BE01}"/>
-                </a:ext>
-              </a:extLst>
-            </p:cNvPr>
-            <p:cNvSpPr/>
-            <p:nvPr/>
-          </p:nvSpPr>
-          <p:spPr>
-            <a:xfrm>
-              <a:off x="6617615" y="5520966"/>
-              <a:ext cx="2809189" cy="631596"/>
-            </a:xfrm>
-            <a:prstGeom prst="rect">
-              <a:avLst/>
-            </a:prstGeom>
-            <a:solidFill>
-              <a:srgbClr val="003049"/>
-            </a:solidFill>
-            <a:ln>
-              <a:noFill/>
-            </a:ln>
-          </p:spPr>
-          <p:style>
-            <a:lnRef idx="2">
-              <a:schemeClr val="accent1">
-                <a:shade val="15000"/>
-              </a:schemeClr>
-            </a:lnRef>
-            <a:fillRef idx="1">
-              <a:schemeClr val="accent1"/>
-            </a:fillRef>
-            <a:effectRef idx="0">
-              <a:schemeClr val="accent1"/>
-            </a:effectRef>
-            <a:fontRef idx="minor">
-              <a:schemeClr val="lt1"/>
-            </a:fontRef>
-          </p:style>
-          <p:txBody>
-            <a:bodyPr rtlCol="0" anchor="ctr"/>
-            <a:lstStyle/>
-            <a:p>
-              <a:pPr algn="ctr"/>
-              <a:r>
-                <a:rPr lang="en-PH" dirty="0"/>
-                <a:t>Analyze data</a:t>
-              </a:r>
-            </a:p>
-          </p:txBody>
-        </p:sp>
-        <p:cxnSp>
-          <p:nvCxnSpPr>
-            <p:cNvPr id="10" name="Straight Arrow Connector 9">
-              <a:extLst>
-                <a:ext uri="{FF2B5EF4-FFF2-40B4-BE49-F238E27FC236}">
-                  <a16:creationId xmlns:a16="http://schemas.microsoft.com/office/drawing/2014/main" id="{DC4CE6FB-1F0B-95FB-B828-04ED148858C6}"/>
-                </a:ext>
-              </a:extLst>
-            </p:cNvPr>
-            <p:cNvCxnSpPr>
-              <a:stCxn id="4" idx="2"/>
-              <a:endCxn id="5" idx="0"/>
-            </p:cNvCxnSpPr>
-            <p:nvPr/>
-          </p:nvCxnSpPr>
-          <p:spPr>
-            <a:xfrm>
-              <a:off x="8022210" y="1244338"/>
-              <a:ext cx="0" cy="595460"/>
-            </a:xfrm>
-            <a:prstGeom prst="straightConnector1">
-              <a:avLst/>
-            </a:prstGeom>
-            <a:ln w="28575">
-              <a:solidFill>
-                <a:schemeClr val="tx1">
-                  <a:lumMod val="75000"/>
-                  <a:lumOff val="25000"/>
-                </a:schemeClr>
-              </a:solidFill>
-              <a:tailEnd type="triangle"/>
-            </a:ln>
-          </p:spPr>
-          <p:style>
-            <a:lnRef idx="1">
-              <a:schemeClr val="dk1"/>
-            </a:lnRef>
-            <a:fillRef idx="0">
-              <a:schemeClr val="dk1"/>
-            </a:fillRef>
-            <a:effectRef idx="0">
-              <a:schemeClr val="dk1"/>
-            </a:effectRef>
-            <a:fontRef idx="minor">
-              <a:schemeClr val="tx1"/>
-            </a:fontRef>
-          </p:style>
-        </p:cxnSp>
-        <p:cxnSp>
-          <p:nvCxnSpPr>
-            <p:cNvPr id="11" name="Straight Arrow Connector 10">
-              <a:extLst>
-                <a:ext uri="{FF2B5EF4-FFF2-40B4-BE49-F238E27FC236}">
-                  <a16:creationId xmlns:a16="http://schemas.microsoft.com/office/drawing/2014/main" id="{8020577A-A98F-1D58-B54A-580762EC9ACD}"/>
-                </a:ext>
-              </a:extLst>
-            </p:cNvPr>
-            <p:cNvCxnSpPr>
-              <a:cxnSpLocks/>
-              <a:stCxn id="5" idx="2"/>
-              <a:endCxn id="6" idx="0"/>
-            </p:cNvCxnSpPr>
-            <p:nvPr/>
-          </p:nvCxnSpPr>
-          <p:spPr>
-            <a:xfrm>
-              <a:off x="8022210" y="2471394"/>
-              <a:ext cx="0" cy="595460"/>
-            </a:xfrm>
-            <a:prstGeom prst="straightConnector1">
-              <a:avLst/>
-            </a:prstGeom>
-            <a:ln w="28575">
-              <a:solidFill>
-                <a:schemeClr val="tx1">
-                  <a:lumMod val="75000"/>
-                  <a:lumOff val="25000"/>
-                </a:schemeClr>
-              </a:solidFill>
-              <a:tailEnd type="triangle"/>
-            </a:ln>
-          </p:spPr>
-          <p:style>
-            <a:lnRef idx="1">
-              <a:schemeClr val="dk1"/>
-            </a:lnRef>
-            <a:fillRef idx="0">
-              <a:schemeClr val="dk1"/>
-            </a:fillRef>
-            <a:effectRef idx="0">
-              <a:schemeClr val="dk1"/>
-            </a:effectRef>
-            <a:fontRef idx="minor">
-              <a:schemeClr val="tx1"/>
-            </a:fontRef>
-          </p:style>
-        </p:cxnSp>
-        <p:cxnSp>
-          <p:nvCxnSpPr>
-            <p:cNvPr id="14" name="Straight Arrow Connector 13">
-              <a:extLst>
-                <a:ext uri="{FF2B5EF4-FFF2-40B4-BE49-F238E27FC236}">
-                  <a16:creationId xmlns:a16="http://schemas.microsoft.com/office/drawing/2014/main" id="{45C84B4D-884B-919D-E62F-225E656C847D}"/>
-                </a:ext>
-              </a:extLst>
-            </p:cNvPr>
-            <p:cNvCxnSpPr>
-              <a:cxnSpLocks/>
-              <a:stCxn id="6" idx="2"/>
-              <a:endCxn id="7" idx="0"/>
-            </p:cNvCxnSpPr>
-            <p:nvPr/>
-          </p:nvCxnSpPr>
-          <p:spPr>
-            <a:xfrm>
-              <a:off x="8022210" y="3698450"/>
-              <a:ext cx="0" cy="595460"/>
-            </a:xfrm>
-            <a:prstGeom prst="straightConnector1">
-              <a:avLst/>
-            </a:prstGeom>
-            <a:ln w="28575">
-              <a:solidFill>
-                <a:schemeClr val="tx1">
-                  <a:lumMod val="75000"/>
-                  <a:lumOff val="25000"/>
-                </a:schemeClr>
-              </a:solidFill>
-              <a:tailEnd type="triangle"/>
-            </a:ln>
-          </p:spPr>
-          <p:style>
-            <a:lnRef idx="1">
-              <a:schemeClr val="dk1"/>
-            </a:lnRef>
-            <a:fillRef idx="0">
-              <a:schemeClr val="dk1"/>
-            </a:fillRef>
-            <a:effectRef idx="0">
-              <a:schemeClr val="dk1"/>
-            </a:effectRef>
-            <a:fontRef idx="minor">
-              <a:schemeClr val="tx1"/>
-            </a:fontRef>
-          </p:style>
-        </p:cxnSp>
-        <p:cxnSp>
-          <p:nvCxnSpPr>
-            <p:cNvPr id="17" name="Straight Arrow Connector 16">
-              <a:extLst>
-                <a:ext uri="{FF2B5EF4-FFF2-40B4-BE49-F238E27FC236}">
-                  <a16:creationId xmlns:a16="http://schemas.microsoft.com/office/drawing/2014/main" id="{58BC2242-847E-86C8-98E4-6B8356DAACF4}"/>
-                </a:ext>
-              </a:extLst>
-            </p:cNvPr>
-            <p:cNvCxnSpPr>
-              <a:cxnSpLocks/>
-              <a:stCxn id="7" idx="2"/>
-              <a:endCxn id="8" idx="0"/>
-            </p:cNvCxnSpPr>
-            <p:nvPr/>
-          </p:nvCxnSpPr>
-          <p:spPr>
-            <a:xfrm>
-              <a:off x="8022210" y="4925506"/>
-              <a:ext cx="0" cy="595460"/>
-            </a:xfrm>
-            <a:prstGeom prst="straightConnector1">
-              <a:avLst/>
-            </a:prstGeom>
-            <a:ln w="28575">
-              <a:solidFill>
-                <a:schemeClr val="tx1">
-                  <a:lumMod val="75000"/>
-                  <a:lumOff val="25000"/>
-                </a:schemeClr>
-              </a:solidFill>
-              <a:tailEnd type="triangle"/>
-            </a:ln>
-          </p:spPr>
-          <p:style>
-            <a:lnRef idx="1">
-              <a:schemeClr val="dk1"/>
-            </a:lnRef>
-            <a:fillRef idx="0">
-              <a:schemeClr val="dk1"/>
-            </a:fillRef>
-            <a:effectRef idx="0">
-              <a:schemeClr val="dk1"/>
-            </a:effectRef>
-            <a:fontRef idx="minor">
-              <a:schemeClr val="tx1"/>
-            </a:fontRef>
-          </p:style>
-        </p:cxnSp>
-        <p:cxnSp>
-          <p:nvCxnSpPr>
-            <p:cNvPr id="21" name="Connector: Elbow 20">
-              <a:extLst>
-                <a:ext uri="{FF2B5EF4-FFF2-40B4-BE49-F238E27FC236}">
-                  <a16:creationId xmlns:a16="http://schemas.microsoft.com/office/drawing/2014/main" id="{5AEB1F39-0CB2-F1F7-C878-A960FE4A55F2}"/>
-                </a:ext>
-              </a:extLst>
-            </p:cNvPr>
-            <p:cNvCxnSpPr>
-              <a:stCxn id="8" idx="3"/>
-              <a:endCxn id="5" idx="3"/>
-            </p:cNvCxnSpPr>
-            <p:nvPr/>
-          </p:nvCxnSpPr>
-          <p:spPr>
-            <a:xfrm flipV="1">
-              <a:off x="9426804" y="2155596"/>
-              <a:ext cx="12700" cy="3681168"/>
-            </a:xfrm>
-            <a:prstGeom prst="bentConnector3">
-              <a:avLst>
-                <a:gd name="adj1" fmla="val 5956701"/>
-              </a:avLst>
-            </a:prstGeom>
-            <a:ln w="28575">
-              <a:solidFill>
-                <a:schemeClr val="tx1">
-                  <a:lumMod val="75000"/>
-                  <a:lumOff val="25000"/>
-                </a:schemeClr>
-              </a:solidFill>
-              <a:tailEnd type="triangle"/>
-            </a:ln>
-          </p:spPr>
-          <p:style>
-            <a:lnRef idx="1">
-              <a:schemeClr val="dk1"/>
-            </a:lnRef>
-            <a:fillRef idx="0">
-              <a:schemeClr val="dk1"/>
-            </a:fillRef>
-            <a:effectRef idx="0">
-              <a:schemeClr val="dk1"/>
-            </a:effectRef>
-            <a:fontRef idx="minor">
-              <a:schemeClr val="tx1"/>
-            </a:fontRef>
-          </p:style>
-        </p:cxnSp>
-        <p:sp>
-          <p:nvSpPr>
-            <p:cNvPr id="23" name="Rectangle 22">
-              <a:extLst>
-                <a:ext uri="{FF2B5EF4-FFF2-40B4-BE49-F238E27FC236}">
-                  <a16:creationId xmlns:a16="http://schemas.microsoft.com/office/drawing/2014/main" id="{526AA3FC-CB9F-133F-FEE5-FA6778EA320B}"/>
-                </a:ext>
-              </a:extLst>
-            </p:cNvPr>
-            <p:cNvSpPr/>
-            <p:nvPr/>
-          </p:nvSpPr>
-          <p:spPr>
-            <a:xfrm>
-              <a:off x="2886173" y="612742"/>
-              <a:ext cx="2317424" cy="631596"/>
-            </a:xfrm>
-            <a:prstGeom prst="rect">
-              <a:avLst/>
-            </a:prstGeom>
-            <a:solidFill>
-              <a:srgbClr val="005F73"/>
-            </a:solidFill>
-            <a:ln>
-              <a:noFill/>
-            </a:ln>
-          </p:spPr>
-          <p:style>
-            <a:lnRef idx="2">
-              <a:schemeClr val="accent1">
-                <a:shade val="15000"/>
-              </a:schemeClr>
-            </a:lnRef>
-            <a:fillRef idx="1">
-              <a:schemeClr val="accent1"/>
-            </a:fillRef>
-            <a:effectRef idx="0">
-              <a:schemeClr val="accent1"/>
-            </a:effectRef>
-            <a:fontRef idx="minor">
-              <a:schemeClr val="lt1"/>
-            </a:fontRef>
-          </p:style>
-          <p:txBody>
-            <a:bodyPr rtlCol="0" anchor="ctr"/>
-            <a:lstStyle/>
-            <a:p>
-              <a:pPr algn="ctr"/>
-              <a:r>
-                <a:rPr lang="en-PH" dirty="0"/>
-                <a:t>data</a:t>
-              </a:r>
-            </a:p>
-          </p:txBody>
-        </p:sp>
-        <p:sp>
-          <p:nvSpPr>
-            <p:cNvPr id="24" name="Rectangle 23">
-              <a:extLst>
-                <a:ext uri="{FF2B5EF4-FFF2-40B4-BE49-F238E27FC236}">
-                  <a16:creationId xmlns:a16="http://schemas.microsoft.com/office/drawing/2014/main" id="{BC26471C-F848-E20F-DFED-590D5118372A}"/>
-                </a:ext>
-              </a:extLst>
-            </p:cNvPr>
-            <p:cNvSpPr/>
-            <p:nvPr/>
-          </p:nvSpPr>
-          <p:spPr>
-            <a:xfrm>
-              <a:off x="2886173" y="3066854"/>
-              <a:ext cx="2317424" cy="631596"/>
-            </a:xfrm>
-            <a:prstGeom prst="rect">
-              <a:avLst/>
-            </a:prstGeom>
-            <a:solidFill>
-              <a:srgbClr val="005F73"/>
-            </a:solidFill>
-            <a:ln>
-              <a:noFill/>
-            </a:ln>
-          </p:spPr>
-          <p:style>
-            <a:lnRef idx="2">
-              <a:schemeClr val="accent1">
-                <a:shade val="15000"/>
-              </a:schemeClr>
-            </a:lnRef>
-            <a:fillRef idx="1">
-              <a:schemeClr val="accent1"/>
-            </a:fillRef>
-            <a:effectRef idx="0">
-              <a:schemeClr val="accent1"/>
-            </a:effectRef>
-            <a:fontRef idx="minor">
-              <a:schemeClr val="lt1"/>
-            </a:fontRef>
-          </p:style>
-          <p:txBody>
-            <a:bodyPr rtlCol="0" anchor="ctr"/>
-            <a:lstStyle/>
-            <a:p>
-              <a:pPr algn="ctr"/>
-              <a:r>
-                <a:rPr lang="en-PH" dirty="0"/>
-                <a:t>Identify variables</a:t>
-              </a:r>
-            </a:p>
-          </p:txBody>
-        </p:sp>
-        <p:sp>
-          <p:nvSpPr>
-            <p:cNvPr id="25" name="Rectangle 24">
-              <a:extLst>
-                <a:ext uri="{FF2B5EF4-FFF2-40B4-BE49-F238E27FC236}">
-                  <a16:creationId xmlns:a16="http://schemas.microsoft.com/office/drawing/2014/main" id="{2494A07E-3415-86B8-1AB2-7332674C6DB2}"/>
-                </a:ext>
-              </a:extLst>
-            </p:cNvPr>
-            <p:cNvSpPr/>
-            <p:nvPr/>
-          </p:nvSpPr>
-          <p:spPr>
-            <a:xfrm>
-              <a:off x="2886173" y="4293910"/>
-              <a:ext cx="2317424" cy="631596"/>
-            </a:xfrm>
-            <a:prstGeom prst="rect">
-              <a:avLst/>
-            </a:prstGeom>
-            <a:solidFill>
-              <a:srgbClr val="005F73"/>
-            </a:solidFill>
-            <a:ln>
-              <a:noFill/>
-            </a:ln>
-          </p:spPr>
-          <p:style>
-            <a:lnRef idx="2">
-              <a:schemeClr val="accent1">
-                <a:shade val="15000"/>
-              </a:schemeClr>
-            </a:lnRef>
-            <a:fillRef idx="1">
-              <a:schemeClr val="accent1"/>
-            </a:fillRef>
-            <a:effectRef idx="0">
-              <a:schemeClr val="accent1"/>
-            </a:effectRef>
-            <a:fontRef idx="minor">
-              <a:schemeClr val="lt1"/>
-            </a:fontRef>
-          </p:style>
-          <p:txBody>
-            <a:bodyPr rtlCol="0" anchor="ctr"/>
-            <a:lstStyle/>
-            <a:p>
-              <a:pPr algn="ctr"/>
-              <a:r>
-                <a:rPr lang="en-PH" dirty="0"/>
-                <a:t>Measure variables</a:t>
-              </a:r>
-            </a:p>
-          </p:txBody>
-        </p:sp>
-        <p:sp>
-          <p:nvSpPr>
-            <p:cNvPr id="26" name="Rectangle 25">
-              <a:extLst>
-                <a:ext uri="{FF2B5EF4-FFF2-40B4-BE49-F238E27FC236}">
-                  <a16:creationId xmlns:a16="http://schemas.microsoft.com/office/drawing/2014/main" id="{B1F719D9-0753-9647-EC62-37BE66FC1701}"/>
-                </a:ext>
-              </a:extLst>
-            </p:cNvPr>
-            <p:cNvSpPr/>
-            <p:nvPr/>
-          </p:nvSpPr>
-          <p:spPr>
-            <a:xfrm>
-              <a:off x="2886173" y="5520966"/>
-              <a:ext cx="2317424" cy="631596"/>
-            </a:xfrm>
-            <a:prstGeom prst="rect">
-              <a:avLst/>
-            </a:prstGeom>
-            <a:solidFill>
-              <a:srgbClr val="005F73"/>
-            </a:solidFill>
-            <a:ln>
-              <a:noFill/>
-            </a:ln>
-          </p:spPr>
-          <p:style>
-            <a:lnRef idx="2">
-              <a:schemeClr val="accent1">
-                <a:shade val="15000"/>
-              </a:schemeClr>
-            </a:lnRef>
-            <a:fillRef idx="1">
-              <a:schemeClr val="accent1"/>
-            </a:fillRef>
-            <a:effectRef idx="0">
-              <a:schemeClr val="accent1"/>
-            </a:effectRef>
-            <a:fontRef idx="minor">
-              <a:schemeClr val="lt1"/>
-            </a:fontRef>
-          </p:style>
-          <p:txBody>
-            <a:bodyPr rtlCol="0" anchor="ctr"/>
-            <a:lstStyle/>
-            <a:p>
-              <a:pPr algn="ctr"/>
-              <a:r>
-                <a:rPr lang="en-PH" dirty="0"/>
-                <a:t>Graph data / fit a model</a:t>
-              </a:r>
-            </a:p>
-          </p:txBody>
-        </p:sp>
-        <p:cxnSp>
-          <p:nvCxnSpPr>
-            <p:cNvPr id="27" name="Straight Arrow Connector 26">
-              <a:extLst>
-                <a:ext uri="{FF2B5EF4-FFF2-40B4-BE49-F238E27FC236}">
-                  <a16:creationId xmlns:a16="http://schemas.microsoft.com/office/drawing/2014/main" id="{8A2C7916-901F-725B-8E28-38913EE65834}"/>
-                </a:ext>
-              </a:extLst>
-            </p:cNvPr>
-            <p:cNvCxnSpPr>
-              <a:cxnSpLocks/>
-              <a:stCxn id="4" idx="1"/>
-              <a:endCxn id="23" idx="3"/>
-            </p:cNvCxnSpPr>
-            <p:nvPr/>
-          </p:nvCxnSpPr>
-          <p:spPr>
-            <a:xfrm flipH="1">
-              <a:off x="5203597" y="928540"/>
-              <a:ext cx="1414018" cy="0"/>
-            </a:xfrm>
-            <a:prstGeom prst="straightConnector1">
-              <a:avLst/>
-            </a:prstGeom>
-            <a:ln w="28575">
-              <a:solidFill>
-                <a:schemeClr val="tx1">
-                  <a:lumMod val="75000"/>
-                  <a:lumOff val="25000"/>
-                </a:schemeClr>
-              </a:solidFill>
-              <a:headEnd type="triangle" w="med" len="med"/>
-              <a:tailEnd type="triangle" w="med" len="med"/>
-            </a:ln>
-          </p:spPr>
-          <p:style>
-            <a:lnRef idx="1">
-              <a:schemeClr val="dk1"/>
-            </a:lnRef>
-            <a:fillRef idx="0">
-              <a:schemeClr val="dk1"/>
-            </a:fillRef>
-            <a:effectRef idx="0">
-              <a:schemeClr val="dk1"/>
-            </a:effectRef>
-            <a:fontRef idx="minor">
-              <a:schemeClr val="tx1"/>
-            </a:fontRef>
-          </p:style>
-        </p:cxnSp>
-        <p:cxnSp>
-          <p:nvCxnSpPr>
-            <p:cNvPr id="30" name="Straight Arrow Connector 29">
-              <a:extLst>
-                <a:ext uri="{FF2B5EF4-FFF2-40B4-BE49-F238E27FC236}">
-                  <a16:creationId xmlns:a16="http://schemas.microsoft.com/office/drawing/2014/main" id="{37F0678F-2598-626B-0078-7599AD9CB3BD}"/>
-                </a:ext>
-              </a:extLst>
-            </p:cNvPr>
-            <p:cNvCxnSpPr>
-              <a:cxnSpLocks/>
-              <a:stCxn id="6" idx="1"/>
-              <a:endCxn id="24" idx="3"/>
-            </p:cNvCxnSpPr>
-            <p:nvPr/>
-          </p:nvCxnSpPr>
-          <p:spPr>
-            <a:xfrm flipH="1">
-              <a:off x="5203597" y="3382652"/>
-              <a:ext cx="1414018" cy="0"/>
-            </a:xfrm>
-            <a:prstGeom prst="straightConnector1">
-              <a:avLst/>
-            </a:prstGeom>
-            <a:ln w="28575">
-              <a:solidFill>
-                <a:schemeClr val="tx1">
-                  <a:lumMod val="75000"/>
-                  <a:lumOff val="25000"/>
-                </a:schemeClr>
-              </a:solidFill>
-              <a:tailEnd type="triangle"/>
-            </a:ln>
-          </p:spPr>
-          <p:style>
-            <a:lnRef idx="1">
-              <a:schemeClr val="dk1"/>
-            </a:lnRef>
-            <a:fillRef idx="0">
-              <a:schemeClr val="dk1"/>
-            </a:fillRef>
-            <a:effectRef idx="0">
-              <a:schemeClr val="dk1"/>
-            </a:effectRef>
-            <a:fontRef idx="minor">
-              <a:schemeClr val="tx1"/>
-            </a:fontRef>
-          </p:style>
-        </p:cxnSp>
-        <p:cxnSp>
-          <p:nvCxnSpPr>
-            <p:cNvPr id="33" name="Straight Arrow Connector 32">
-              <a:extLst>
-                <a:ext uri="{FF2B5EF4-FFF2-40B4-BE49-F238E27FC236}">
-                  <a16:creationId xmlns:a16="http://schemas.microsoft.com/office/drawing/2014/main" id="{0FEE767E-E532-682F-645D-BA14D51A4EA7}"/>
-                </a:ext>
-              </a:extLst>
-            </p:cNvPr>
-            <p:cNvCxnSpPr>
-              <a:cxnSpLocks/>
-              <a:stCxn id="7" idx="1"/>
-              <a:endCxn id="25" idx="3"/>
-            </p:cNvCxnSpPr>
-            <p:nvPr/>
-          </p:nvCxnSpPr>
-          <p:spPr>
-            <a:xfrm flipH="1">
-              <a:off x="5203597" y="4609708"/>
-              <a:ext cx="1414018" cy="0"/>
-            </a:xfrm>
-            <a:prstGeom prst="straightConnector1">
-              <a:avLst/>
-            </a:prstGeom>
-            <a:ln w="28575">
-              <a:solidFill>
-                <a:schemeClr val="tx1">
-                  <a:lumMod val="75000"/>
-                  <a:lumOff val="25000"/>
-                </a:schemeClr>
-              </a:solidFill>
-              <a:tailEnd type="triangle"/>
-            </a:ln>
-          </p:spPr>
-          <p:style>
-            <a:lnRef idx="1">
-              <a:schemeClr val="dk1"/>
-            </a:lnRef>
-            <a:fillRef idx="0">
-              <a:schemeClr val="dk1"/>
-            </a:fillRef>
-            <a:effectRef idx="0">
-              <a:schemeClr val="dk1"/>
-            </a:effectRef>
-            <a:fontRef idx="minor">
-              <a:schemeClr val="tx1"/>
-            </a:fontRef>
-          </p:style>
-        </p:cxnSp>
-        <p:cxnSp>
-          <p:nvCxnSpPr>
-            <p:cNvPr id="36" name="Straight Arrow Connector 35">
-              <a:extLst>
-                <a:ext uri="{FF2B5EF4-FFF2-40B4-BE49-F238E27FC236}">
-                  <a16:creationId xmlns:a16="http://schemas.microsoft.com/office/drawing/2014/main" id="{E2BECACA-1BC7-A97D-BD0B-F3F62005B732}"/>
-                </a:ext>
-              </a:extLst>
-            </p:cNvPr>
-            <p:cNvCxnSpPr>
-              <a:cxnSpLocks/>
-              <a:stCxn id="8" idx="1"/>
-              <a:endCxn id="26" idx="3"/>
-            </p:cNvCxnSpPr>
-            <p:nvPr/>
-          </p:nvCxnSpPr>
-          <p:spPr>
-            <a:xfrm flipH="1">
-              <a:off x="5203597" y="5836764"/>
-              <a:ext cx="1414018" cy="0"/>
-            </a:xfrm>
-            <a:prstGeom prst="straightConnector1">
-              <a:avLst/>
-            </a:prstGeom>
-            <a:ln w="28575">
-              <a:solidFill>
-                <a:schemeClr val="tx1">
-                  <a:lumMod val="75000"/>
-                  <a:lumOff val="25000"/>
-                </a:schemeClr>
-              </a:solidFill>
-              <a:tailEnd type="triangle"/>
-            </a:ln>
-          </p:spPr>
-          <p:style>
-            <a:lnRef idx="1">
-              <a:schemeClr val="dk1"/>
-            </a:lnRef>
-            <a:fillRef idx="0">
-              <a:schemeClr val="dk1"/>
-            </a:fillRef>
-            <a:effectRef idx="0">
-              <a:schemeClr val="dk1"/>
-            </a:effectRef>
-            <a:fontRef idx="minor">
-              <a:schemeClr val="tx1"/>
-            </a:fontRef>
-          </p:style>
-        </p:cxnSp>
       </p:grpSp>
-      <p:sp>
-        <p:nvSpPr>
-          <p:cNvPr id="2" name="Rectangle 1">
-            <a:extLst>
-              <a:ext uri="{FF2B5EF4-FFF2-40B4-BE49-F238E27FC236}">
-                <a16:creationId xmlns:a16="http://schemas.microsoft.com/office/drawing/2014/main" id="{134309A7-115D-E8E7-C8A5-96041D698862}"/>
-              </a:ext>
-            </a:extLst>
-          </p:cNvPr>
-          <p:cNvSpPr/>
-          <p:nvPr/>
-        </p:nvSpPr>
-        <p:spPr>
-          <a:xfrm>
-            <a:off x="2516957" y="1583703"/>
-            <a:ext cx="8003355" cy="2469823"/>
-          </a:xfrm>
-          <a:prstGeom prst="rect">
-            <a:avLst/>
-          </a:prstGeom>
-          <a:solidFill>
-            <a:srgbClr val="005F73">
-              <a:alpha val="23000"/>
-            </a:srgbClr>
-          </a:solidFill>
-          <a:ln>
-            <a:noFill/>
-          </a:ln>
-        </p:spPr>
-        <p:style>
-          <a:lnRef idx="2">
-            <a:schemeClr val="accent1">
-              <a:shade val="15000"/>
-            </a:schemeClr>
-          </a:lnRef>
-          <a:fillRef idx="1">
-            <a:schemeClr val="accent1"/>
-          </a:fillRef>
-          <a:effectRef idx="0">
-            <a:schemeClr val="accent1"/>
-          </a:effectRef>
-          <a:fontRef idx="minor">
-            <a:schemeClr val="lt1"/>
-          </a:fontRef>
-        </p:style>
-        <p:txBody>
-          <a:bodyPr rtlCol="0" anchor="ctr"/>
-          <a:lstStyle/>
-          <a:p>
-            <a:pPr algn="ctr"/>
-            <a:endParaRPr lang="en-PH"/>
-          </a:p>
-        </p:txBody>
-      </p:sp>
     </p:spTree>
     <p:extLst>
       <p:ext uri="{BB962C8B-B14F-4D97-AF65-F5344CB8AC3E}">
@@ -5484,10 +5654,10 @@
       </p:grpSpPr>
       <p:grpSp>
         <p:nvGrpSpPr>
-          <p:cNvPr id="39" name="Group 38">
+          <p:cNvPr id="3" name="Group 2">
             <a:extLst>
               <a:ext uri="{FF2B5EF4-FFF2-40B4-BE49-F238E27FC236}">
-                <a16:creationId xmlns:a16="http://schemas.microsoft.com/office/drawing/2014/main" id="{371085F1-72EC-9CD2-7D26-BC2D957171F7}"/>
+                <a16:creationId xmlns:a16="http://schemas.microsoft.com/office/drawing/2014/main" id="{8627B013-0382-990A-9121-D1DF27279443}"/>
               </a:ext>
             </a:extLst>
           </p:cNvPr>
@@ -5496,18 +5666,983 @@
         </p:nvGrpSpPr>
         <p:grpSpPr>
           <a:xfrm>
-            <a:off x="2886173" y="612742"/>
-            <a:ext cx="6553331" cy="5539820"/>
-            <a:chOff x="2886173" y="612742"/>
-            <a:chExt cx="6553331" cy="5539820"/>
+            <a:off x="2615937" y="612742"/>
+            <a:ext cx="8003355" cy="5539820"/>
+            <a:chOff x="2615937" y="612742"/>
+            <a:chExt cx="8003355" cy="5539820"/>
           </a:xfrm>
         </p:grpSpPr>
+        <p:grpSp>
+          <p:nvGrpSpPr>
+            <p:cNvPr id="39" name="Group 38">
+              <a:extLst>
+                <a:ext uri="{FF2B5EF4-FFF2-40B4-BE49-F238E27FC236}">
+                  <a16:creationId xmlns:a16="http://schemas.microsoft.com/office/drawing/2014/main" id="{371085F1-72EC-9CD2-7D26-BC2D957171F7}"/>
+                </a:ext>
+              </a:extLst>
+            </p:cNvPr>
+            <p:cNvGrpSpPr/>
+            <p:nvPr/>
+          </p:nvGrpSpPr>
+          <p:grpSpPr>
+            <a:xfrm>
+              <a:off x="2886173" y="612742"/>
+              <a:ext cx="6553331" cy="5539820"/>
+              <a:chOff x="2886173" y="612742"/>
+              <a:chExt cx="6553331" cy="5539820"/>
+            </a:xfrm>
+          </p:grpSpPr>
+          <p:sp>
+            <p:nvSpPr>
+              <p:cNvPr id="4" name="Rectangle 3">
+                <a:extLst>
+                  <a:ext uri="{FF2B5EF4-FFF2-40B4-BE49-F238E27FC236}">
+                    <a16:creationId xmlns:a16="http://schemas.microsoft.com/office/drawing/2014/main" id="{78A17A61-62DE-241A-B24E-7D11A6B15412}"/>
+                  </a:ext>
+                </a:extLst>
+              </p:cNvPr>
+              <p:cNvSpPr/>
+              <p:nvPr/>
+            </p:nvSpPr>
+            <p:spPr>
+              <a:xfrm>
+                <a:off x="6617615" y="612742"/>
+                <a:ext cx="2809189" cy="631596"/>
+              </a:xfrm>
+              <a:prstGeom prst="rect">
+                <a:avLst/>
+              </a:prstGeom>
+              <a:solidFill>
+                <a:srgbClr val="003049"/>
+              </a:solidFill>
+              <a:ln>
+                <a:noFill/>
+              </a:ln>
+            </p:spPr>
+            <p:style>
+              <a:lnRef idx="2">
+                <a:schemeClr val="accent1">
+                  <a:shade val="15000"/>
+                </a:schemeClr>
+              </a:lnRef>
+              <a:fillRef idx="1">
+                <a:schemeClr val="accent1"/>
+              </a:fillRef>
+              <a:effectRef idx="0">
+                <a:schemeClr val="accent1"/>
+              </a:effectRef>
+              <a:fontRef idx="minor">
+                <a:schemeClr val="lt1"/>
+              </a:fontRef>
+            </p:style>
+            <p:txBody>
+              <a:bodyPr rtlCol="0" anchor="ctr"/>
+              <a:lstStyle/>
+              <a:p>
+                <a:pPr algn="ctr"/>
+                <a:r>
+                  <a:rPr lang="en-PH" dirty="0"/>
+                  <a:t>Initial observations</a:t>
+                </a:r>
+              </a:p>
+              <a:p>
+                <a:pPr algn="ctr"/>
+                <a:r>
+                  <a:rPr lang="en-PH" dirty="0"/>
+                  <a:t>(Research questions)</a:t>
+                </a:r>
+              </a:p>
+            </p:txBody>
+          </p:sp>
+          <p:sp>
+            <p:nvSpPr>
+              <p:cNvPr id="5" name="Rectangle 4">
+                <a:extLst>
+                  <a:ext uri="{FF2B5EF4-FFF2-40B4-BE49-F238E27FC236}">
+                    <a16:creationId xmlns:a16="http://schemas.microsoft.com/office/drawing/2014/main" id="{2D2C1062-F912-7B91-E32A-63A18B21EABB}"/>
+                  </a:ext>
+                </a:extLst>
+              </p:cNvPr>
+              <p:cNvSpPr/>
+              <p:nvPr/>
+            </p:nvSpPr>
+            <p:spPr>
+              <a:xfrm>
+                <a:off x="6617615" y="1839798"/>
+                <a:ext cx="2809189" cy="631596"/>
+              </a:xfrm>
+              <a:prstGeom prst="rect">
+                <a:avLst/>
+              </a:prstGeom>
+              <a:solidFill>
+                <a:srgbClr val="003049"/>
+              </a:solidFill>
+              <a:ln>
+                <a:noFill/>
+              </a:ln>
+            </p:spPr>
+            <p:style>
+              <a:lnRef idx="2">
+                <a:schemeClr val="accent1">
+                  <a:shade val="15000"/>
+                </a:schemeClr>
+              </a:lnRef>
+              <a:fillRef idx="1">
+                <a:schemeClr val="accent1"/>
+              </a:fillRef>
+              <a:effectRef idx="0">
+                <a:schemeClr val="accent1"/>
+              </a:effectRef>
+              <a:fontRef idx="minor">
+                <a:schemeClr val="lt1"/>
+              </a:fontRef>
+            </p:style>
+            <p:txBody>
+              <a:bodyPr rtlCol="0" anchor="ctr"/>
+              <a:lstStyle/>
+              <a:p>
+                <a:pPr algn="ctr"/>
+                <a:r>
+                  <a:rPr lang="en-PH" dirty="0"/>
+                  <a:t>Generate theory</a:t>
+                </a:r>
+              </a:p>
+            </p:txBody>
+          </p:sp>
+          <p:sp>
+            <p:nvSpPr>
+              <p:cNvPr id="6" name="Rectangle 5">
+                <a:extLst>
+                  <a:ext uri="{FF2B5EF4-FFF2-40B4-BE49-F238E27FC236}">
+                    <a16:creationId xmlns:a16="http://schemas.microsoft.com/office/drawing/2014/main" id="{237D989A-F05A-3BFF-4853-DA31DB8BB33A}"/>
+                  </a:ext>
+                </a:extLst>
+              </p:cNvPr>
+              <p:cNvSpPr/>
+              <p:nvPr/>
+            </p:nvSpPr>
+            <p:spPr>
+              <a:xfrm>
+                <a:off x="6617615" y="3066854"/>
+                <a:ext cx="2809189" cy="631596"/>
+              </a:xfrm>
+              <a:prstGeom prst="rect">
+                <a:avLst/>
+              </a:prstGeom>
+              <a:solidFill>
+                <a:srgbClr val="003049"/>
+              </a:solidFill>
+              <a:ln>
+                <a:noFill/>
+              </a:ln>
+            </p:spPr>
+            <p:style>
+              <a:lnRef idx="2">
+                <a:schemeClr val="accent1">
+                  <a:shade val="15000"/>
+                </a:schemeClr>
+              </a:lnRef>
+              <a:fillRef idx="1">
+                <a:schemeClr val="accent1"/>
+              </a:fillRef>
+              <a:effectRef idx="0">
+                <a:schemeClr val="accent1"/>
+              </a:effectRef>
+              <a:fontRef idx="minor">
+                <a:schemeClr val="lt1"/>
+              </a:fontRef>
+            </p:style>
+            <p:txBody>
+              <a:bodyPr rtlCol="0" anchor="ctr"/>
+              <a:lstStyle/>
+              <a:p>
+                <a:pPr algn="ctr"/>
+                <a:r>
+                  <a:rPr lang="en-PH" dirty="0"/>
+                  <a:t>Generate hypotheses</a:t>
+                </a:r>
+              </a:p>
+            </p:txBody>
+          </p:sp>
+          <p:sp>
+            <p:nvSpPr>
+              <p:cNvPr id="7" name="Rectangle 6">
+                <a:extLst>
+                  <a:ext uri="{FF2B5EF4-FFF2-40B4-BE49-F238E27FC236}">
+                    <a16:creationId xmlns:a16="http://schemas.microsoft.com/office/drawing/2014/main" id="{C8DDBFF3-404B-FDCB-E3BF-BB18F34FB474}"/>
+                  </a:ext>
+                </a:extLst>
+              </p:cNvPr>
+              <p:cNvSpPr/>
+              <p:nvPr/>
+            </p:nvSpPr>
+            <p:spPr>
+              <a:xfrm>
+                <a:off x="6617615" y="4293910"/>
+                <a:ext cx="2809189" cy="631596"/>
+              </a:xfrm>
+              <a:prstGeom prst="rect">
+                <a:avLst/>
+              </a:prstGeom>
+              <a:solidFill>
+                <a:srgbClr val="003049"/>
+              </a:solidFill>
+              <a:ln>
+                <a:noFill/>
+              </a:ln>
+            </p:spPr>
+            <p:style>
+              <a:lnRef idx="2">
+                <a:schemeClr val="accent1">
+                  <a:shade val="15000"/>
+                </a:schemeClr>
+              </a:lnRef>
+              <a:fillRef idx="1">
+                <a:schemeClr val="accent1"/>
+              </a:fillRef>
+              <a:effectRef idx="0">
+                <a:schemeClr val="accent1"/>
+              </a:effectRef>
+              <a:fontRef idx="minor">
+                <a:schemeClr val="lt1"/>
+              </a:fontRef>
+            </p:style>
+            <p:txBody>
+              <a:bodyPr rtlCol="0" anchor="ctr"/>
+              <a:lstStyle/>
+              <a:p>
+                <a:pPr algn="ctr"/>
+                <a:r>
+                  <a:rPr lang="en-PH" dirty="0"/>
+                  <a:t>Collect data to test theory</a:t>
+                </a:r>
+              </a:p>
+            </p:txBody>
+          </p:sp>
+          <p:sp>
+            <p:nvSpPr>
+              <p:cNvPr id="8" name="Rectangle 7">
+                <a:extLst>
+                  <a:ext uri="{FF2B5EF4-FFF2-40B4-BE49-F238E27FC236}">
+                    <a16:creationId xmlns:a16="http://schemas.microsoft.com/office/drawing/2014/main" id="{3BAEC15A-6355-DFD1-E3C0-F3D3FBFA0D4D}"/>
+                  </a:ext>
+                </a:extLst>
+              </p:cNvPr>
+              <p:cNvSpPr/>
+              <p:nvPr/>
+            </p:nvSpPr>
+            <p:spPr>
+              <a:xfrm>
+                <a:off x="6617615" y="5520966"/>
+                <a:ext cx="2809189" cy="631596"/>
+              </a:xfrm>
+              <a:prstGeom prst="rect">
+                <a:avLst/>
+              </a:prstGeom>
+              <a:solidFill>
+                <a:srgbClr val="003049"/>
+              </a:solidFill>
+              <a:ln>
+                <a:noFill/>
+              </a:ln>
+            </p:spPr>
+            <p:style>
+              <a:lnRef idx="2">
+                <a:schemeClr val="accent1">
+                  <a:shade val="15000"/>
+                </a:schemeClr>
+              </a:lnRef>
+              <a:fillRef idx="1">
+                <a:schemeClr val="accent1"/>
+              </a:fillRef>
+              <a:effectRef idx="0">
+                <a:schemeClr val="accent1"/>
+              </a:effectRef>
+              <a:fontRef idx="minor">
+                <a:schemeClr val="lt1"/>
+              </a:fontRef>
+            </p:style>
+            <p:txBody>
+              <a:bodyPr rtlCol="0" anchor="ctr"/>
+              <a:lstStyle/>
+              <a:p>
+                <a:pPr algn="ctr"/>
+                <a:r>
+                  <a:rPr lang="en-PH" dirty="0"/>
+                  <a:t>Analyze data</a:t>
+                </a:r>
+              </a:p>
+            </p:txBody>
+          </p:sp>
+          <p:cxnSp>
+            <p:nvCxnSpPr>
+              <p:cNvPr id="10" name="Straight Arrow Connector 9">
+                <a:extLst>
+                  <a:ext uri="{FF2B5EF4-FFF2-40B4-BE49-F238E27FC236}">
+                    <a16:creationId xmlns:a16="http://schemas.microsoft.com/office/drawing/2014/main" id="{5EA8789C-8CBB-5A4E-67B1-B988ED213635}"/>
+                  </a:ext>
+                </a:extLst>
+              </p:cNvPr>
+              <p:cNvCxnSpPr>
+                <a:stCxn id="4" idx="2"/>
+                <a:endCxn id="5" idx="0"/>
+              </p:cNvCxnSpPr>
+              <p:nvPr/>
+            </p:nvCxnSpPr>
+            <p:spPr>
+              <a:xfrm>
+                <a:off x="8022210" y="1244338"/>
+                <a:ext cx="0" cy="595460"/>
+              </a:xfrm>
+              <a:prstGeom prst="straightConnector1">
+                <a:avLst/>
+              </a:prstGeom>
+              <a:ln w="28575">
+                <a:solidFill>
+                  <a:schemeClr val="tx1">
+                    <a:lumMod val="75000"/>
+                    <a:lumOff val="25000"/>
+                  </a:schemeClr>
+                </a:solidFill>
+                <a:tailEnd type="triangle"/>
+              </a:ln>
+            </p:spPr>
+            <p:style>
+              <a:lnRef idx="1">
+                <a:schemeClr val="dk1"/>
+              </a:lnRef>
+              <a:fillRef idx="0">
+                <a:schemeClr val="dk1"/>
+              </a:fillRef>
+              <a:effectRef idx="0">
+                <a:schemeClr val="dk1"/>
+              </a:effectRef>
+              <a:fontRef idx="minor">
+                <a:schemeClr val="tx1"/>
+              </a:fontRef>
+            </p:style>
+          </p:cxnSp>
+          <p:cxnSp>
+            <p:nvCxnSpPr>
+              <p:cNvPr id="11" name="Straight Arrow Connector 10">
+                <a:extLst>
+                  <a:ext uri="{FF2B5EF4-FFF2-40B4-BE49-F238E27FC236}">
+                    <a16:creationId xmlns:a16="http://schemas.microsoft.com/office/drawing/2014/main" id="{DE54B802-36FA-B7DC-13A9-F8E503F9C1E1}"/>
+                  </a:ext>
+                </a:extLst>
+              </p:cNvPr>
+              <p:cNvCxnSpPr>
+                <a:cxnSpLocks/>
+                <a:stCxn id="5" idx="2"/>
+                <a:endCxn id="6" idx="0"/>
+              </p:cNvCxnSpPr>
+              <p:nvPr/>
+            </p:nvCxnSpPr>
+            <p:spPr>
+              <a:xfrm>
+                <a:off x="8022210" y="2471394"/>
+                <a:ext cx="0" cy="595460"/>
+              </a:xfrm>
+              <a:prstGeom prst="straightConnector1">
+                <a:avLst/>
+              </a:prstGeom>
+              <a:ln w="28575">
+                <a:solidFill>
+                  <a:schemeClr val="tx1">
+                    <a:lumMod val="75000"/>
+                    <a:lumOff val="25000"/>
+                  </a:schemeClr>
+                </a:solidFill>
+                <a:tailEnd type="triangle"/>
+              </a:ln>
+            </p:spPr>
+            <p:style>
+              <a:lnRef idx="1">
+                <a:schemeClr val="dk1"/>
+              </a:lnRef>
+              <a:fillRef idx="0">
+                <a:schemeClr val="dk1"/>
+              </a:fillRef>
+              <a:effectRef idx="0">
+                <a:schemeClr val="dk1"/>
+              </a:effectRef>
+              <a:fontRef idx="minor">
+                <a:schemeClr val="tx1"/>
+              </a:fontRef>
+            </p:style>
+          </p:cxnSp>
+          <p:cxnSp>
+            <p:nvCxnSpPr>
+              <p:cNvPr id="14" name="Straight Arrow Connector 13">
+                <a:extLst>
+                  <a:ext uri="{FF2B5EF4-FFF2-40B4-BE49-F238E27FC236}">
+                    <a16:creationId xmlns:a16="http://schemas.microsoft.com/office/drawing/2014/main" id="{69B4DDD1-DE12-1D1A-0C8F-C4A5BD114ED3}"/>
+                  </a:ext>
+                </a:extLst>
+              </p:cNvPr>
+              <p:cNvCxnSpPr>
+                <a:cxnSpLocks/>
+                <a:stCxn id="6" idx="2"/>
+                <a:endCxn id="7" idx="0"/>
+              </p:cNvCxnSpPr>
+              <p:nvPr/>
+            </p:nvCxnSpPr>
+            <p:spPr>
+              <a:xfrm>
+                <a:off x="8022210" y="3698450"/>
+                <a:ext cx="0" cy="595460"/>
+              </a:xfrm>
+              <a:prstGeom prst="straightConnector1">
+                <a:avLst/>
+              </a:prstGeom>
+              <a:ln w="28575">
+                <a:solidFill>
+                  <a:schemeClr val="tx1">
+                    <a:lumMod val="75000"/>
+                    <a:lumOff val="25000"/>
+                  </a:schemeClr>
+                </a:solidFill>
+                <a:tailEnd type="triangle"/>
+              </a:ln>
+            </p:spPr>
+            <p:style>
+              <a:lnRef idx="1">
+                <a:schemeClr val="dk1"/>
+              </a:lnRef>
+              <a:fillRef idx="0">
+                <a:schemeClr val="dk1"/>
+              </a:fillRef>
+              <a:effectRef idx="0">
+                <a:schemeClr val="dk1"/>
+              </a:effectRef>
+              <a:fontRef idx="minor">
+                <a:schemeClr val="tx1"/>
+              </a:fontRef>
+            </p:style>
+          </p:cxnSp>
+          <p:cxnSp>
+            <p:nvCxnSpPr>
+              <p:cNvPr id="17" name="Straight Arrow Connector 16">
+                <a:extLst>
+                  <a:ext uri="{FF2B5EF4-FFF2-40B4-BE49-F238E27FC236}">
+                    <a16:creationId xmlns:a16="http://schemas.microsoft.com/office/drawing/2014/main" id="{09640187-1697-1DF7-5653-058A9903800F}"/>
+                  </a:ext>
+                </a:extLst>
+              </p:cNvPr>
+              <p:cNvCxnSpPr>
+                <a:cxnSpLocks/>
+                <a:stCxn id="7" idx="2"/>
+                <a:endCxn id="8" idx="0"/>
+              </p:cNvCxnSpPr>
+              <p:nvPr/>
+            </p:nvCxnSpPr>
+            <p:spPr>
+              <a:xfrm>
+                <a:off x="8022210" y="4925506"/>
+                <a:ext cx="0" cy="595460"/>
+              </a:xfrm>
+              <a:prstGeom prst="straightConnector1">
+                <a:avLst/>
+              </a:prstGeom>
+              <a:ln w="28575">
+                <a:solidFill>
+                  <a:schemeClr val="tx1">
+                    <a:lumMod val="75000"/>
+                    <a:lumOff val="25000"/>
+                  </a:schemeClr>
+                </a:solidFill>
+                <a:tailEnd type="triangle"/>
+              </a:ln>
+            </p:spPr>
+            <p:style>
+              <a:lnRef idx="1">
+                <a:schemeClr val="dk1"/>
+              </a:lnRef>
+              <a:fillRef idx="0">
+                <a:schemeClr val="dk1"/>
+              </a:fillRef>
+              <a:effectRef idx="0">
+                <a:schemeClr val="dk1"/>
+              </a:effectRef>
+              <a:fontRef idx="minor">
+                <a:schemeClr val="tx1"/>
+              </a:fontRef>
+            </p:style>
+          </p:cxnSp>
+          <p:cxnSp>
+            <p:nvCxnSpPr>
+              <p:cNvPr id="21" name="Connector: Elbow 20">
+                <a:extLst>
+                  <a:ext uri="{FF2B5EF4-FFF2-40B4-BE49-F238E27FC236}">
+                    <a16:creationId xmlns:a16="http://schemas.microsoft.com/office/drawing/2014/main" id="{9FD0FA77-2716-6476-847D-75712BE865A1}"/>
+                  </a:ext>
+                </a:extLst>
+              </p:cNvPr>
+              <p:cNvCxnSpPr>
+                <a:stCxn id="8" idx="3"/>
+                <a:endCxn id="5" idx="3"/>
+              </p:cNvCxnSpPr>
+              <p:nvPr/>
+            </p:nvCxnSpPr>
+            <p:spPr>
+              <a:xfrm flipV="1">
+                <a:off x="9426804" y="2155596"/>
+                <a:ext cx="12700" cy="3681168"/>
+              </a:xfrm>
+              <a:prstGeom prst="bentConnector3">
+                <a:avLst>
+                  <a:gd name="adj1" fmla="val 5956701"/>
+                </a:avLst>
+              </a:prstGeom>
+              <a:ln w="28575">
+                <a:solidFill>
+                  <a:schemeClr val="tx1">
+                    <a:lumMod val="75000"/>
+                    <a:lumOff val="25000"/>
+                  </a:schemeClr>
+                </a:solidFill>
+                <a:tailEnd type="triangle"/>
+              </a:ln>
+            </p:spPr>
+            <p:style>
+              <a:lnRef idx="1">
+                <a:schemeClr val="dk1"/>
+              </a:lnRef>
+              <a:fillRef idx="0">
+                <a:schemeClr val="dk1"/>
+              </a:fillRef>
+              <a:effectRef idx="0">
+                <a:schemeClr val="dk1"/>
+              </a:effectRef>
+              <a:fontRef idx="minor">
+                <a:schemeClr val="tx1"/>
+              </a:fontRef>
+            </p:style>
+          </p:cxnSp>
+          <p:sp>
+            <p:nvSpPr>
+              <p:cNvPr id="23" name="Rectangle 22">
+                <a:extLst>
+                  <a:ext uri="{FF2B5EF4-FFF2-40B4-BE49-F238E27FC236}">
+                    <a16:creationId xmlns:a16="http://schemas.microsoft.com/office/drawing/2014/main" id="{7E4757F4-2DAF-E26D-05D2-B277A2BDB961}"/>
+                  </a:ext>
+                </a:extLst>
+              </p:cNvPr>
+              <p:cNvSpPr/>
+              <p:nvPr/>
+            </p:nvSpPr>
+            <p:spPr>
+              <a:xfrm>
+                <a:off x="2886173" y="612742"/>
+                <a:ext cx="2317424" cy="631596"/>
+              </a:xfrm>
+              <a:prstGeom prst="rect">
+                <a:avLst/>
+              </a:prstGeom>
+              <a:solidFill>
+                <a:srgbClr val="005F73"/>
+              </a:solidFill>
+              <a:ln>
+                <a:noFill/>
+              </a:ln>
+            </p:spPr>
+            <p:style>
+              <a:lnRef idx="2">
+                <a:schemeClr val="accent1">
+                  <a:shade val="15000"/>
+                </a:schemeClr>
+              </a:lnRef>
+              <a:fillRef idx="1">
+                <a:schemeClr val="accent1"/>
+              </a:fillRef>
+              <a:effectRef idx="0">
+                <a:schemeClr val="accent1"/>
+              </a:effectRef>
+              <a:fontRef idx="minor">
+                <a:schemeClr val="lt1"/>
+              </a:fontRef>
+            </p:style>
+            <p:txBody>
+              <a:bodyPr rtlCol="0" anchor="ctr"/>
+              <a:lstStyle/>
+              <a:p>
+                <a:pPr algn="ctr"/>
+                <a:r>
+                  <a:rPr lang="en-PH" dirty="0"/>
+                  <a:t>data</a:t>
+                </a:r>
+              </a:p>
+            </p:txBody>
+          </p:sp>
+          <p:sp>
+            <p:nvSpPr>
+              <p:cNvPr id="24" name="Rectangle 23">
+                <a:extLst>
+                  <a:ext uri="{FF2B5EF4-FFF2-40B4-BE49-F238E27FC236}">
+                    <a16:creationId xmlns:a16="http://schemas.microsoft.com/office/drawing/2014/main" id="{6AFB610E-C704-12C0-F189-74558FDBA836}"/>
+                  </a:ext>
+                </a:extLst>
+              </p:cNvPr>
+              <p:cNvSpPr/>
+              <p:nvPr/>
+            </p:nvSpPr>
+            <p:spPr>
+              <a:xfrm>
+                <a:off x="2886173" y="3066854"/>
+                <a:ext cx="2317424" cy="631596"/>
+              </a:xfrm>
+              <a:prstGeom prst="rect">
+                <a:avLst/>
+              </a:prstGeom>
+              <a:solidFill>
+                <a:srgbClr val="005F73"/>
+              </a:solidFill>
+              <a:ln>
+                <a:noFill/>
+              </a:ln>
+            </p:spPr>
+            <p:style>
+              <a:lnRef idx="2">
+                <a:schemeClr val="accent1">
+                  <a:shade val="15000"/>
+                </a:schemeClr>
+              </a:lnRef>
+              <a:fillRef idx="1">
+                <a:schemeClr val="accent1"/>
+              </a:fillRef>
+              <a:effectRef idx="0">
+                <a:schemeClr val="accent1"/>
+              </a:effectRef>
+              <a:fontRef idx="minor">
+                <a:schemeClr val="lt1"/>
+              </a:fontRef>
+            </p:style>
+            <p:txBody>
+              <a:bodyPr rtlCol="0" anchor="ctr"/>
+              <a:lstStyle/>
+              <a:p>
+                <a:pPr algn="ctr"/>
+                <a:r>
+                  <a:rPr lang="en-PH" dirty="0"/>
+                  <a:t>Identify variables</a:t>
+                </a:r>
+              </a:p>
+            </p:txBody>
+          </p:sp>
+          <p:sp>
+            <p:nvSpPr>
+              <p:cNvPr id="25" name="Rectangle 24">
+                <a:extLst>
+                  <a:ext uri="{FF2B5EF4-FFF2-40B4-BE49-F238E27FC236}">
+                    <a16:creationId xmlns:a16="http://schemas.microsoft.com/office/drawing/2014/main" id="{E01A5602-F512-370B-1D5A-6CD86F801879}"/>
+                  </a:ext>
+                </a:extLst>
+              </p:cNvPr>
+              <p:cNvSpPr/>
+              <p:nvPr/>
+            </p:nvSpPr>
+            <p:spPr>
+              <a:xfrm>
+                <a:off x="2886173" y="4293910"/>
+                <a:ext cx="2317424" cy="631596"/>
+              </a:xfrm>
+              <a:prstGeom prst="rect">
+                <a:avLst/>
+              </a:prstGeom>
+              <a:solidFill>
+                <a:srgbClr val="005F73"/>
+              </a:solidFill>
+              <a:ln>
+                <a:noFill/>
+              </a:ln>
+            </p:spPr>
+            <p:style>
+              <a:lnRef idx="2">
+                <a:schemeClr val="accent1">
+                  <a:shade val="15000"/>
+                </a:schemeClr>
+              </a:lnRef>
+              <a:fillRef idx="1">
+                <a:schemeClr val="accent1"/>
+              </a:fillRef>
+              <a:effectRef idx="0">
+                <a:schemeClr val="accent1"/>
+              </a:effectRef>
+              <a:fontRef idx="minor">
+                <a:schemeClr val="lt1"/>
+              </a:fontRef>
+            </p:style>
+            <p:txBody>
+              <a:bodyPr rtlCol="0" anchor="ctr"/>
+              <a:lstStyle/>
+              <a:p>
+                <a:pPr algn="ctr"/>
+                <a:r>
+                  <a:rPr lang="en-PH" dirty="0"/>
+                  <a:t>Measure variables</a:t>
+                </a:r>
+              </a:p>
+            </p:txBody>
+          </p:sp>
+          <p:sp>
+            <p:nvSpPr>
+              <p:cNvPr id="26" name="Rectangle 25">
+                <a:extLst>
+                  <a:ext uri="{FF2B5EF4-FFF2-40B4-BE49-F238E27FC236}">
+                    <a16:creationId xmlns:a16="http://schemas.microsoft.com/office/drawing/2014/main" id="{C7E55393-FE99-9E82-C33A-04A68AF00C37}"/>
+                  </a:ext>
+                </a:extLst>
+              </p:cNvPr>
+              <p:cNvSpPr/>
+              <p:nvPr/>
+            </p:nvSpPr>
+            <p:spPr>
+              <a:xfrm>
+                <a:off x="2886173" y="5520966"/>
+                <a:ext cx="2317424" cy="631596"/>
+              </a:xfrm>
+              <a:prstGeom prst="rect">
+                <a:avLst/>
+              </a:prstGeom>
+              <a:solidFill>
+                <a:srgbClr val="005F73"/>
+              </a:solidFill>
+              <a:ln>
+                <a:noFill/>
+              </a:ln>
+            </p:spPr>
+            <p:style>
+              <a:lnRef idx="2">
+                <a:schemeClr val="accent1">
+                  <a:shade val="15000"/>
+                </a:schemeClr>
+              </a:lnRef>
+              <a:fillRef idx="1">
+                <a:schemeClr val="accent1"/>
+              </a:fillRef>
+              <a:effectRef idx="0">
+                <a:schemeClr val="accent1"/>
+              </a:effectRef>
+              <a:fontRef idx="minor">
+                <a:schemeClr val="lt1"/>
+              </a:fontRef>
+            </p:style>
+            <p:txBody>
+              <a:bodyPr rtlCol="0" anchor="ctr"/>
+              <a:lstStyle/>
+              <a:p>
+                <a:pPr algn="ctr"/>
+                <a:r>
+                  <a:rPr lang="en-PH" dirty="0"/>
+                  <a:t>Graph data / fit a model</a:t>
+                </a:r>
+              </a:p>
+            </p:txBody>
+          </p:sp>
+          <p:cxnSp>
+            <p:nvCxnSpPr>
+              <p:cNvPr id="27" name="Straight Arrow Connector 26">
+                <a:extLst>
+                  <a:ext uri="{FF2B5EF4-FFF2-40B4-BE49-F238E27FC236}">
+                    <a16:creationId xmlns:a16="http://schemas.microsoft.com/office/drawing/2014/main" id="{541E70F1-8E38-5AEF-1CC3-0ABA7F21A228}"/>
+                  </a:ext>
+                </a:extLst>
+              </p:cNvPr>
+              <p:cNvCxnSpPr>
+                <a:cxnSpLocks/>
+                <a:stCxn id="4" idx="1"/>
+                <a:endCxn id="23" idx="3"/>
+              </p:cNvCxnSpPr>
+              <p:nvPr/>
+            </p:nvCxnSpPr>
+            <p:spPr>
+              <a:xfrm flipH="1">
+                <a:off x="5203597" y="928540"/>
+                <a:ext cx="1414018" cy="0"/>
+              </a:xfrm>
+              <a:prstGeom prst="straightConnector1">
+                <a:avLst/>
+              </a:prstGeom>
+              <a:ln w="28575">
+                <a:solidFill>
+                  <a:schemeClr val="tx1">
+                    <a:lumMod val="75000"/>
+                    <a:lumOff val="25000"/>
+                  </a:schemeClr>
+                </a:solidFill>
+                <a:headEnd type="triangle" w="med" len="med"/>
+                <a:tailEnd type="triangle" w="med" len="med"/>
+              </a:ln>
+            </p:spPr>
+            <p:style>
+              <a:lnRef idx="1">
+                <a:schemeClr val="dk1"/>
+              </a:lnRef>
+              <a:fillRef idx="0">
+                <a:schemeClr val="dk1"/>
+              </a:fillRef>
+              <a:effectRef idx="0">
+                <a:schemeClr val="dk1"/>
+              </a:effectRef>
+              <a:fontRef idx="minor">
+                <a:schemeClr val="tx1"/>
+              </a:fontRef>
+            </p:style>
+          </p:cxnSp>
+          <p:cxnSp>
+            <p:nvCxnSpPr>
+              <p:cNvPr id="30" name="Straight Arrow Connector 29">
+                <a:extLst>
+                  <a:ext uri="{FF2B5EF4-FFF2-40B4-BE49-F238E27FC236}">
+                    <a16:creationId xmlns:a16="http://schemas.microsoft.com/office/drawing/2014/main" id="{00C15286-C147-22E6-098E-D08C22ACB419}"/>
+                  </a:ext>
+                </a:extLst>
+              </p:cNvPr>
+              <p:cNvCxnSpPr>
+                <a:cxnSpLocks/>
+                <a:stCxn id="6" idx="1"/>
+                <a:endCxn id="24" idx="3"/>
+              </p:cNvCxnSpPr>
+              <p:nvPr/>
+            </p:nvCxnSpPr>
+            <p:spPr>
+              <a:xfrm flipH="1">
+                <a:off x="5203597" y="3382652"/>
+                <a:ext cx="1414018" cy="0"/>
+              </a:xfrm>
+              <a:prstGeom prst="straightConnector1">
+                <a:avLst/>
+              </a:prstGeom>
+              <a:ln w="28575">
+                <a:solidFill>
+                  <a:schemeClr val="tx1">
+                    <a:lumMod val="75000"/>
+                    <a:lumOff val="25000"/>
+                  </a:schemeClr>
+                </a:solidFill>
+                <a:tailEnd type="triangle"/>
+              </a:ln>
+            </p:spPr>
+            <p:style>
+              <a:lnRef idx="1">
+                <a:schemeClr val="dk1"/>
+              </a:lnRef>
+              <a:fillRef idx="0">
+                <a:schemeClr val="dk1"/>
+              </a:fillRef>
+              <a:effectRef idx="0">
+                <a:schemeClr val="dk1"/>
+              </a:effectRef>
+              <a:fontRef idx="minor">
+                <a:schemeClr val="tx1"/>
+              </a:fontRef>
+            </p:style>
+          </p:cxnSp>
+          <p:cxnSp>
+            <p:nvCxnSpPr>
+              <p:cNvPr id="33" name="Straight Arrow Connector 32">
+                <a:extLst>
+                  <a:ext uri="{FF2B5EF4-FFF2-40B4-BE49-F238E27FC236}">
+                    <a16:creationId xmlns:a16="http://schemas.microsoft.com/office/drawing/2014/main" id="{656AB538-D883-E6A6-6EEF-FC344B41C2E0}"/>
+                  </a:ext>
+                </a:extLst>
+              </p:cNvPr>
+              <p:cNvCxnSpPr>
+                <a:cxnSpLocks/>
+                <a:stCxn id="7" idx="1"/>
+                <a:endCxn id="25" idx="3"/>
+              </p:cNvCxnSpPr>
+              <p:nvPr/>
+            </p:nvCxnSpPr>
+            <p:spPr>
+              <a:xfrm flipH="1">
+                <a:off x="5203597" y="4609708"/>
+                <a:ext cx="1414018" cy="0"/>
+              </a:xfrm>
+              <a:prstGeom prst="straightConnector1">
+                <a:avLst/>
+              </a:prstGeom>
+              <a:ln w="28575">
+                <a:solidFill>
+                  <a:schemeClr val="tx1">
+                    <a:lumMod val="75000"/>
+                    <a:lumOff val="25000"/>
+                  </a:schemeClr>
+                </a:solidFill>
+                <a:tailEnd type="triangle"/>
+              </a:ln>
+            </p:spPr>
+            <p:style>
+              <a:lnRef idx="1">
+                <a:schemeClr val="dk1"/>
+              </a:lnRef>
+              <a:fillRef idx="0">
+                <a:schemeClr val="dk1"/>
+              </a:fillRef>
+              <a:effectRef idx="0">
+                <a:schemeClr val="dk1"/>
+              </a:effectRef>
+              <a:fontRef idx="minor">
+                <a:schemeClr val="tx1"/>
+              </a:fontRef>
+            </p:style>
+          </p:cxnSp>
+          <p:cxnSp>
+            <p:nvCxnSpPr>
+              <p:cNvPr id="36" name="Straight Arrow Connector 35">
+                <a:extLst>
+                  <a:ext uri="{FF2B5EF4-FFF2-40B4-BE49-F238E27FC236}">
+                    <a16:creationId xmlns:a16="http://schemas.microsoft.com/office/drawing/2014/main" id="{A4245B8C-CDC1-A352-7DE2-3B0ADCDB9450}"/>
+                  </a:ext>
+                </a:extLst>
+              </p:cNvPr>
+              <p:cNvCxnSpPr>
+                <a:cxnSpLocks/>
+                <a:stCxn id="8" idx="1"/>
+                <a:endCxn id="26" idx="3"/>
+              </p:cNvCxnSpPr>
+              <p:nvPr/>
+            </p:nvCxnSpPr>
+            <p:spPr>
+              <a:xfrm flipH="1">
+                <a:off x="5203597" y="5836764"/>
+                <a:ext cx="1414018" cy="0"/>
+              </a:xfrm>
+              <a:prstGeom prst="straightConnector1">
+                <a:avLst/>
+              </a:prstGeom>
+              <a:ln w="28575">
+                <a:solidFill>
+                  <a:schemeClr val="tx1">
+                    <a:lumMod val="75000"/>
+                    <a:lumOff val="25000"/>
+                  </a:schemeClr>
+                </a:solidFill>
+                <a:tailEnd type="triangle"/>
+              </a:ln>
+            </p:spPr>
+            <p:style>
+              <a:lnRef idx="1">
+                <a:schemeClr val="dk1"/>
+              </a:lnRef>
+              <a:fillRef idx="0">
+                <a:schemeClr val="dk1"/>
+              </a:fillRef>
+              <a:effectRef idx="0">
+                <a:schemeClr val="dk1"/>
+              </a:effectRef>
+              <a:fontRef idx="minor">
+                <a:schemeClr val="tx1"/>
+              </a:fontRef>
+            </p:style>
+          </p:cxnSp>
+        </p:grpSp>
         <p:sp>
           <p:nvSpPr>
-            <p:cNvPr id="4" name="Rectangle 3">
+            <p:cNvPr id="2" name="Rectangle 1">
               <a:extLst>
                 <a:ext uri="{FF2B5EF4-FFF2-40B4-BE49-F238E27FC236}">
-                  <a16:creationId xmlns:a16="http://schemas.microsoft.com/office/drawing/2014/main" id="{78A17A61-62DE-241A-B24E-7D11A6B15412}"/>
+                  <a16:creationId xmlns:a16="http://schemas.microsoft.com/office/drawing/2014/main" id="{10802F88-71E2-84F9-1467-C14469ED6B4A}"/>
                 </a:ext>
               </a:extLst>
             </p:cNvPr>
@@ -5516,14 +6651,16 @@
           </p:nvSpPr>
           <p:spPr>
             <a:xfrm>
-              <a:off x="6617615" y="612742"/>
-              <a:ext cx="2809189" cy="631596"/>
+              <a:off x="2615937" y="3970257"/>
+              <a:ext cx="8003355" cy="1234912"/>
             </a:xfrm>
             <a:prstGeom prst="rect">
               <a:avLst/>
             </a:prstGeom>
             <a:solidFill>
-              <a:srgbClr val="003049"/>
+              <a:srgbClr val="005F73">
+                <a:alpha val="23000"/>
+              </a:srgbClr>
             </a:solidFill>
             <a:ln>
               <a:noFill/>
@@ -5550,957 +6687,11 @@
             <a:lstStyle/>
             <a:p>
               <a:pPr algn="ctr"/>
-              <a:r>
-                <a:rPr lang="en-PH" dirty="0"/>
-                <a:t>Initial observations</a:t>
-              </a:r>
-            </a:p>
-            <a:p>
-              <a:pPr algn="ctr"/>
-              <a:r>
-                <a:rPr lang="en-PH" dirty="0"/>
-                <a:t>(Research questions)</a:t>
-              </a:r>
+              <a:endParaRPr lang="en-PH"/>
             </a:p>
           </p:txBody>
         </p:sp>
-        <p:sp>
-          <p:nvSpPr>
-            <p:cNvPr id="5" name="Rectangle 4">
-              <a:extLst>
-                <a:ext uri="{FF2B5EF4-FFF2-40B4-BE49-F238E27FC236}">
-                  <a16:creationId xmlns:a16="http://schemas.microsoft.com/office/drawing/2014/main" id="{2D2C1062-F912-7B91-E32A-63A18B21EABB}"/>
-                </a:ext>
-              </a:extLst>
-            </p:cNvPr>
-            <p:cNvSpPr/>
-            <p:nvPr/>
-          </p:nvSpPr>
-          <p:spPr>
-            <a:xfrm>
-              <a:off x="6617615" y="1839798"/>
-              <a:ext cx="2809189" cy="631596"/>
-            </a:xfrm>
-            <a:prstGeom prst="rect">
-              <a:avLst/>
-            </a:prstGeom>
-            <a:solidFill>
-              <a:srgbClr val="003049"/>
-            </a:solidFill>
-            <a:ln>
-              <a:noFill/>
-            </a:ln>
-          </p:spPr>
-          <p:style>
-            <a:lnRef idx="2">
-              <a:schemeClr val="accent1">
-                <a:shade val="15000"/>
-              </a:schemeClr>
-            </a:lnRef>
-            <a:fillRef idx="1">
-              <a:schemeClr val="accent1"/>
-            </a:fillRef>
-            <a:effectRef idx="0">
-              <a:schemeClr val="accent1"/>
-            </a:effectRef>
-            <a:fontRef idx="minor">
-              <a:schemeClr val="lt1"/>
-            </a:fontRef>
-          </p:style>
-          <p:txBody>
-            <a:bodyPr rtlCol="0" anchor="ctr"/>
-            <a:lstStyle/>
-            <a:p>
-              <a:pPr algn="ctr"/>
-              <a:r>
-                <a:rPr lang="en-PH" dirty="0"/>
-                <a:t>Generate theory</a:t>
-              </a:r>
-            </a:p>
-          </p:txBody>
-        </p:sp>
-        <p:sp>
-          <p:nvSpPr>
-            <p:cNvPr id="6" name="Rectangle 5">
-              <a:extLst>
-                <a:ext uri="{FF2B5EF4-FFF2-40B4-BE49-F238E27FC236}">
-                  <a16:creationId xmlns:a16="http://schemas.microsoft.com/office/drawing/2014/main" id="{237D989A-F05A-3BFF-4853-DA31DB8BB33A}"/>
-                </a:ext>
-              </a:extLst>
-            </p:cNvPr>
-            <p:cNvSpPr/>
-            <p:nvPr/>
-          </p:nvSpPr>
-          <p:spPr>
-            <a:xfrm>
-              <a:off x="6617615" y="3066854"/>
-              <a:ext cx="2809189" cy="631596"/>
-            </a:xfrm>
-            <a:prstGeom prst="rect">
-              <a:avLst/>
-            </a:prstGeom>
-            <a:solidFill>
-              <a:srgbClr val="003049"/>
-            </a:solidFill>
-            <a:ln>
-              <a:noFill/>
-            </a:ln>
-          </p:spPr>
-          <p:style>
-            <a:lnRef idx="2">
-              <a:schemeClr val="accent1">
-                <a:shade val="15000"/>
-              </a:schemeClr>
-            </a:lnRef>
-            <a:fillRef idx="1">
-              <a:schemeClr val="accent1"/>
-            </a:fillRef>
-            <a:effectRef idx="0">
-              <a:schemeClr val="accent1"/>
-            </a:effectRef>
-            <a:fontRef idx="minor">
-              <a:schemeClr val="lt1"/>
-            </a:fontRef>
-          </p:style>
-          <p:txBody>
-            <a:bodyPr rtlCol="0" anchor="ctr"/>
-            <a:lstStyle/>
-            <a:p>
-              <a:pPr algn="ctr"/>
-              <a:r>
-                <a:rPr lang="en-PH" dirty="0"/>
-                <a:t>Generate hypotheses</a:t>
-              </a:r>
-            </a:p>
-          </p:txBody>
-        </p:sp>
-        <p:sp>
-          <p:nvSpPr>
-            <p:cNvPr id="7" name="Rectangle 6">
-              <a:extLst>
-                <a:ext uri="{FF2B5EF4-FFF2-40B4-BE49-F238E27FC236}">
-                  <a16:creationId xmlns:a16="http://schemas.microsoft.com/office/drawing/2014/main" id="{C8DDBFF3-404B-FDCB-E3BF-BB18F34FB474}"/>
-                </a:ext>
-              </a:extLst>
-            </p:cNvPr>
-            <p:cNvSpPr/>
-            <p:nvPr/>
-          </p:nvSpPr>
-          <p:spPr>
-            <a:xfrm>
-              <a:off x="6617615" y="4293910"/>
-              <a:ext cx="2809189" cy="631596"/>
-            </a:xfrm>
-            <a:prstGeom prst="rect">
-              <a:avLst/>
-            </a:prstGeom>
-            <a:solidFill>
-              <a:srgbClr val="003049"/>
-            </a:solidFill>
-            <a:ln>
-              <a:noFill/>
-            </a:ln>
-          </p:spPr>
-          <p:style>
-            <a:lnRef idx="2">
-              <a:schemeClr val="accent1">
-                <a:shade val="15000"/>
-              </a:schemeClr>
-            </a:lnRef>
-            <a:fillRef idx="1">
-              <a:schemeClr val="accent1"/>
-            </a:fillRef>
-            <a:effectRef idx="0">
-              <a:schemeClr val="accent1"/>
-            </a:effectRef>
-            <a:fontRef idx="minor">
-              <a:schemeClr val="lt1"/>
-            </a:fontRef>
-          </p:style>
-          <p:txBody>
-            <a:bodyPr rtlCol="0" anchor="ctr"/>
-            <a:lstStyle/>
-            <a:p>
-              <a:pPr algn="ctr"/>
-              <a:r>
-                <a:rPr lang="en-PH" dirty="0"/>
-                <a:t>Collect data to test theory</a:t>
-              </a:r>
-            </a:p>
-          </p:txBody>
-        </p:sp>
-        <p:sp>
-          <p:nvSpPr>
-            <p:cNvPr id="8" name="Rectangle 7">
-              <a:extLst>
-                <a:ext uri="{FF2B5EF4-FFF2-40B4-BE49-F238E27FC236}">
-                  <a16:creationId xmlns:a16="http://schemas.microsoft.com/office/drawing/2014/main" id="{3BAEC15A-6355-DFD1-E3C0-F3D3FBFA0D4D}"/>
-                </a:ext>
-              </a:extLst>
-            </p:cNvPr>
-            <p:cNvSpPr/>
-            <p:nvPr/>
-          </p:nvSpPr>
-          <p:spPr>
-            <a:xfrm>
-              <a:off x="6617615" y="5520966"/>
-              <a:ext cx="2809189" cy="631596"/>
-            </a:xfrm>
-            <a:prstGeom prst="rect">
-              <a:avLst/>
-            </a:prstGeom>
-            <a:solidFill>
-              <a:srgbClr val="003049"/>
-            </a:solidFill>
-            <a:ln>
-              <a:noFill/>
-            </a:ln>
-          </p:spPr>
-          <p:style>
-            <a:lnRef idx="2">
-              <a:schemeClr val="accent1">
-                <a:shade val="15000"/>
-              </a:schemeClr>
-            </a:lnRef>
-            <a:fillRef idx="1">
-              <a:schemeClr val="accent1"/>
-            </a:fillRef>
-            <a:effectRef idx="0">
-              <a:schemeClr val="accent1"/>
-            </a:effectRef>
-            <a:fontRef idx="minor">
-              <a:schemeClr val="lt1"/>
-            </a:fontRef>
-          </p:style>
-          <p:txBody>
-            <a:bodyPr rtlCol="0" anchor="ctr"/>
-            <a:lstStyle/>
-            <a:p>
-              <a:pPr algn="ctr"/>
-              <a:r>
-                <a:rPr lang="en-PH" dirty="0"/>
-                <a:t>Analyze data</a:t>
-              </a:r>
-            </a:p>
-          </p:txBody>
-        </p:sp>
-        <p:cxnSp>
-          <p:nvCxnSpPr>
-            <p:cNvPr id="10" name="Straight Arrow Connector 9">
-              <a:extLst>
-                <a:ext uri="{FF2B5EF4-FFF2-40B4-BE49-F238E27FC236}">
-                  <a16:creationId xmlns:a16="http://schemas.microsoft.com/office/drawing/2014/main" id="{5EA8789C-8CBB-5A4E-67B1-B988ED213635}"/>
-                </a:ext>
-              </a:extLst>
-            </p:cNvPr>
-            <p:cNvCxnSpPr>
-              <a:stCxn id="4" idx="2"/>
-              <a:endCxn id="5" idx="0"/>
-            </p:cNvCxnSpPr>
-            <p:nvPr/>
-          </p:nvCxnSpPr>
-          <p:spPr>
-            <a:xfrm>
-              <a:off x="8022210" y="1244338"/>
-              <a:ext cx="0" cy="595460"/>
-            </a:xfrm>
-            <a:prstGeom prst="straightConnector1">
-              <a:avLst/>
-            </a:prstGeom>
-            <a:ln w="28575">
-              <a:solidFill>
-                <a:schemeClr val="tx1">
-                  <a:lumMod val="75000"/>
-                  <a:lumOff val="25000"/>
-                </a:schemeClr>
-              </a:solidFill>
-              <a:tailEnd type="triangle"/>
-            </a:ln>
-          </p:spPr>
-          <p:style>
-            <a:lnRef idx="1">
-              <a:schemeClr val="dk1"/>
-            </a:lnRef>
-            <a:fillRef idx="0">
-              <a:schemeClr val="dk1"/>
-            </a:fillRef>
-            <a:effectRef idx="0">
-              <a:schemeClr val="dk1"/>
-            </a:effectRef>
-            <a:fontRef idx="minor">
-              <a:schemeClr val="tx1"/>
-            </a:fontRef>
-          </p:style>
-        </p:cxnSp>
-        <p:cxnSp>
-          <p:nvCxnSpPr>
-            <p:cNvPr id="11" name="Straight Arrow Connector 10">
-              <a:extLst>
-                <a:ext uri="{FF2B5EF4-FFF2-40B4-BE49-F238E27FC236}">
-                  <a16:creationId xmlns:a16="http://schemas.microsoft.com/office/drawing/2014/main" id="{DE54B802-36FA-B7DC-13A9-F8E503F9C1E1}"/>
-                </a:ext>
-              </a:extLst>
-            </p:cNvPr>
-            <p:cNvCxnSpPr>
-              <a:cxnSpLocks/>
-              <a:stCxn id="5" idx="2"/>
-              <a:endCxn id="6" idx="0"/>
-            </p:cNvCxnSpPr>
-            <p:nvPr/>
-          </p:nvCxnSpPr>
-          <p:spPr>
-            <a:xfrm>
-              <a:off x="8022210" y="2471394"/>
-              <a:ext cx="0" cy="595460"/>
-            </a:xfrm>
-            <a:prstGeom prst="straightConnector1">
-              <a:avLst/>
-            </a:prstGeom>
-            <a:ln w="28575">
-              <a:solidFill>
-                <a:schemeClr val="tx1">
-                  <a:lumMod val="75000"/>
-                  <a:lumOff val="25000"/>
-                </a:schemeClr>
-              </a:solidFill>
-              <a:tailEnd type="triangle"/>
-            </a:ln>
-          </p:spPr>
-          <p:style>
-            <a:lnRef idx="1">
-              <a:schemeClr val="dk1"/>
-            </a:lnRef>
-            <a:fillRef idx="0">
-              <a:schemeClr val="dk1"/>
-            </a:fillRef>
-            <a:effectRef idx="0">
-              <a:schemeClr val="dk1"/>
-            </a:effectRef>
-            <a:fontRef idx="minor">
-              <a:schemeClr val="tx1"/>
-            </a:fontRef>
-          </p:style>
-        </p:cxnSp>
-        <p:cxnSp>
-          <p:nvCxnSpPr>
-            <p:cNvPr id="14" name="Straight Arrow Connector 13">
-              <a:extLst>
-                <a:ext uri="{FF2B5EF4-FFF2-40B4-BE49-F238E27FC236}">
-                  <a16:creationId xmlns:a16="http://schemas.microsoft.com/office/drawing/2014/main" id="{69B4DDD1-DE12-1D1A-0C8F-C4A5BD114ED3}"/>
-                </a:ext>
-              </a:extLst>
-            </p:cNvPr>
-            <p:cNvCxnSpPr>
-              <a:cxnSpLocks/>
-              <a:stCxn id="6" idx="2"/>
-              <a:endCxn id="7" idx="0"/>
-            </p:cNvCxnSpPr>
-            <p:nvPr/>
-          </p:nvCxnSpPr>
-          <p:spPr>
-            <a:xfrm>
-              <a:off x="8022210" y="3698450"/>
-              <a:ext cx="0" cy="595460"/>
-            </a:xfrm>
-            <a:prstGeom prst="straightConnector1">
-              <a:avLst/>
-            </a:prstGeom>
-            <a:ln w="28575">
-              <a:solidFill>
-                <a:schemeClr val="tx1">
-                  <a:lumMod val="75000"/>
-                  <a:lumOff val="25000"/>
-                </a:schemeClr>
-              </a:solidFill>
-              <a:tailEnd type="triangle"/>
-            </a:ln>
-          </p:spPr>
-          <p:style>
-            <a:lnRef idx="1">
-              <a:schemeClr val="dk1"/>
-            </a:lnRef>
-            <a:fillRef idx="0">
-              <a:schemeClr val="dk1"/>
-            </a:fillRef>
-            <a:effectRef idx="0">
-              <a:schemeClr val="dk1"/>
-            </a:effectRef>
-            <a:fontRef idx="minor">
-              <a:schemeClr val="tx1"/>
-            </a:fontRef>
-          </p:style>
-        </p:cxnSp>
-        <p:cxnSp>
-          <p:nvCxnSpPr>
-            <p:cNvPr id="17" name="Straight Arrow Connector 16">
-              <a:extLst>
-                <a:ext uri="{FF2B5EF4-FFF2-40B4-BE49-F238E27FC236}">
-                  <a16:creationId xmlns:a16="http://schemas.microsoft.com/office/drawing/2014/main" id="{09640187-1697-1DF7-5653-058A9903800F}"/>
-                </a:ext>
-              </a:extLst>
-            </p:cNvPr>
-            <p:cNvCxnSpPr>
-              <a:cxnSpLocks/>
-              <a:stCxn id="7" idx="2"/>
-              <a:endCxn id="8" idx="0"/>
-            </p:cNvCxnSpPr>
-            <p:nvPr/>
-          </p:nvCxnSpPr>
-          <p:spPr>
-            <a:xfrm>
-              <a:off x="8022210" y="4925506"/>
-              <a:ext cx="0" cy="595460"/>
-            </a:xfrm>
-            <a:prstGeom prst="straightConnector1">
-              <a:avLst/>
-            </a:prstGeom>
-            <a:ln w="28575">
-              <a:solidFill>
-                <a:schemeClr val="tx1">
-                  <a:lumMod val="75000"/>
-                  <a:lumOff val="25000"/>
-                </a:schemeClr>
-              </a:solidFill>
-              <a:tailEnd type="triangle"/>
-            </a:ln>
-          </p:spPr>
-          <p:style>
-            <a:lnRef idx="1">
-              <a:schemeClr val="dk1"/>
-            </a:lnRef>
-            <a:fillRef idx="0">
-              <a:schemeClr val="dk1"/>
-            </a:fillRef>
-            <a:effectRef idx="0">
-              <a:schemeClr val="dk1"/>
-            </a:effectRef>
-            <a:fontRef idx="minor">
-              <a:schemeClr val="tx1"/>
-            </a:fontRef>
-          </p:style>
-        </p:cxnSp>
-        <p:cxnSp>
-          <p:nvCxnSpPr>
-            <p:cNvPr id="21" name="Connector: Elbow 20">
-              <a:extLst>
-                <a:ext uri="{FF2B5EF4-FFF2-40B4-BE49-F238E27FC236}">
-                  <a16:creationId xmlns:a16="http://schemas.microsoft.com/office/drawing/2014/main" id="{9FD0FA77-2716-6476-847D-75712BE865A1}"/>
-                </a:ext>
-              </a:extLst>
-            </p:cNvPr>
-            <p:cNvCxnSpPr>
-              <a:stCxn id="8" idx="3"/>
-              <a:endCxn id="5" idx="3"/>
-            </p:cNvCxnSpPr>
-            <p:nvPr/>
-          </p:nvCxnSpPr>
-          <p:spPr>
-            <a:xfrm flipV="1">
-              <a:off x="9426804" y="2155596"/>
-              <a:ext cx="12700" cy="3681168"/>
-            </a:xfrm>
-            <a:prstGeom prst="bentConnector3">
-              <a:avLst>
-                <a:gd name="adj1" fmla="val 5956701"/>
-              </a:avLst>
-            </a:prstGeom>
-            <a:ln w="28575">
-              <a:solidFill>
-                <a:schemeClr val="tx1">
-                  <a:lumMod val="75000"/>
-                  <a:lumOff val="25000"/>
-                </a:schemeClr>
-              </a:solidFill>
-              <a:tailEnd type="triangle"/>
-            </a:ln>
-          </p:spPr>
-          <p:style>
-            <a:lnRef idx="1">
-              <a:schemeClr val="dk1"/>
-            </a:lnRef>
-            <a:fillRef idx="0">
-              <a:schemeClr val="dk1"/>
-            </a:fillRef>
-            <a:effectRef idx="0">
-              <a:schemeClr val="dk1"/>
-            </a:effectRef>
-            <a:fontRef idx="minor">
-              <a:schemeClr val="tx1"/>
-            </a:fontRef>
-          </p:style>
-        </p:cxnSp>
-        <p:sp>
-          <p:nvSpPr>
-            <p:cNvPr id="23" name="Rectangle 22">
-              <a:extLst>
-                <a:ext uri="{FF2B5EF4-FFF2-40B4-BE49-F238E27FC236}">
-                  <a16:creationId xmlns:a16="http://schemas.microsoft.com/office/drawing/2014/main" id="{7E4757F4-2DAF-E26D-05D2-B277A2BDB961}"/>
-                </a:ext>
-              </a:extLst>
-            </p:cNvPr>
-            <p:cNvSpPr/>
-            <p:nvPr/>
-          </p:nvSpPr>
-          <p:spPr>
-            <a:xfrm>
-              <a:off x="2886173" y="612742"/>
-              <a:ext cx="2317424" cy="631596"/>
-            </a:xfrm>
-            <a:prstGeom prst="rect">
-              <a:avLst/>
-            </a:prstGeom>
-            <a:solidFill>
-              <a:srgbClr val="005F73"/>
-            </a:solidFill>
-            <a:ln>
-              <a:noFill/>
-            </a:ln>
-          </p:spPr>
-          <p:style>
-            <a:lnRef idx="2">
-              <a:schemeClr val="accent1">
-                <a:shade val="15000"/>
-              </a:schemeClr>
-            </a:lnRef>
-            <a:fillRef idx="1">
-              <a:schemeClr val="accent1"/>
-            </a:fillRef>
-            <a:effectRef idx="0">
-              <a:schemeClr val="accent1"/>
-            </a:effectRef>
-            <a:fontRef idx="minor">
-              <a:schemeClr val="lt1"/>
-            </a:fontRef>
-          </p:style>
-          <p:txBody>
-            <a:bodyPr rtlCol="0" anchor="ctr"/>
-            <a:lstStyle/>
-            <a:p>
-              <a:pPr algn="ctr"/>
-              <a:r>
-                <a:rPr lang="en-PH" dirty="0"/>
-                <a:t>data</a:t>
-              </a:r>
-            </a:p>
-          </p:txBody>
-        </p:sp>
-        <p:sp>
-          <p:nvSpPr>
-            <p:cNvPr id="24" name="Rectangle 23">
-              <a:extLst>
-                <a:ext uri="{FF2B5EF4-FFF2-40B4-BE49-F238E27FC236}">
-                  <a16:creationId xmlns:a16="http://schemas.microsoft.com/office/drawing/2014/main" id="{6AFB610E-C704-12C0-F189-74558FDBA836}"/>
-                </a:ext>
-              </a:extLst>
-            </p:cNvPr>
-            <p:cNvSpPr/>
-            <p:nvPr/>
-          </p:nvSpPr>
-          <p:spPr>
-            <a:xfrm>
-              <a:off x="2886173" y="3066854"/>
-              <a:ext cx="2317424" cy="631596"/>
-            </a:xfrm>
-            <a:prstGeom prst="rect">
-              <a:avLst/>
-            </a:prstGeom>
-            <a:solidFill>
-              <a:srgbClr val="005F73"/>
-            </a:solidFill>
-            <a:ln>
-              <a:noFill/>
-            </a:ln>
-          </p:spPr>
-          <p:style>
-            <a:lnRef idx="2">
-              <a:schemeClr val="accent1">
-                <a:shade val="15000"/>
-              </a:schemeClr>
-            </a:lnRef>
-            <a:fillRef idx="1">
-              <a:schemeClr val="accent1"/>
-            </a:fillRef>
-            <a:effectRef idx="0">
-              <a:schemeClr val="accent1"/>
-            </a:effectRef>
-            <a:fontRef idx="minor">
-              <a:schemeClr val="lt1"/>
-            </a:fontRef>
-          </p:style>
-          <p:txBody>
-            <a:bodyPr rtlCol="0" anchor="ctr"/>
-            <a:lstStyle/>
-            <a:p>
-              <a:pPr algn="ctr"/>
-              <a:r>
-                <a:rPr lang="en-PH" dirty="0"/>
-                <a:t>Identify variables</a:t>
-              </a:r>
-            </a:p>
-          </p:txBody>
-        </p:sp>
-        <p:sp>
-          <p:nvSpPr>
-            <p:cNvPr id="25" name="Rectangle 24">
-              <a:extLst>
-                <a:ext uri="{FF2B5EF4-FFF2-40B4-BE49-F238E27FC236}">
-                  <a16:creationId xmlns:a16="http://schemas.microsoft.com/office/drawing/2014/main" id="{E01A5602-F512-370B-1D5A-6CD86F801879}"/>
-                </a:ext>
-              </a:extLst>
-            </p:cNvPr>
-            <p:cNvSpPr/>
-            <p:nvPr/>
-          </p:nvSpPr>
-          <p:spPr>
-            <a:xfrm>
-              <a:off x="2886173" y="4293910"/>
-              <a:ext cx="2317424" cy="631596"/>
-            </a:xfrm>
-            <a:prstGeom prst="rect">
-              <a:avLst/>
-            </a:prstGeom>
-            <a:solidFill>
-              <a:srgbClr val="005F73"/>
-            </a:solidFill>
-            <a:ln>
-              <a:noFill/>
-            </a:ln>
-          </p:spPr>
-          <p:style>
-            <a:lnRef idx="2">
-              <a:schemeClr val="accent1">
-                <a:shade val="15000"/>
-              </a:schemeClr>
-            </a:lnRef>
-            <a:fillRef idx="1">
-              <a:schemeClr val="accent1"/>
-            </a:fillRef>
-            <a:effectRef idx="0">
-              <a:schemeClr val="accent1"/>
-            </a:effectRef>
-            <a:fontRef idx="minor">
-              <a:schemeClr val="lt1"/>
-            </a:fontRef>
-          </p:style>
-          <p:txBody>
-            <a:bodyPr rtlCol="0" anchor="ctr"/>
-            <a:lstStyle/>
-            <a:p>
-              <a:pPr algn="ctr"/>
-              <a:r>
-                <a:rPr lang="en-PH" dirty="0"/>
-                <a:t>Measure variables</a:t>
-              </a:r>
-            </a:p>
-          </p:txBody>
-        </p:sp>
-        <p:sp>
-          <p:nvSpPr>
-            <p:cNvPr id="26" name="Rectangle 25">
-              <a:extLst>
-                <a:ext uri="{FF2B5EF4-FFF2-40B4-BE49-F238E27FC236}">
-                  <a16:creationId xmlns:a16="http://schemas.microsoft.com/office/drawing/2014/main" id="{C7E55393-FE99-9E82-C33A-04A68AF00C37}"/>
-                </a:ext>
-              </a:extLst>
-            </p:cNvPr>
-            <p:cNvSpPr/>
-            <p:nvPr/>
-          </p:nvSpPr>
-          <p:spPr>
-            <a:xfrm>
-              <a:off x="2886173" y="5520966"/>
-              <a:ext cx="2317424" cy="631596"/>
-            </a:xfrm>
-            <a:prstGeom prst="rect">
-              <a:avLst/>
-            </a:prstGeom>
-            <a:solidFill>
-              <a:srgbClr val="005F73"/>
-            </a:solidFill>
-            <a:ln>
-              <a:noFill/>
-            </a:ln>
-          </p:spPr>
-          <p:style>
-            <a:lnRef idx="2">
-              <a:schemeClr val="accent1">
-                <a:shade val="15000"/>
-              </a:schemeClr>
-            </a:lnRef>
-            <a:fillRef idx="1">
-              <a:schemeClr val="accent1"/>
-            </a:fillRef>
-            <a:effectRef idx="0">
-              <a:schemeClr val="accent1"/>
-            </a:effectRef>
-            <a:fontRef idx="minor">
-              <a:schemeClr val="lt1"/>
-            </a:fontRef>
-          </p:style>
-          <p:txBody>
-            <a:bodyPr rtlCol="0" anchor="ctr"/>
-            <a:lstStyle/>
-            <a:p>
-              <a:pPr algn="ctr"/>
-              <a:r>
-                <a:rPr lang="en-PH" dirty="0"/>
-                <a:t>Graph data / fit a model</a:t>
-              </a:r>
-            </a:p>
-          </p:txBody>
-        </p:sp>
-        <p:cxnSp>
-          <p:nvCxnSpPr>
-            <p:cNvPr id="27" name="Straight Arrow Connector 26">
-              <a:extLst>
-                <a:ext uri="{FF2B5EF4-FFF2-40B4-BE49-F238E27FC236}">
-                  <a16:creationId xmlns:a16="http://schemas.microsoft.com/office/drawing/2014/main" id="{541E70F1-8E38-5AEF-1CC3-0ABA7F21A228}"/>
-                </a:ext>
-              </a:extLst>
-            </p:cNvPr>
-            <p:cNvCxnSpPr>
-              <a:cxnSpLocks/>
-              <a:stCxn id="4" idx="1"/>
-              <a:endCxn id="23" idx="3"/>
-            </p:cNvCxnSpPr>
-            <p:nvPr/>
-          </p:nvCxnSpPr>
-          <p:spPr>
-            <a:xfrm flipH="1">
-              <a:off x="5203597" y="928540"/>
-              <a:ext cx="1414018" cy="0"/>
-            </a:xfrm>
-            <a:prstGeom prst="straightConnector1">
-              <a:avLst/>
-            </a:prstGeom>
-            <a:ln w="28575">
-              <a:solidFill>
-                <a:schemeClr val="tx1">
-                  <a:lumMod val="75000"/>
-                  <a:lumOff val="25000"/>
-                </a:schemeClr>
-              </a:solidFill>
-              <a:headEnd type="triangle" w="med" len="med"/>
-              <a:tailEnd type="triangle" w="med" len="med"/>
-            </a:ln>
-          </p:spPr>
-          <p:style>
-            <a:lnRef idx="1">
-              <a:schemeClr val="dk1"/>
-            </a:lnRef>
-            <a:fillRef idx="0">
-              <a:schemeClr val="dk1"/>
-            </a:fillRef>
-            <a:effectRef idx="0">
-              <a:schemeClr val="dk1"/>
-            </a:effectRef>
-            <a:fontRef idx="minor">
-              <a:schemeClr val="tx1"/>
-            </a:fontRef>
-          </p:style>
-        </p:cxnSp>
-        <p:cxnSp>
-          <p:nvCxnSpPr>
-            <p:cNvPr id="30" name="Straight Arrow Connector 29">
-              <a:extLst>
-                <a:ext uri="{FF2B5EF4-FFF2-40B4-BE49-F238E27FC236}">
-                  <a16:creationId xmlns:a16="http://schemas.microsoft.com/office/drawing/2014/main" id="{00C15286-C147-22E6-098E-D08C22ACB419}"/>
-                </a:ext>
-              </a:extLst>
-            </p:cNvPr>
-            <p:cNvCxnSpPr>
-              <a:cxnSpLocks/>
-              <a:stCxn id="6" idx="1"/>
-              <a:endCxn id="24" idx="3"/>
-            </p:cNvCxnSpPr>
-            <p:nvPr/>
-          </p:nvCxnSpPr>
-          <p:spPr>
-            <a:xfrm flipH="1">
-              <a:off x="5203597" y="3382652"/>
-              <a:ext cx="1414018" cy="0"/>
-            </a:xfrm>
-            <a:prstGeom prst="straightConnector1">
-              <a:avLst/>
-            </a:prstGeom>
-            <a:ln w="28575">
-              <a:solidFill>
-                <a:schemeClr val="tx1">
-                  <a:lumMod val="75000"/>
-                  <a:lumOff val="25000"/>
-                </a:schemeClr>
-              </a:solidFill>
-              <a:tailEnd type="triangle"/>
-            </a:ln>
-          </p:spPr>
-          <p:style>
-            <a:lnRef idx="1">
-              <a:schemeClr val="dk1"/>
-            </a:lnRef>
-            <a:fillRef idx="0">
-              <a:schemeClr val="dk1"/>
-            </a:fillRef>
-            <a:effectRef idx="0">
-              <a:schemeClr val="dk1"/>
-            </a:effectRef>
-            <a:fontRef idx="minor">
-              <a:schemeClr val="tx1"/>
-            </a:fontRef>
-          </p:style>
-        </p:cxnSp>
-        <p:cxnSp>
-          <p:nvCxnSpPr>
-            <p:cNvPr id="33" name="Straight Arrow Connector 32">
-              <a:extLst>
-                <a:ext uri="{FF2B5EF4-FFF2-40B4-BE49-F238E27FC236}">
-                  <a16:creationId xmlns:a16="http://schemas.microsoft.com/office/drawing/2014/main" id="{656AB538-D883-E6A6-6EEF-FC344B41C2E0}"/>
-                </a:ext>
-              </a:extLst>
-            </p:cNvPr>
-            <p:cNvCxnSpPr>
-              <a:cxnSpLocks/>
-              <a:stCxn id="7" idx="1"/>
-              <a:endCxn id="25" idx="3"/>
-            </p:cNvCxnSpPr>
-            <p:nvPr/>
-          </p:nvCxnSpPr>
-          <p:spPr>
-            <a:xfrm flipH="1">
-              <a:off x="5203597" y="4609708"/>
-              <a:ext cx="1414018" cy="0"/>
-            </a:xfrm>
-            <a:prstGeom prst="straightConnector1">
-              <a:avLst/>
-            </a:prstGeom>
-            <a:ln w="28575">
-              <a:solidFill>
-                <a:schemeClr val="tx1">
-                  <a:lumMod val="75000"/>
-                  <a:lumOff val="25000"/>
-                </a:schemeClr>
-              </a:solidFill>
-              <a:tailEnd type="triangle"/>
-            </a:ln>
-          </p:spPr>
-          <p:style>
-            <a:lnRef idx="1">
-              <a:schemeClr val="dk1"/>
-            </a:lnRef>
-            <a:fillRef idx="0">
-              <a:schemeClr val="dk1"/>
-            </a:fillRef>
-            <a:effectRef idx="0">
-              <a:schemeClr val="dk1"/>
-            </a:effectRef>
-            <a:fontRef idx="minor">
-              <a:schemeClr val="tx1"/>
-            </a:fontRef>
-          </p:style>
-        </p:cxnSp>
-        <p:cxnSp>
-          <p:nvCxnSpPr>
-            <p:cNvPr id="36" name="Straight Arrow Connector 35">
-              <a:extLst>
-                <a:ext uri="{FF2B5EF4-FFF2-40B4-BE49-F238E27FC236}">
-                  <a16:creationId xmlns:a16="http://schemas.microsoft.com/office/drawing/2014/main" id="{A4245B8C-CDC1-A352-7DE2-3B0ADCDB9450}"/>
-                </a:ext>
-              </a:extLst>
-            </p:cNvPr>
-            <p:cNvCxnSpPr>
-              <a:cxnSpLocks/>
-              <a:stCxn id="8" idx="1"/>
-              <a:endCxn id="26" idx="3"/>
-            </p:cNvCxnSpPr>
-            <p:nvPr/>
-          </p:nvCxnSpPr>
-          <p:spPr>
-            <a:xfrm flipH="1">
-              <a:off x="5203597" y="5836764"/>
-              <a:ext cx="1414018" cy="0"/>
-            </a:xfrm>
-            <a:prstGeom prst="straightConnector1">
-              <a:avLst/>
-            </a:prstGeom>
-            <a:ln w="28575">
-              <a:solidFill>
-                <a:schemeClr val="tx1">
-                  <a:lumMod val="75000"/>
-                  <a:lumOff val="25000"/>
-                </a:schemeClr>
-              </a:solidFill>
-              <a:tailEnd type="triangle"/>
-            </a:ln>
-          </p:spPr>
-          <p:style>
-            <a:lnRef idx="1">
-              <a:schemeClr val="dk1"/>
-            </a:lnRef>
-            <a:fillRef idx="0">
-              <a:schemeClr val="dk1"/>
-            </a:fillRef>
-            <a:effectRef idx="0">
-              <a:schemeClr val="dk1"/>
-            </a:effectRef>
-            <a:fontRef idx="minor">
-              <a:schemeClr val="tx1"/>
-            </a:fontRef>
-          </p:style>
-        </p:cxnSp>
       </p:grpSp>
-      <p:sp>
-        <p:nvSpPr>
-          <p:cNvPr id="2" name="Rectangle 1">
-            <a:extLst>
-              <a:ext uri="{FF2B5EF4-FFF2-40B4-BE49-F238E27FC236}">
-                <a16:creationId xmlns:a16="http://schemas.microsoft.com/office/drawing/2014/main" id="{10802F88-71E2-84F9-1467-C14469ED6B4A}"/>
-              </a:ext>
-            </a:extLst>
-          </p:cNvPr>
-          <p:cNvSpPr/>
-          <p:nvPr/>
-        </p:nvSpPr>
-        <p:spPr>
-          <a:xfrm>
-            <a:off x="2615937" y="3970257"/>
-            <a:ext cx="8003355" cy="1234912"/>
-          </a:xfrm>
-          <a:prstGeom prst="rect">
-            <a:avLst/>
-          </a:prstGeom>
-          <a:solidFill>
-            <a:srgbClr val="005F73">
-              <a:alpha val="23000"/>
-            </a:srgbClr>
-          </a:solidFill>
-          <a:ln>
-            <a:noFill/>
-          </a:ln>
-        </p:spPr>
-        <p:style>
-          <a:lnRef idx="2">
-            <a:schemeClr val="accent1">
-              <a:shade val="15000"/>
-            </a:schemeClr>
-          </a:lnRef>
-          <a:fillRef idx="1">
-            <a:schemeClr val="accent1"/>
-          </a:fillRef>
-          <a:effectRef idx="0">
-            <a:schemeClr val="accent1"/>
-          </a:effectRef>
-          <a:fontRef idx="minor">
-            <a:schemeClr val="lt1"/>
-          </a:fontRef>
-        </p:style>
-        <p:txBody>
-          <a:bodyPr rtlCol="0" anchor="ctr"/>
-          <a:lstStyle/>
-          <a:p>
-            <a:pPr algn="ctr"/>
-            <a:endParaRPr lang="en-PH"/>
-          </a:p>
-        </p:txBody>
-      </p:sp>
     </p:spTree>
     <p:extLst>
       <p:ext uri="{BB962C8B-B14F-4D97-AF65-F5344CB8AC3E}">
@@ -6539,10 +6730,10 @@
       </p:grpSpPr>
       <p:grpSp>
         <p:nvGrpSpPr>
-          <p:cNvPr id="39" name="Group 38">
+          <p:cNvPr id="9" name="Group 8">
             <a:extLst>
               <a:ext uri="{FF2B5EF4-FFF2-40B4-BE49-F238E27FC236}">
-                <a16:creationId xmlns:a16="http://schemas.microsoft.com/office/drawing/2014/main" id="{2871C8D6-284B-F3E8-0D75-C2E7C0514F33}"/>
+                <a16:creationId xmlns:a16="http://schemas.microsoft.com/office/drawing/2014/main" id="{BE8C41F1-D7BA-7387-8EBA-461F575493BA}"/>
               </a:ext>
             </a:extLst>
           </p:cNvPr>
@@ -6551,18 +6742,983 @@
         </p:nvGrpSpPr>
         <p:grpSpPr>
           <a:xfrm>
-            <a:off x="2886173" y="612742"/>
-            <a:ext cx="6553331" cy="5539820"/>
-            <a:chOff x="2886173" y="612742"/>
-            <a:chExt cx="6553331" cy="5539820"/>
+            <a:off x="2615936" y="612742"/>
+            <a:ext cx="8003355" cy="5934174"/>
+            <a:chOff x="2615936" y="612742"/>
+            <a:chExt cx="8003355" cy="5934174"/>
           </a:xfrm>
         </p:grpSpPr>
+        <p:grpSp>
+          <p:nvGrpSpPr>
+            <p:cNvPr id="39" name="Group 38">
+              <a:extLst>
+                <a:ext uri="{FF2B5EF4-FFF2-40B4-BE49-F238E27FC236}">
+                  <a16:creationId xmlns:a16="http://schemas.microsoft.com/office/drawing/2014/main" id="{2871C8D6-284B-F3E8-0D75-C2E7C0514F33}"/>
+                </a:ext>
+              </a:extLst>
+            </p:cNvPr>
+            <p:cNvGrpSpPr/>
+            <p:nvPr/>
+          </p:nvGrpSpPr>
+          <p:grpSpPr>
+            <a:xfrm>
+              <a:off x="2886173" y="612742"/>
+              <a:ext cx="6553331" cy="5539820"/>
+              <a:chOff x="2886173" y="612742"/>
+              <a:chExt cx="6553331" cy="5539820"/>
+            </a:xfrm>
+          </p:grpSpPr>
+          <p:sp>
+            <p:nvSpPr>
+              <p:cNvPr id="4" name="Rectangle 3">
+                <a:extLst>
+                  <a:ext uri="{FF2B5EF4-FFF2-40B4-BE49-F238E27FC236}">
+                    <a16:creationId xmlns:a16="http://schemas.microsoft.com/office/drawing/2014/main" id="{3943ADBB-5355-FB33-3374-66A18B877357}"/>
+                  </a:ext>
+                </a:extLst>
+              </p:cNvPr>
+              <p:cNvSpPr/>
+              <p:nvPr/>
+            </p:nvSpPr>
+            <p:spPr>
+              <a:xfrm>
+                <a:off x="6617615" y="612742"/>
+                <a:ext cx="2809189" cy="631596"/>
+              </a:xfrm>
+              <a:prstGeom prst="rect">
+                <a:avLst/>
+              </a:prstGeom>
+              <a:solidFill>
+                <a:srgbClr val="003049"/>
+              </a:solidFill>
+              <a:ln>
+                <a:noFill/>
+              </a:ln>
+            </p:spPr>
+            <p:style>
+              <a:lnRef idx="2">
+                <a:schemeClr val="accent1">
+                  <a:shade val="15000"/>
+                </a:schemeClr>
+              </a:lnRef>
+              <a:fillRef idx="1">
+                <a:schemeClr val="accent1"/>
+              </a:fillRef>
+              <a:effectRef idx="0">
+                <a:schemeClr val="accent1"/>
+              </a:effectRef>
+              <a:fontRef idx="minor">
+                <a:schemeClr val="lt1"/>
+              </a:fontRef>
+            </p:style>
+            <p:txBody>
+              <a:bodyPr rtlCol="0" anchor="ctr"/>
+              <a:lstStyle/>
+              <a:p>
+                <a:pPr algn="ctr"/>
+                <a:r>
+                  <a:rPr lang="en-PH" dirty="0"/>
+                  <a:t>Initial observations</a:t>
+                </a:r>
+              </a:p>
+              <a:p>
+                <a:pPr algn="ctr"/>
+                <a:r>
+                  <a:rPr lang="en-PH" dirty="0"/>
+                  <a:t>(Research questions)</a:t>
+                </a:r>
+              </a:p>
+            </p:txBody>
+          </p:sp>
+          <p:sp>
+            <p:nvSpPr>
+              <p:cNvPr id="5" name="Rectangle 4">
+                <a:extLst>
+                  <a:ext uri="{FF2B5EF4-FFF2-40B4-BE49-F238E27FC236}">
+                    <a16:creationId xmlns:a16="http://schemas.microsoft.com/office/drawing/2014/main" id="{89B57FD7-7737-800B-B2AA-D3E19BA43D9F}"/>
+                  </a:ext>
+                </a:extLst>
+              </p:cNvPr>
+              <p:cNvSpPr/>
+              <p:nvPr/>
+            </p:nvSpPr>
+            <p:spPr>
+              <a:xfrm>
+                <a:off x="6617615" y="1839798"/>
+                <a:ext cx="2809189" cy="631596"/>
+              </a:xfrm>
+              <a:prstGeom prst="rect">
+                <a:avLst/>
+              </a:prstGeom>
+              <a:solidFill>
+                <a:srgbClr val="003049"/>
+              </a:solidFill>
+              <a:ln>
+                <a:noFill/>
+              </a:ln>
+            </p:spPr>
+            <p:style>
+              <a:lnRef idx="2">
+                <a:schemeClr val="accent1">
+                  <a:shade val="15000"/>
+                </a:schemeClr>
+              </a:lnRef>
+              <a:fillRef idx="1">
+                <a:schemeClr val="accent1"/>
+              </a:fillRef>
+              <a:effectRef idx="0">
+                <a:schemeClr val="accent1"/>
+              </a:effectRef>
+              <a:fontRef idx="minor">
+                <a:schemeClr val="lt1"/>
+              </a:fontRef>
+            </p:style>
+            <p:txBody>
+              <a:bodyPr rtlCol="0" anchor="ctr"/>
+              <a:lstStyle/>
+              <a:p>
+                <a:pPr algn="ctr"/>
+                <a:r>
+                  <a:rPr lang="en-PH" dirty="0"/>
+                  <a:t>Generate theory</a:t>
+                </a:r>
+              </a:p>
+            </p:txBody>
+          </p:sp>
+          <p:sp>
+            <p:nvSpPr>
+              <p:cNvPr id="6" name="Rectangle 5">
+                <a:extLst>
+                  <a:ext uri="{FF2B5EF4-FFF2-40B4-BE49-F238E27FC236}">
+                    <a16:creationId xmlns:a16="http://schemas.microsoft.com/office/drawing/2014/main" id="{BE77D6BD-2352-7538-CC7F-58371C657412}"/>
+                  </a:ext>
+                </a:extLst>
+              </p:cNvPr>
+              <p:cNvSpPr/>
+              <p:nvPr/>
+            </p:nvSpPr>
+            <p:spPr>
+              <a:xfrm>
+                <a:off x="6617615" y="3066854"/>
+                <a:ext cx="2809189" cy="631596"/>
+              </a:xfrm>
+              <a:prstGeom prst="rect">
+                <a:avLst/>
+              </a:prstGeom>
+              <a:solidFill>
+                <a:srgbClr val="003049"/>
+              </a:solidFill>
+              <a:ln>
+                <a:noFill/>
+              </a:ln>
+            </p:spPr>
+            <p:style>
+              <a:lnRef idx="2">
+                <a:schemeClr val="accent1">
+                  <a:shade val="15000"/>
+                </a:schemeClr>
+              </a:lnRef>
+              <a:fillRef idx="1">
+                <a:schemeClr val="accent1"/>
+              </a:fillRef>
+              <a:effectRef idx="0">
+                <a:schemeClr val="accent1"/>
+              </a:effectRef>
+              <a:fontRef idx="minor">
+                <a:schemeClr val="lt1"/>
+              </a:fontRef>
+            </p:style>
+            <p:txBody>
+              <a:bodyPr rtlCol="0" anchor="ctr"/>
+              <a:lstStyle/>
+              <a:p>
+                <a:pPr algn="ctr"/>
+                <a:r>
+                  <a:rPr lang="en-PH" dirty="0"/>
+                  <a:t>Generate hypotheses</a:t>
+                </a:r>
+              </a:p>
+            </p:txBody>
+          </p:sp>
+          <p:sp>
+            <p:nvSpPr>
+              <p:cNvPr id="7" name="Rectangle 6">
+                <a:extLst>
+                  <a:ext uri="{FF2B5EF4-FFF2-40B4-BE49-F238E27FC236}">
+                    <a16:creationId xmlns:a16="http://schemas.microsoft.com/office/drawing/2014/main" id="{50AEA624-1C59-CDE7-BF46-A10BC79DFA2D}"/>
+                  </a:ext>
+                </a:extLst>
+              </p:cNvPr>
+              <p:cNvSpPr/>
+              <p:nvPr/>
+            </p:nvSpPr>
+            <p:spPr>
+              <a:xfrm>
+                <a:off x="6617615" y="4293910"/>
+                <a:ext cx="2809189" cy="631596"/>
+              </a:xfrm>
+              <a:prstGeom prst="rect">
+                <a:avLst/>
+              </a:prstGeom>
+              <a:solidFill>
+                <a:srgbClr val="003049"/>
+              </a:solidFill>
+              <a:ln>
+                <a:noFill/>
+              </a:ln>
+            </p:spPr>
+            <p:style>
+              <a:lnRef idx="2">
+                <a:schemeClr val="accent1">
+                  <a:shade val="15000"/>
+                </a:schemeClr>
+              </a:lnRef>
+              <a:fillRef idx="1">
+                <a:schemeClr val="accent1"/>
+              </a:fillRef>
+              <a:effectRef idx="0">
+                <a:schemeClr val="accent1"/>
+              </a:effectRef>
+              <a:fontRef idx="minor">
+                <a:schemeClr val="lt1"/>
+              </a:fontRef>
+            </p:style>
+            <p:txBody>
+              <a:bodyPr rtlCol="0" anchor="ctr"/>
+              <a:lstStyle/>
+              <a:p>
+                <a:pPr algn="ctr"/>
+                <a:r>
+                  <a:rPr lang="en-PH" dirty="0"/>
+                  <a:t>Collect data to test theory</a:t>
+                </a:r>
+              </a:p>
+            </p:txBody>
+          </p:sp>
+          <p:sp>
+            <p:nvSpPr>
+              <p:cNvPr id="8" name="Rectangle 7">
+                <a:extLst>
+                  <a:ext uri="{FF2B5EF4-FFF2-40B4-BE49-F238E27FC236}">
+                    <a16:creationId xmlns:a16="http://schemas.microsoft.com/office/drawing/2014/main" id="{E77742BF-16E0-452F-8CD1-7A7239903780}"/>
+                  </a:ext>
+                </a:extLst>
+              </p:cNvPr>
+              <p:cNvSpPr/>
+              <p:nvPr/>
+            </p:nvSpPr>
+            <p:spPr>
+              <a:xfrm>
+                <a:off x="6617615" y="5520966"/>
+                <a:ext cx="2809189" cy="631596"/>
+              </a:xfrm>
+              <a:prstGeom prst="rect">
+                <a:avLst/>
+              </a:prstGeom>
+              <a:solidFill>
+                <a:srgbClr val="003049"/>
+              </a:solidFill>
+              <a:ln>
+                <a:noFill/>
+              </a:ln>
+            </p:spPr>
+            <p:style>
+              <a:lnRef idx="2">
+                <a:schemeClr val="accent1">
+                  <a:shade val="15000"/>
+                </a:schemeClr>
+              </a:lnRef>
+              <a:fillRef idx="1">
+                <a:schemeClr val="accent1"/>
+              </a:fillRef>
+              <a:effectRef idx="0">
+                <a:schemeClr val="accent1"/>
+              </a:effectRef>
+              <a:fontRef idx="minor">
+                <a:schemeClr val="lt1"/>
+              </a:fontRef>
+            </p:style>
+            <p:txBody>
+              <a:bodyPr rtlCol="0" anchor="ctr"/>
+              <a:lstStyle/>
+              <a:p>
+                <a:pPr algn="ctr"/>
+                <a:r>
+                  <a:rPr lang="en-PH" dirty="0"/>
+                  <a:t>Analyze data</a:t>
+                </a:r>
+              </a:p>
+            </p:txBody>
+          </p:sp>
+          <p:cxnSp>
+            <p:nvCxnSpPr>
+              <p:cNvPr id="10" name="Straight Arrow Connector 9">
+                <a:extLst>
+                  <a:ext uri="{FF2B5EF4-FFF2-40B4-BE49-F238E27FC236}">
+                    <a16:creationId xmlns:a16="http://schemas.microsoft.com/office/drawing/2014/main" id="{D4B48E1E-2496-002C-50D0-12E038B94E6B}"/>
+                  </a:ext>
+                </a:extLst>
+              </p:cNvPr>
+              <p:cNvCxnSpPr>
+                <a:stCxn id="4" idx="2"/>
+                <a:endCxn id="5" idx="0"/>
+              </p:cNvCxnSpPr>
+              <p:nvPr/>
+            </p:nvCxnSpPr>
+            <p:spPr>
+              <a:xfrm>
+                <a:off x="8022210" y="1244338"/>
+                <a:ext cx="0" cy="595460"/>
+              </a:xfrm>
+              <a:prstGeom prst="straightConnector1">
+                <a:avLst/>
+              </a:prstGeom>
+              <a:ln w="28575">
+                <a:solidFill>
+                  <a:schemeClr val="tx1">
+                    <a:lumMod val="75000"/>
+                    <a:lumOff val="25000"/>
+                  </a:schemeClr>
+                </a:solidFill>
+                <a:tailEnd type="triangle"/>
+              </a:ln>
+            </p:spPr>
+            <p:style>
+              <a:lnRef idx="1">
+                <a:schemeClr val="dk1"/>
+              </a:lnRef>
+              <a:fillRef idx="0">
+                <a:schemeClr val="dk1"/>
+              </a:fillRef>
+              <a:effectRef idx="0">
+                <a:schemeClr val="dk1"/>
+              </a:effectRef>
+              <a:fontRef idx="minor">
+                <a:schemeClr val="tx1"/>
+              </a:fontRef>
+            </p:style>
+          </p:cxnSp>
+          <p:cxnSp>
+            <p:nvCxnSpPr>
+              <p:cNvPr id="11" name="Straight Arrow Connector 10">
+                <a:extLst>
+                  <a:ext uri="{FF2B5EF4-FFF2-40B4-BE49-F238E27FC236}">
+                    <a16:creationId xmlns:a16="http://schemas.microsoft.com/office/drawing/2014/main" id="{B655901D-D2A4-3BD4-366D-CCD90F54A362}"/>
+                  </a:ext>
+                </a:extLst>
+              </p:cNvPr>
+              <p:cNvCxnSpPr>
+                <a:cxnSpLocks/>
+                <a:stCxn id="5" idx="2"/>
+                <a:endCxn id="6" idx="0"/>
+              </p:cNvCxnSpPr>
+              <p:nvPr/>
+            </p:nvCxnSpPr>
+            <p:spPr>
+              <a:xfrm>
+                <a:off x="8022210" y="2471394"/>
+                <a:ext cx="0" cy="595460"/>
+              </a:xfrm>
+              <a:prstGeom prst="straightConnector1">
+                <a:avLst/>
+              </a:prstGeom>
+              <a:ln w="28575">
+                <a:solidFill>
+                  <a:schemeClr val="tx1">
+                    <a:lumMod val="75000"/>
+                    <a:lumOff val="25000"/>
+                  </a:schemeClr>
+                </a:solidFill>
+                <a:tailEnd type="triangle"/>
+              </a:ln>
+            </p:spPr>
+            <p:style>
+              <a:lnRef idx="1">
+                <a:schemeClr val="dk1"/>
+              </a:lnRef>
+              <a:fillRef idx="0">
+                <a:schemeClr val="dk1"/>
+              </a:fillRef>
+              <a:effectRef idx="0">
+                <a:schemeClr val="dk1"/>
+              </a:effectRef>
+              <a:fontRef idx="minor">
+                <a:schemeClr val="tx1"/>
+              </a:fontRef>
+            </p:style>
+          </p:cxnSp>
+          <p:cxnSp>
+            <p:nvCxnSpPr>
+              <p:cNvPr id="14" name="Straight Arrow Connector 13">
+                <a:extLst>
+                  <a:ext uri="{FF2B5EF4-FFF2-40B4-BE49-F238E27FC236}">
+                    <a16:creationId xmlns:a16="http://schemas.microsoft.com/office/drawing/2014/main" id="{52FB58CA-C9BC-97C3-4268-54A306B2DFA9}"/>
+                  </a:ext>
+                </a:extLst>
+              </p:cNvPr>
+              <p:cNvCxnSpPr>
+                <a:cxnSpLocks/>
+                <a:stCxn id="6" idx="2"/>
+                <a:endCxn id="7" idx="0"/>
+              </p:cNvCxnSpPr>
+              <p:nvPr/>
+            </p:nvCxnSpPr>
+            <p:spPr>
+              <a:xfrm>
+                <a:off x="8022210" y="3698450"/>
+                <a:ext cx="0" cy="595460"/>
+              </a:xfrm>
+              <a:prstGeom prst="straightConnector1">
+                <a:avLst/>
+              </a:prstGeom>
+              <a:ln w="28575">
+                <a:solidFill>
+                  <a:schemeClr val="tx1">
+                    <a:lumMod val="75000"/>
+                    <a:lumOff val="25000"/>
+                  </a:schemeClr>
+                </a:solidFill>
+                <a:tailEnd type="triangle"/>
+              </a:ln>
+            </p:spPr>
+            <p:style>
+              <a:lnRef idx="1">
+                <a:schemeClr val="dk1"/>
+              </a:lnRef>
+              <a:fillRef idx="0">
+                <a:schemeClr val="dk1"/>
+              </a:fillRef>
+              <a:effectRef idx="0">
+                <a:schemeClr val="dk1"/>
+              </a:effectRef>
+              <a:fontRef idx="minor">
+                <a:schemeClr val="tx1"/>
+              </a:fontRef>
+            </p:style>
+          </p:cxnSp>
+          <p:cxnSp>
+            <p:nvCxnSpPr>
+              <p:cNvPr id="17" name="Straight Arrow Connector 16">
+                <a:extLst>
+                  <a:ext uri="{FF2B5EF4-FFF2-40B4-BE49-F238E27FC236}">
+                    <a16:creationId xmlns:a16="http://schemas.microsoft.com/office/drawing/2014/main" id="{AE7DE614-9F97-5F8D-5401-D9DAF773FF6E}"/>
+                  </a:ext>
+                </a:extLst>
+              </p:cNvPr>
+              <p:cNvCxnSpPr>
+                <a:cxnSpLocks/>
+                <a:stCxn id="7" idx="2"/>
+                <a:endCxn id="8" idx="0"/>
+              </p:cNvCxnSpPr>
+              <p:nvPr/>
+            </p:nvCxnSpPr>
+            <p:spPr>
+              <a:xfrm>
+                <a:off x="8022210" y="4925506"/>
+                <a:ext cx="0" cy="595460"/>
+              </a:xfrm>
+              <a:prstGeom prst="straightConnector1">
+                <a:avLst/>
+              </a:prstGeom>
+              <a:ln w="28575">
+                <a:solidFill>
+                  <a:schemeClr val="tx1">
+                    <a:lumMod val="75000"/>
+                    <a:lumOff val="25000"/>
+                  </a:schemeClr>
+                </a:solidFill>
+                <a:tailEnd type="triangle"/>
+              </a:ln>
+            </p:spPr>
+            <p:style>
+              <a:lnRef idx="1">
+                <a:schemeClr val="dk1"/>
+              </a:lnRef>
+              <a:fillRef idx="0">
+                <a:schemeClr val="dk1"/>
+              </a:fillRef>
+              <a:effectRef idx="0">
+                <a:schemeClr val="dk1"/>
+              </a:effectRef>
+              <a:fontRef idx="minor">
+                <a:schemeClr val="tx1"/>
+              </a:fontRef>
+            </p:style>
+          </p:cxnSp>
+          <p:cxnSp>
+            <p:nvCxnSpPr>
+              <p:cNvPr id="21" name="Connector: Elbow 20">
+                <a:extLst>
+                  <a:ext uri="{FF2B5EF4-FFF2-40B4-BE49-F238E27FC236}">
+                    <a16:creationId xmlns:a16="http://schemas.microsoft.com/office/drawing/2014/main" id="{9B8E5BD4-393F-DC4E-9516-68A77745633F}"/>
+                  </a:ext>
+                </a:extLst>
+              </p:cNvPr>
+              <p:cNvCxnSpPr>
+                <a:stCxn id="8" idx="3"/>
+                <a:endCxn id="5" idx="3"/>
+              </p:cNvCxnSpPr>
+              <p:nvPr/>
+            </p:nvCxnSpPr>
+            <p:spPr>
+              <a:xfrm flipV="1">
+                <a:off x="9426804" y="2155596"/>
+                <a:ext cx="12700" cy="3681168"/>
+              </a:xfrm>
+              <a:prstGeom prst="bentConnector3">
+                <a:avLst>
+                  <a:gd name="adj1" fmla="val 5956701"/>
+                </a:avLst>
+              </a:prstGeom>
+              <a:ln w="28575">
+                <a:solidFill>
+                  <a:schemeClr val="tx1">
+                    <a:lumMod val="75000"/>
+                    <a:lumOff val="25000"/>
+                  </a:schemeClr>
+                </a:solidFill>
+                <a:tailEnd type="triangle"/>
+              </a:ln>
+            </p:spPr>
+            <p:style>
+              <a:lnRef idx="1">
+                <a:schemeClr val="dk1"/>
+              </a:lnRef>
+              <a:fillRef idx="0">
+                <a:schemeClr val="dk1"/>
+              </a:fillRef>
+              <a:effectRef idx="0">
+                <a:schemeClr val="dk1"/>
+              </a:effectRef>
+              <a:fontRef idx="minor">
+                <a:schemeClr val="tx1"/>
+              </a:fontRef>
+            </p:style>
+          </p:cxnSp>
+          <p:sp>
+            <p:nvSpPr>
+              <p:cNvPr id="23" name="Rectangle 22">
+                <a:extLst>
+                  <a:ext uri="{FF2B5EF4-FFF2-40B4-BE49-F238E27FC236}">
+                    <a16:creationId xmlns:a16="http://schemas.microsoft.com/office/drawing/2014/main" id="{90E0FD32-2646-7C5F-01F9-48E9D5070B69}"/>
+                  </a:ext>
+                </a:extLst>
+              </p:cNvPr>
+              <p:cNvSpPr/>
+              <p:nvPr/>
+            </p:nvSpPr>
+            <p:spPr>
+              <a:xfrm>
+                <a:off x="2886173" y="612742"/>
+                <a:ext cx="2317424" cy="631596"/>
+              </a:xfrm>
+              <a:prstGeom prst="rect">
+                <a:avLst/>
+              </a:prstGeom>
+              <a:solidFill>
+                <a:srgbClr val="005F73"/>
+              </a:solidFill>
+              <a:ln>
+                <a:noFill/>
+              </a:ln>
+            </p:spPr>
+            <p:style>
+              <a:lnRef idx="2">
+                <a:schemeClr val="accent1">
+                  <a:shade val="15000"/>
+                </a:schemeClr>
+              </a:lnRef>
+              <a:fillRef idx="1">
+                <a:schemeClr val="accent1"/>
+              </a:fillRef>
+              <a:effectRef idx="0">
+                <a:schemeClr val="accent1"/>
+              </a:effectRef>
+              <a:fontRef idx="minor">
+                <a:schemeClr val="lt1"/>
+              </a:fontRef>
+            </p:style>
+            <p:txBody>
+              <a:bodyPr rtlCol="0" anchor="ctr"/>
+              <a:lstStyle/>
+              <a:p>
+                <a:pPr algn="ctr"/>
+                <a:r>
+                  <a:rPr lang="en-PH" dirty="0"/>
+                  <a:t>data</a:t>
+                </a:r>
+              </a:p>
+            </p:txBody>
+          </p:sp>
+          <p:sp>
+            <p:nvSpPr>
+              <p:cNvPr id="24" name="Rectangle 23">
+                <a:extLst>
+                  <a:ext uri="{FF2B5EF4-FFF2-40B4-BE49-F238E27FC236}">
+                    <a16:creationId xmlns:a16="http://schemas.microsoft.com/office/drawing/2014/main" id="{C6996459-E469-F968-9257-68B2179279B6}"/>
+                  </a:ext>
+                </a:extLst>
+              </p:cNvPr>
+              <p:cNvSpPr/>
+              <p:nvPr/>
+            </p:nvSpPr>
+            <p:spPr>
+              <a:xfrm>
+                <a:off x="2886173" y="3066854"/>
+                <a:ext cx="2317424" cy="631596"/>
+              </a:xfrm>
+              <a:prstGeom prst="rect">
+                <a:avLst/>
+              </a:prstGeom>
+              <a:solidFill>
+                <a:srgbClr val="005F73"/>
+              </a:solidFill>
+              <a:ln>
+                <a:noFill/>
+              </a:ln>
+            </p:spPr>
+            <p:style>
+              <a:lnRef idx="2">
+                <a:schemeClr val="accent1">
+                  <a:shade val="15000"/>
+                </a:schemeClr>
+              </a:lnRef>
+              <a:fillRef idx="1">
+                <a:schemeClr val="accent1"/>
+              </a:fillRef>
+              <a:effectRef idx="0">
+                <a:schemeClr val="accent1"/>
+              </a:effectRef>
+              <a:fontRef idx="minor">
+                <a:schemeClr val="lt1"/>
+              </a:fontRef>
+            </p:style>
+            <p:txBody>
+              <a:bodyPr rtlCol="0" anchor="ctr"/>
+              <a:lstStyle/>
+              <a:p>
+                <a:pPr algn="ctr"/>
+                <a:r>
+                  <a:rPr lang="en-PH" dirty="0"/>
+                  <a:t>Identify variables</a:t>
+                </a:r>
+              </a:p>
+            </p:txBody>
+          </p:sp>
+          <p:sp>
+            <p:nvSpPr>
+              <p:cNvPr id="25" name="Rectangle 24">
+                <a:extLst>
+                  <a:ext uri="{FF2B5EF4-FFF2-40B4-BE49-F238E27FC236}">
+                    <a16:creationId xmlns:a16="http://schemas.microsoft.com/office/drawing/2014/main" id="{DB22B3CA-7310-0CD6-817C-8C76A452CA23}"/>
+                  </a:ext>
+                </a:extLst>
+              </p:cNvPr>
+              <p:cNvSpPr/>
+              <p:nvPr/>
+            </p:nvSpPr>
+            <p:spPr>
+              <a:xfrm>
+                <a:off x="2886173" y="4293910"/>
+                <a:ext cx="2317424" cy="631596"/>
+              </a:xfrm>
+              <a:prstGeom prst="rect">
+                <a:avLst/>
+              </a:prstGeom>
+              <a:solidFill>
+                <a:srgbClr val="005F73"/>
+              </a:solidFill>
+              <a:ln>
+                <a:noFill/>
+              </a:ln>
+            </p:spPr>
+            <p:style>
+              <a:lnRef idx="2">
+                <a:schemeClr val="accent1">
+                  <a:shade val="15000"/>
+                </a:schemeClr>
+              </a:lnRef>
+              <a:fillRef idx="1">
+                <a:schemeClr val="accent1"/>
+              </a:fillRef>
+              <a:effectRef idx="0">
+                <a:schemeClr val="accent1"/>
+              </a:effectRef>
+              <a:fontRef idx="minor">
+                <a:schemeClr val="lt1"/>
+              </a:fontRef>
+            </p:style>
+            <p:txBody>
+              <a:bodyPr rtlCol="0" anchor="ctr"/>
+              <a:lstStyle/>
+              <a:p>
+                <a:pPr algn="ctr"/>
+                <a:r>
+                  <a:rPr lang="en-PH" dirty="0"/>
+                  <a:t>Measure variables</a:t>
+                </a:r>
+              </a:p>
+            </p:txBody>
+          </p:sp>
+          <p:sp>
+            <p:nvSpPr>
+              <p:cNvPr id="26" name="Rectangle 25">
+                <a:extLst>
+                  <a:ext uri="{FF2B5EF4-FFF2-40B4-BE49-F238E27FC236}">
+                    <a16:creationId xmlns:a16="http://schemas.microsoft.com/office/drawing/2014/main" id="{99FFF5E7-AE9B-6EBA-064B-C9A48A8B4FB5}"/>
+                  </a:ext>
+                </a:extLst>
+              </p:cNvPr>
+              <p:cNvSpPr/>
+              <p:nvPr/>
+            </p:nvSpPr>
+            <p:spPr>
+              <a:xfrm>
+                <a:off x="2886173" y="5520966"/>
+                <a:ext cx="2317424" cy="631596"/>
+              </a:xfrm>
+              <a:prstGeom prst="rect">
+                <a:avLst/>
+              </a:prstGeom>
+              <a:solidFill>
+                <a:srgbClr val="005F73"/>
+              </a:solidFill>
+              <a:ln>
+                <a:noFill/>
+              </a:ln>
+            </p:spPr>
+            <p:style>
+              <a:lnRef idx="2">
+                <a:schemeClr val="accent1">
+                  <a:shade val="15000"/>
+                </a:schemeClr>
+              </a:lnRef>
+              <a:fillRef idx="1">
+                <a:schemeClr val="accent1"/>
+              </a:fillRef>
+              <a:effectRef idx="0">
+                <a:schemeClr val="accent1"/>
+              </a:effectRef>
+              <a:fontRef idx="minor">
+                <a:schemeClr val="lt1"/>
+              </a:fontRef>
+            </p:style>
+            <p:txBody>
+              <a:bodyPr rtlCol="0" anchor="ctr"/>
+              <a:lstStyle/>
+              <a:p>
+                <a:pPr algn="ctr"/>
+                <a:r>
+                  <a:rPr lang="en-PH" dirty="0"/>
+                  <a:t>Graph data / fit a model</a:t>
+                </a:r>
+              </a:p>
+            </p:txBody>
+          </p:sp>
+          <p:cxnSp>
+            <p:nvCxnSpPr>
+              <p:cNvPr id="27" name="Straight Arrow Connector 26">
+                <a:extLst>
+                  <a:ext uri="{FF2B5EF4-FFF2-40B4-BE49-F238E27FC236}">
+                    <a16:creationId xmlns:a16="http://schemas.microsoft.com/office/drawing/2014/main" id="{C76DA904-53E0-55C4-78C5-40034464B48B}"/>
+                  </a:ext>
+                </a:extLst>
+              </p:cNvPr>
+              <p:cNvCxnSpPr>
+                <a:cxnSpLocks/>
+                <a:stCxn id="4" idx="1"/>
+                <a:endCxn id="23" idx="3"/>
+              </p:cNvCxnSpPr>
+              <p:nvPr/>
+            </p:nvCxnSpPr>
+            <p:spPr>
+              <a:xfrm flipH="1">
+                <a:off x="5203597" y="928540"/>
+                <a:ext cx="1414018" cy="0"/>
+              </a:xfrm>
+              <a:prstGeom prst="straightConnector1">
+                <a:avLst/>
+              </a:prstGeom>
+              <a:ln w="28575">
+                <a:solidFill>
+                  <a:schemeClr val="tx1">
+                    <a:lumMod val="75000"/>
+                    <a:lumOff val="25000"/>
+                  </a:schemeClr>
+                </a:solidFill>
+                <a:headEnd type="triangle" w="med" len="med"/>
+                <a:tailEnd type="triangle" w="med" len="med"/>
+              </a:ln>
+            </p:spPr>
+            <p:style>
+              <a:lnRef idx="1">
+                <a:schemeClr val="dk1"/>
+              </a:lnRef>
+              <a:fillRef idx="0">
+                <a:schemeClr val="dk1"/>
+              </a:fillRef>
+              <a:effectRef idx="0">
+                <a:schemeClr val="dk1"/>
+              </a:effectRef>
+              <a:fontRef idx="minor">
+                <a:schemeClr val="tx1"/>
+              </a:fontRef>
+            </p:style>
+          </p:cxnSp>
+          <p:cxnSp>
+            <p:nvCxnSpPr>
+              <p:cNvPr id="30" name="Straight Arrow Connector 29">
+                <a:extLst>
+                  <a:ext uri="{FF2B5EF4-FFF2-40B4-BE49-F238E27FC236}">
+                    <a16:creationId xmlns:a16="http://schemas.microsoft.com/office/drawing/2014/main" id="{328AB6D9-6206-1B8D-6E9C-CAA35EDBD14D}"/>
+                  </a:ext>
+                </a:extLst>
+              </p:cNvPr>
+              <p:cNvCxnSpPr>
+                <a:cxnSpLocks/>
+                <a:stCxn id="6" idx="1"/>
+                <a:endCxn id="24" idx="3"/>
+              </p:cNvCxnSpPr>
+              <p:nvPr/>
+            </p:nvCxnSpPr>
+            <p:spPr>
+              <a:xfrm flipH="1">
+                <a:off x="5203597" y="3382652"/>
+                <a:ext cx="1414018" cy="0"/>
+              </a:xfrm>
+              <a:prstGeom prst="straightConnector1">
+                <a:avLst/>
+              </a:prstGeom>
+              <a:ln w="28575">
+                <a:solidFill>
+                  <a:schemeClr val="tx1">
+                    <a:lumMod val="75000"/>
+                    <a:lumOff val="25000"/>
+                  </a:schemeClr>
+                </a:solidFill>
+                <a:tailEnd type="triangle"/>
+              </a:ln>
+            </p:spPr>
+            <p:style>
+              <a:lnRef idx="1">
+                <a:schemeClr val="dk1"/>
+              </a:lnRef>
+              <a:fillRef idx="0">
+                <a:schemeClr val="dk1"/>
+              </a:fillRef>
+              <a:effectRef idx="0">
+                <a:schemeClr val="dk1"/>
+              </a:effectRef>
+              <a:fontRef idx="minor">
+                <a:schemeClr val="tx1"/>
+              </a:fontRef>
+            </p:style>
+          </p:cxnSp>
+          <p:cxnSp>
+            <p:nvCxnSpPr>
+              <p:cNvPr id="33" name="Straight Arrow Connector 32">
+                <a:extLst>
+                  <a:ext uri="{FF2B5EF4-FFF2-40B4-BE49-F238E27FC236}">
+                    <a16:creationId xmlns:a16="http://schemas.microsoft.com/office/drawing/2014/main" id="{D424137C-7DAD-DFA9-FFB5-408C9167949A}"/>
+                  </a:ext>
+                </a:extLst>
+              </p:cNvPr>
+              <p:cNvCxnSpPr>
+                <a:cxnSpLocks/>
+                <a:stCxn id="7" idx="1"/>
+                <a:endCxn id="25" idx="3"/>
+              </p:cNvCxnSpPr>
+              <p:nvPr/>
+            </p:nvCxnSpPr>
+            <p:spPr>
+              <a:xfrm flipH="1">
+                <a:off x="5203597" y="4609708"/>
+                <a:ext cx="1414018" cy="0"/>
+              </a:xfrm>
+              <a:prstGeom prst="straightConnector1">
+                <a:avLst/>
+              </a:prstGeom>
+              <a:ln w="28575">
+                <a:solidFill>
+                  <a:schemeClr val="tx1">
+                    <a:lumMod val="75000"/>
+                    <a:lumOff val="25000"/>
+                  </a:schemeClr>
+                </a:solidFill>
+                <a:tailEnd type="triangle"/>
+              </a:ln>
+            </p:spPr>
+            <p:style>
+              <a:lnRef idx="1">
+                <a:schemeClr val="dk1"/>
+              </a:lnRef>
+              <a:fillRef idx="0">
+                <a:schemeClr val="dk1"/>
+              </a:fillRef>
+              <a:effectRef idx="0">
+                <a:schemeClr val="dk1"/>
+              </a:effectRef>
+              <a:fontRef idx="minor">
+                <a:schemeClr val="tx1"/>
+              </a:fontRef>
+            </p:style>
+          </p:cxnSp>
+          <p:cxnSp>
+            <p:nvCxnSpPr>
+              <p:cNvPr id="36" name="Straight Arrow Connector 35">
+                <a:extLst>
+                  <a:ext uri="{FF2B5EF4-FFF2-40B4-BE49-F238E27FC236}">
+                    <a16:creationId xmlns:a16="http://schemas.microsoft.com/office/drawing/2014/main" id="{8476760F-A8EB-8325-5273-C035D4951537}"/>
+                  </a:ext>
+                </a:extLst>
+              </p:cNvPr>
+              <p:cNvCxnSpPr>
+                <a:cxnSpLocks/>
+                <a:stCxn id="8" idx="1"/>
+                <a:endCxn id="26" idx="3"/>
+              </p:cNvCxnSpPr>
+              <p:nvPr/>
+            </p:nvCxnSpPr>
+            <p:spPr>
+              <a:xfrm flipH="1">
+                <a:off x="5203597" y="5836764"/>
+                <a:ext cx="1414018" cy="0"/>
+              </a:xfrm>
+              <a:prstGeom prst="straightConnector1">
+                <a:avLst/>
+              </a:prstGeom>
+              <a:ln w="28575">
+                <a:solidFill>
+                  <a:schemeClr val="tx1">
+                    <a:lumMod val="75000"/>
+                    <a:lumOff val="25000"/>
+                  </a:schemeClr>
+                </a:solidFill>
+                <a:tailEnd type="triangle"/>
+              </a:ln>
+            </p:spPr>
+            <p:style>
+              <a:lnRef idx="1">
+                <a:schemeClr val="dk1"/>
+              </a:lnRef>
+              <a:fillRef idx="0">
+                <a:schemeClr val="dk1"/>
+              </a:fillRef>
+              <a:effectRef idx="0">
+                <a:schemeClr val="dk1"/>
+              </a:effectRef>
+              <a:fontRef idx="minor">
+                <a:schemeClr val="tx1"/>
+              </a:fontRef>
+            </p:style>
+          </p:cxnSp>
+        </p:grpSp>
         <p:sp>
           <p:nvSpPr>
-            <p:cNvPr id="4" name="Rectangle 3">
+            <p:cNvPr id="3" name="Rectangle 2">
               <a:extLst>
                 <a:ext uri="{FF2B5EF4-FFF2-40B4-BE49-F238E27FC236}">
-                  <a16:creationId xmlns:a16="http://schemas.microsoft.com/office/drawing/2014/main" id="{3943ADBB-5355-FB33-3374-66A18B877357}"/>
+                  <a16:creationId xmlns:a16="http://schemas.microsoft.com/office/drawing/2014/main" id="{29BDB00D-2E0D-63F5-CB08-7F4125FA88AF}"/>
                 </a:ext>
               </a:extLst>
             </p:cNvPr>
@@ -6571,14 +7727,16 @@
           </p:nvSpPr>
           <p:spPr>
             <a:xfrm>
-              <a:off x="6617615" y="612742"/>
-              <a:ext cx="2809189" cy="631596"/>
+              <a:off x="2615936" y="5312004"/>
+              <a:ext cx="8003355" cy="1234912"/>
             </a:xfrm>
             <a:prstGeom prst="rect">
               <a:avLst/>
             </a:prstGeom>
             <a:solidFill>
-              <a:srgbClr val="003049"/>
+              <a:srgbClr val="005F73">
+                <a:alpha val="23000"/>
+              </a:srgbClr>
             </a:solidFill>
             <a:ln>
               <a:noFill/>
@@ -6605,26 +7763,1421 @@
             <a:lstStyle/>
             <a:p>
               <a:pPr algn="ctr"/>
-              <a:r>
-                <a:rPr lang="en-PH" dirty="0"/>
-                <a:t>Initial observations</a:t>
-              </a:r>
-            </a:p>
-            <a:p>
-              <a:pPr algn="ctr"/>
-              <a:r>
-                <a:rPr lang="en-PH" dirty="0"/>
-                <a:t>(Research questions)</a:t>
-              </a:r>
+              <a:endParaRPr lang="en-PH"/>
             </a:p>
           </p:txBody>
         </p:sp>
+      </p:grpSp>
+    </p:spTree>
+    <p:extLst>
+      <p:ext uri="{BB962C8B-B14F-4D97-AF65-F5344CB8AC3E}">
+        <p14:creationId xmlns:p14="http://schemas.microsoft.com/office/powerpoint/2010/main" val="2113019733"/>
+      </p:ext>
+    </p:extLst>
+  </p:cSld>
+  <p:clrMapOvr>
+    <a:masterClrMapping/>
+  </p:clrMapOvr>
+</p:sld>
+</file>
+
+<file path=ppt/slides/slide6.xml><?xml version="1.0" encoding="utf-8"?>
+<p:sld xmlns:a="http://schemas.openxmlformats.org/drawingml/2006/main" xmlns:r="http://schemas.openxmlformats.org/officeDocument/2006/relationships" xmlns:p="http://schemas.openxmlformats.org/presentationml/2006/main">
+  <p:cSld>
+    <p:spTree>
+      <p:nvGrpSpPr>
+        <p:cNvPr id="1" name=""/>
+        <p:cNvGrpSpPr/>
+        <p:nvPr/>
+      </p:nvGrpSpPr>
+      <p:grpSpPr>
+        <a:xfrm>
+          <a:off x="0" y="0"/>
+          <a:ext cx="0" cy="0"/>
+          <a:chOff x="0" y="0"/>
+          <a:chExt cx="0" cy="0"/>
+        </a:xfrm>
+      </p:grpSpPr>
+      <p:graphicFrame>
+        <p:nvGraphicFramePr>
+          <p:cNvPr id="4" name="Table 3">
+            <a:extLst>
+              <a:ext uri="{FF2B5EF4-FFF2-40B4-BE49-F238E27FC236}">
+                <a16:creationId xmlns:a16="http://schemas.microsoft.com/office/drawing/2014/main" id="{432D80DE-594D-8CCD-392E-E819C4F1FE03}"/>
+              </a:ext>
+            </a:extLst>
+          </p:cNvPr>
+          <p:cNvGraphicFramePr>
+            <a:graphicFrameLocks noGrp="1"/>
+          </p:cNvGraphicFramePr>
+          <p:nvPr>
+            <p:extLst>
+              <p:ext uri="{D42A27DB-BD31-4B8C-83A1-F6EECF244321}">
+                <p14:modId xmlns:p14="http://schemas.microsoft.com/office/powerpoint/2010/main" val="983058461"/>
+              </p:ext>
+            </p:extLst>
+          </p:nvPr>
+        </p:nvGraphicFramePr>
+        <p:xfrm>
+          <a:off x="3054555" y="1850376"/>
+          <a:ext cx="5833806" cy="1483360"/>
+        </p:xfrm>
+        <a:graphic>
+          <a:graphicData uri="http://schemas.openxmlformats.org/drawingml/2006/table">
+            <a:tbl>
+              <a:tblPr firstRow="1" bandRow="1">
+                <a:tableStyleId>{5C22544A-7EE6-4342-B048-85BDC9FD1C3A}</a:tableStyleId>
+              </a:tblPr>
+              <a:tblGrid>
+                <a:gridCol w="1281471">
+                  <a:extLst>
+                    <a:ext uri="{9D8B030D-6E8A-4147-A177-3AD203B41FA5}">
+                      <a16:colId xmlns:a16="http://schemas.microsoft.com/office/drawing/2014/main" val="756713742"/>
+                    </a:ext>
+                  </a:extLst>
+                </a:gridCol>
+                <a:gridCol w="1573161">
+                  <a:extLst>
+                    <a:ext uri="{9D8B030D-6E8A-4147-A177-3AD203B41FA5}">
+                      <a16:colId xmlns:a16="http://schemas.microsoft.com/office/drawing/2014/main" val="2224624994"/>
+                    </a:ext>
+                  </a:extLst>
+                </a:gridCol>
+                <a:gridCol w="1740310">
+                  <a:extLst>
+                    <a:ext uri="{9D8B030D-6E8A-4147-A177-3AD203B41FA5}">
+                      <a16:colId xmlns:a16="http://schemas.microsoft.com/office/drawing/2014/main" val="1369472384"/>
+                    </a:ext>
+                  </a:extLst>
+                </a:gridCol>
+                <a:gridCol w="1238864">
+                  <a:extLst>
+                    <a:ext uri="{9D8B030D-6E8A-4147-A177-3AD203B41FA5}">
+                      <a16:colId xmlns:a16="http://schemas.microsoft.com/office/drawing/2014/main" val="640483031"/>
+                    </a:ext>
+                  </a:extLst>
+                </a:gridCol>
+              </a:tblGrid>
+              <a:tr h="370840">
+                <a:tc>
+                  <a:txBody>
+                    <a:bodyPr/>
+                    <a:lstStyle/>
+                    <a:p>
+                      <a:endParaRPr lang="en-PH" dirty="0"/>
+                    </a:p>
+                  </a:txBody>
+                  <a:tcPr>
+                    <a:solidFill>
+                      <a:srgbClr val="005F73"/>
+                    </a:solidFill>
+                  </a:tcPr>
+                </a:tc>
+                <a:tc>
+                  <a:txBody>
+                    <a:bodyPr/>
+                    <a:lstStyle/>
+                    <a:p>
+                      <a:pPr algn="ctr"/>
+                      <a:r>
+                        <a:rPr lang="en-PH" dirty="0"/>
+                        <a:t>No disorder</a:t>
+                      </a:r>
+                    </a:p>
+                  </a:txBody>
+                  <a:tcPr>
+                    <a:solidFill>
+                      <a:srgbClr val="005F73"/>
+                    </a:solidFill>
+                  </a:tcPr>
+                </a:tc>
+                <a:tc>
+                  <a:txBody>
+                    <a:bodyPr/>
+                    <a:lstStyle/>
+                    <a:p>
+                      <a:pPr algn="ctr"/>
+                      <a:r>
+                        <a:rPr lang="en-PH" dirty="0"/>
+                        <a:t>Disorder</a:t>
+                      </a:r>
+                    </a:p>
+                  </a:txBody>
+                  <a:tcPr>
+                    <a:solidFill>
+                      <a:srgbClr val="005F73"/>
+                    </a:solidFill>
+                  </a:tcPr>
+                </a:tc>
+                <a:tc>
+                  <a:txBody>
+                    <a:bodyPr/>
+                    <a:lstStyle/>
+                    <a:p>
+                      <a:pPr algn="ctr"/>
+                      <a:r>
+                        <a:rPr lang="en-PH" dirty="0"/>
+                        <a:t>Total</a:t>
+                      </a:r>
+                    </a:p>
+                  </a:txBody>
+                  <a:tcPr>
+                    <a:solidFill>
+                      <a:srgbClr val="005F73"/>
+                    </a:solidFill>
+                  </a:tcPr>
+                </a:tc>
+                <a:extLst>
+                  <a:ext uri="{0D108BD9-81ED-4DB2-BD59-A6C34878D82A}">
+                    <a16:rowId xmlns:a16="http://schemas.microsoft.com/office/drawing/2014/main" val="812636649"/>
+                  </a:ext>
+                </a:extLst>
+              </a:tr>
+              <a:tr h="370840">
+                <a:tc>
+                  <a:txBody>
+                    <a:bodyPr/>
+                    <a:lstStyle/>
+                    <a:p>
+                      <a:r>
+                        <a:rPr lang="en-PH" dirty="0"/>
+                        <a:t>Selected</a:t>
+                      </a:r>
+                    </a:p>
+                  </a:txBody>
+                  <a:tcPr/>
+                </a:tc>
+                <a:tc>
+                  <a:txBody>
+                    <a:bodyPr/>
+                    <a:lstStyle/>
+                    <a:p>
+                      <a:pPr algn="ctr"/>
+                      <a:r>
+                        <a:rPr lang="en-PH" dirty="0"/>
+                        <a:t>3</a:t>
+                      </a:r>
+                    </a:p>
+                  </a:txBody>
+                  <a:tcPr/>
+                </a:tc>
+                <a:tc>
+                  <a:txBody>
+                    <a:bodyPr/>
+                    <a:lstStyle/>
+                    <a:p>
+                      <a:pPr algn="ctr"/>
+                      <a:r>
+                        <a:rPr lang="en-PH" dirty="0"/>
+                        <a:t>9</a:t>
+                      </a:r>
+                    </a:p>
+                  </a:txBody>
+                  <a:tcPr/>
+                </a:tc>
+                <a:tc>
+                  <a:txBody>
+                    <a:bodyPr/>
+                    <a:lstStyle/>
+                    <a:p>
+                      <a:pPr algn="ctr"/>
+                      <a:r>
+                        <a:rPr lang="en-PH" dirty="0"/>
+                        <a:t>12</a:t>
+                      </a:r>
+                    </a:p>
+                  </a:txBody>
+                  <a:tcPr/>
+                </a:tc>
+                <a:extLst>
+                  <a:ext uri="{0D108BD9-81ED-4DB2-BD59-A6C34878D82A}">
+                    <a16:rowId xmlns:a16="http://schemas.microsoft.com/office/drawing/2014/main" val="2228043305"/>
+                  </a:ext>
+                </a:extLst>
+              </a:tr>
+              <a:tr h="370840">
+                <a:tc>
+                  <a:txBody>
+                    <a:bodyPr/>
+                    <a:lstStyle/>
+                    <a:p>
+                      <a:r>
+                        <a:rPr lang="en-PH" dirty="0"/>
+                        <a:t>Rejected</a:t>
+                      </a:r>
+                    </a:p>
+                  </a:txBody>
+                  <a:tcPr/>
+                </a:tc>
+                <a:tc>
+                  <a:txBody>
+                    <a:bodyPr/>
+                    <a:lstStyle/>
+                    <a:p>
+                      <a:pPr algn="ctr"/>
+                      <a:r>
+                        <a:rPr lang="en-PH" dirty="0"/>
+                        <a:t>6805</a:t>
+                      </a:r>
+                    </a:p>
+                  </a:txBody>
+                  <a:tcPr/>
+                </a:tc>
+                <a:tc>
+                  <a:txBody>
+                    <a:bodyPr/>
+                    <a:lstStyle/>
+                    <a:p>
+                      <a:pPr algn="ctr"/>
+                      <a:r>
+                        <a:rPr lang="en-PH" dirty="0"/>
+                        <a:t>845</a:t>
+                      </a:r>
+                    </a:p>
+                  </a:txBody>
+                  <a:tcPr/>
+                </a:tc>
+                <a:tc>
+                  <a:txBody>
+                    <a:bodyPr/>
+                    <a:lstStyle/>
+                    <a:p>
+                      <a:pPr algn="ctr"/>
+                      <a:r>
+                        <a:rPr lang="en-PH" dirty="0"/>
+                        <a:t>7650</a:t>
+                      </a:r>
+                    </a:p>
+                  </a:txBody>
+                  <a:tcPr/>
+                </a:tc>
+                <a:extLst>
+                  <a:ext uri="{0D108BD9-81ED-4DB2-BD59-A6C34878D82A}">
+                    <a16:rowId xmlns:a16="http://schemas.microsoft.com/office/drawing/2014/main" val="3262607193"/>
+                  </a:ext>
+                </a:extLst>
+              </a:tr>
+              <a:tr h="370840">
+                <a:tc>
+                  <a:txBody>
+                    <a:bodyPr/>
+                    <a:lstStyle/>
+                    <a:p>
+                      <a:r>
+                        <a:rPr lang="en-PH" dirty="0"/>
+                        <a:t>Total</a:t>
+                      </a:r>
+                    </a:p>
+                  </a:txBody>
+                  <a:tcPr/>
+                </a:tc>
+                <a:tc>
+                  <a:txBody>
+                    <a:bodyPr/>
+                    <a:lstStyle/>
+                    <a:p>
+                      <a:pPr algn="ctr"/>
+                      <a:r>
+                        <a:rPr lang="en-PH" dirty="0"/>
+                        <a:t>6808</a:t>
+                      </a:r>
+                    </a:p>
+                  </a:txBody>
+                  <a:tcPr/>
+                </a:tc>
+                <a:tc>
+                  <a:txBody>
+                    <a:bodyPr/>
+                    <a:lstStyle/>
+                    <a:p>
+                      <a:pPr algn="ctr"/>
+                      <a:r>
+                        <a:rPr lang="en-PH" dirty="0"/>
+                        <a:t>854</a:t>
+                      </a:r>
+                    </a:p>
+                  </a:txBody>
+                  <a:tcPr/>
+                </a:tc>
+                <a:tc>
+                  <a:txBody>
+                    <a:bodyPr/>
+                    <a:lstStyle/>
+                    <a:p>
+                      <a:pPr algn="ctr"/>
+                      <a:r>
+                        <a:rPr lang="en-PH" dirty="0"/>
+                        <a:t>7662</a:t>
+                      </a:r>
+                    </a:p>
+                  </a:txBody>
+                  <a:tcPr/>
+                </a:tc>
+                <a:extLst>
+                  <a:ext uri="{0D108BD9-81ED-4DB2-BD59-A6C34878D82A}">
+                    <a16:rowId xmlns:a16="http://schemas.microsoft.com/office/drawing/2014/main" val="453894178"/>
+                  </a:ext>
+                </a:extLst>
+              </a:tr>
+            </a:tbl>
+          </a:graphicData>
+        </a:graphic>
+      </p:graphicFrame>
+    </p:spTree>
+    <p:extLst>
+      <p:ext uri="{BB962C8B-B14F-4D97-AF65-F5344CB8AC3E}">
+        <p14:creationId xmlns:p14="http://schemas.microsoft.com/office/powerpoint/2010/main" val="279752766"/>
+      </p:ext>
+    </p:extLst>
+  </p:cSld>
+  <p:clrMapOvr>
+    <a:masterClrMapping/>
+  </p:clrMapOvr>
+</p:sld>
+</file>
+
+<file path=ppt/slides/slide7.xml><?xml version="1.0" encoding="utf-8"?>
+<p:sld xmlns:a="http://schemas.openxmlformats.org/drawingml/2006/main" xmlns:r="http://schemas.openxmlformats.org/officeDocument/2006/relationships" xmlns:p="http://schemas.openxmlformats.org/presentationml/2006/main">
+  <p:cSld>
+    <p:spTree>
+      <p:nvGrpSpPr>
+        <p:cNvPr id="1" name="">
+          <a:extLst>
+            <a:ext uri="{FF2B5EF4-FFF2-40B4-BE49-F238E27FC236}">
+              <a16:creationId xmlns:a16="http://schemas.microsoft.com/office/drawing/2014/main" id="{2E1A0E9E-C9BE-CFDC-C980-E30C135481E4}"/>
+            </a:ext>
+          </a:extLst>
+        </p:cNvPr>
+        <p:cNvGrpSpPr/>
+        <p:nvPr/>
+      </p:nvGrpSpPr>
+      <p:grpSpPr>
+        <a:xfrm>
+          <a:off x="0" y="0"/>
+          <a:ext cx="0" cy="0"/>
+          <a:chOff x="0" y="0"/>
+          <a:chExt cx="0" cy="0"/>
+        </a:xfrm>
+      </p:grpSpPr>
+      <p:graphicFrame>
+        <p:nvGraphicFramePr>
+          <p:cNvPr id="4" name="Table 3">
+            <a:extLst>
+              <a:ext uri="{FF2B5EF4-FFF2-40B4-BE49-F238E27FC236}">
+                <a16:creationId xmlns:a16="http://schemas.microsoft.com/office/drawing/2014/main" id="{F3B9B8C9-F3E0-9B85-93AC-606E8BB7559C}"/>
+              </a:ext>
+            </a:extLst>
+          </p:cNvPr>
+          <p:cNvGraphicFramePr>
+            <a:graphicFrameLocks noGrp="1"/>
+          </p:cNvGraphicFramePr>
+          <p:nvPr>
+            <p:extLst>
+              <p:ext uri="{D42A27DB-BD31-4B8C-83A1-F6EECF244321}">
+                <p14:modId xmlns:p14="http://schemas.microsoft.com/office/powerpoint/2010/main" val="4112229420"/>
+              </p:ext>
+            </p:extLst>
+          </p:nvPr>
+        </p:nvGraphicFramePr>
+        <p:xfrm>
+          <a:off x="3054555" y="1850376"/>
+          <a:ext cx="4752258" cy="2595880"/>
+        </p:xfrm>
+        <a:graphic>
+          <a:graphicData uri="http://schemas.openxmlformats.org/drawingml/2006/table">
+            <a:tbl>
+              <a:tblPr firstRow="1" bandRow="1">
+                <a:tableStyleId>{5C22544A-7EE6-4342-B048-85BDC9FD1C3A}</a:tableStyleId>
+              </a:tblPr>
+              <a:tblGrid>
+                <a:gridCol w="1573161">
+                  <a:extLst>
+                    <a:ext uri="{9D8B030D-6E8A-4147-A177-3AD203B41FA5}">
+                      <a16:colId xmlns:a16="http://schemas.microsoft.com/office/drawing/2014/main" val="2224624994"/>
+                    </a:ext>
+                  </a:extLst>
+                </a:gridCol>
+                <a:gridCol w="1740310">
+                  <a:extLst>
+                    <a:ext uri="{9D8B030D-6E8A-4147-A177-3AD203B41FA5}">
+                      <a16:colId xmlns:a16="http://schemas.microsoft.com/office/drawing/2014/main" val="1369472384"/>
+                    </a:ext>
+                  </a:extLst>
+                </a:gridCol>
+                <a:gridCol w="1438787">
+                  <a:extLst>
+                    <a:ext uri="{9D8B030D-6E8A-4147-A177-3AD203B41FA5}">
+                      <a16:colId xmlns:a16="http://schemas.microsoft.com/office/drawing/2014/main" val="640483031"/>
+                    </a:ext>
+                  </a:extLst>
+                </a:gridCol>
+              </a:tblGrid>
+              <a:tr h="370840">
+                <a:tc>
+                  <a:txBody>
+                    <a:bodyPr/>
+                    <a:lstStyle/>
+                    <a:p>
+                      <a:pPr algn="ctr"/>
+                      <a:r>
+                        <a:rPr lang="en-PH" dirty="0"/>
+                        <a:t>Score</a:t>
+                      </a:r>
+                    </a:p>
+                  </a:txBody>
+                  <a:tcPr>
+                    <a:solidFill>
+                      <a:srgbClr val="005F73"/>
+                    </a:solidFill>
+                  </a:tcPr>
+                </a:tc>
+                <a:tc>
+                  <a:txBody>
+                    <a:bodyPr/>
+                    <a:lstStyle/>
+                    <a:p>
+                      <a:pPr algn="ctr"/>
+                      <a:r>
+                        <a:rPr lang="en-PH" dirty="0"/>
+                        <a:t>Mean</a:t>
+                      </a:r>
+                    </a:p>
+                  </a:txBody>
+                  <a:tcPr>
+                    <a:solidFill>
+                      <a:srgbClr val="005F73"/>
+                    </a:solidFill>
+                  </a:tcPr>
+                </a:tc>
+                <a:tc>
+                  <a:txBody>
+                    <a:bodyPr/>
+                    <a:lstStyle/>
+                    <a:p>
+                      <a:pPr algn="ctr"/>
+                      <a:r>
+                        <a:rPr lang="en-PH" dirty="0"/>
+                        <a:t>Deviation</a:t>
+                      </a:r>
+                    </a:p>
+                  </a:txBody>
+                  <a:tcPr>
+                    <a:solidFill>
+                      <a:srgbClr val="005F73"/>
+                    </a:solidFill>
+                  </a:tcPr>
+                </a:tc>
+                <a:extLst>
+                  <a:ext uri="{0D108BD9-81ED-4DB2-BD59-A6C34878D82A}">
+                    <a16:rowId xmlns:a16="http://schemas.microsoft.com/office/drawing/2014/main" val="812636649"/>
+                  </a:ext>
+                </a:extLst>
+              </a:tr>
+              <a:tr h="370840">
+                <a:tc>
+                  <a:txBody>
+                    <a:bodyPr/>
+                    <a:lstStyle/>
+                    <a:p>
+                      <a:pPr algn="ctr"/>
+                      <a:r>
+                        <a:rPr lang="en-PH" dirty="0"/>
+                        <a:t>1</a:t>
+                      </a:r>
+                    </a:p>
+                  </a:txBody>
+                  <a:tcPr/>
+                </a:tc>
+                <a:tc>
+                  <a:txBody>
+                    <a:bodyPr/>
+                    <a:lstStyle/>
+                    <a:p>
+                      <a:pPr algn="ctr"/>
+                      <a:r>
+                        <a:rPr lang="en-PH" dirty="0"/>
+                        <a:t>2.6</a:t>
+                      </a:r>
+                    </a:p>
+                  </a:txBody>
+                  <a:tcPr/>
+                </a:tc>
+                <a:tc>
+                  <a:txBody>
+                    <a:bodyPr/>
+                    <a:lstStyle/>
+                    <a:p>
+                      <a:pPr algn="ctr"/>
+                      <a:r>
+                        <a:rPr lang="en-PH" dirty="0"/>
+                        <a:t>-1.6</a:t>
+                      </a:r>
+                    </a:p>
+                  </a:txBody>
+                  <a:tcPr/>
+                </a:tc>
+                <a:extLst>
+                  <a:ext uri="{0D108BD9-81ED-4DB2-BD59-A6C34878D82A}">
+                    <a16:rowId xmlns:a16="http://schemas.microsoft.com/office/drawing/2014/main" val="2228043305"/>
+                  </a:ext>
+                </a:extLst>
+              </a:tr>
+              <a:tr h="370840">
+                <a:tc>
+                  <a:txBody>
+                    <a:bodyPr/>
+                    <a:lstStyle/>
+                    <a:p>
+                      <a:pPr algn="ctr"/>
+                      <a:r>
+                        <a:rPr lang="en-PH" dirty="0"/>
+                        <a:t>2</a:t>
+                      </a:r>
+                    </a:p>
+                  </a:txBody>
+                  <a:tcPr/>
+                </a:tc>
+                <a:tc>
+                  <a:txBody>
+                    <a:bodyPr/>
+                    <a:lstStyle/>
+                    <a:p>
+                      <a:pPr algn="ctr"/>
+                      <a:r>
+                        <a:rPr lang="en-PH" dirty="0"/>
+                        <a:t>2.6</a:t>
+                      </a:r>
+                    </a:p>
+                  </a:txBody>
+                  <a:tcPr/>
+                </a:tc>
+                <a:tc>
+                  <a:txBody>
+                    <a:bodyPr/>
+                    <a:lstStyle/>
+                    <a:p>
+                      <a:pPr algn="ctr"/>
+                      <a:r>
+                        <a:rPr lang="en-PH" dirty="0"/>
+                        <a:t>-0.6</a:t>
+                      </a:r>
+                    </a:p>
+                  </a:txBody>
+                  <a:tcPr/>
+                </a:tc>
+                <a:extLst>
+                  <a:ext uri="{0D108BD9-81ED-4DB2-BD59-A6C34878D82A}">
+                    <a16:rowId xmlns:a16="http://schemas.microsoft.com/office/drawing/2014/main" val="3262607193"/>
+                  </a:ext>
+                </a:extLst>
+              </a:tr>
+              <a:tr h="370840">
+                <a:tc>
+                  <a:txBody>
+                    <a:bodyPr/>
+                    <a:lstStyle/>
+                    <a:p>
+                      <a:pPr algn="ctr"/>
+                      <a:r>
+                        <a:rPr lang="en-PH" dirty="0"/>
+                        <a:t>3</a:t>
+                      </a:r>
+                    </a:p>
+                  </a:txBody>
+                  <a:tcPr/>
+                </a:tc>
+                <a:tc>
+                  <a:txBody>
+                    <a:bodyPr/>
+                    <a:lstStyle/>
+                    <a:p>
+                      <a:pPr algn="ctr"/>
+                      <a:r>
+                        <a:rPr lang="en-PH" dirty="0"/>
+                        <a:t>2.6</a:t>
+                      </a:r>
+                    </a:p>
+                  </a:txBody>
+                  <a:tcPr/>
+                </a:tc>
+                <a:tc>
+                  <a:txBody>
+                    <a:bodyPr/>
+                    <a:lstStyle/>
+                    <a:p>
+                      <a:pPr algn="ctr"/>
+                      <a:r>
+                        <a:rPr lang="en-PH" dirty="0"/>
+                        <a:t>0.4</a:t>
+                      </a:r>
+                    </a:p>
+                  </a:txBody>
+                  <a:tcPr/>
+                </a:tc>
+                <a:extLst>
+                  <a:ext uri="{0D108BD9-81ED-4DB2-BD59-A6C34878D82A}">
+                    <a16:rowId xmlns:a16="http://schemas.microsoft.com/office/drawing/2014/main" val="453894178"/>
+                  </a:ext>
+                </a:extLst>
+              </a:tr>
+              <a:tr h="370840">
+                <a:tc>
+                  <a:txBody>
+                    <a:bodyPr/>
+                    <a:lstStyle/>
+                    <a:p>
+                      <a:pPr algn="ctr"/>
+                      <a:r>
+                        <a:rPr lang="en-PH" dirty="0"/>
+                        <a:t>3</a:t>
+                      </a:r>
+                    </a:p>
+                  </a:txBody>
+                  <a:tcPr/>
+                </a:tc>
+                <a:tc>
+                  <a:txBody>
+                    <a:bodyPr/>
+                    <a:lstStyle/>
+                    <a:p>
+                      <a:pPr algn="ctr"/>
+                      <a:r>
+                        <a:rPr lang="en-PH" dirty="0"/>
+                        <a:t>2.6</a:t>
+                      </a:r>
+                    </a:p>
+                  </a:txBody>
+                  <a:tcPr/>
+                </a:tc>
+                <a:tc>
+                  <a:txBody>
+                    <a:bodyPr/>
+                    <a:lstStyle/>
+                    <a:p>
+                      <a:pPr algn="ctr"/>
+                      <a:r>
+                        <a:rPr lang="en-PH" dirty="0"/>
+                        <a:t>0.4</a:t>
+                      </a:r>
+                    </a:p>
+                  </a:txBody>
+                  <a:tcPr/>
+                </a:tc>
+                <a:extLst>
+                  <a:ext uri="{0D108BD9-81ED-4DB2-BD59-A6C34878D82A}">
+                    <a16:rowId xmlns:a16="http://schemas.microsoft.com/office/drawing/2014/main" val="2255606993"/>
+                  </a:ext>
+                </a:extLst>
+              </a:tr>
+              <a:tr h="370840">
+                <a:tc>
+                  <a:txBody>
+                    <a:bodyPr/>
+                    <a:lstStyle/>
+                    <a:p>
+                      <a:pPr algn="ctr"/>
+                      <a:r>
+                        <a:rPr lang="en-PH" dirty="0"/>
+                        <a:t>4</a:t>
+                      </a:r>
+                    </a:p>
+                  </a:txBody>
+                  <a:tcPr/>
+                </a:tc>
+                <a:tc>
+                  <a:txBody>
+                    <a:bodyPr/>
+                    <a:lstStyle/>
+                    <a:p>
+                      <a:pPr algn="ctr"/>
+                      <a:r>
+                        <a:rPr lang="en-PH" dirty="0"/>
+                        <a:t>2.6</a:t>
+                      </a:r>
+                    </a:p>
+                  </a:txBody>
+                  <a:tcPr/>
+                </a:tc>
+                <a:tc>
+                  <a:txBody>
+                    <a:bodyPr/>
+                    <a:lstStyle/>
+                    <a:p>
+                      <a:pPr algn="ctr"/>
+                      <a:r>
+                        <a:rPr lang="en-PH" dirty="0"/>
+                        <a:t>1.4</a:t>
+                      </a:r>
+                    </a:p>
+                  </a:txBody>
+                  <a:tcPr/>
+                </a:tc>
+                <a:extLst>
+                  <a:ext uri="{0D108BD9-81ED-4DB2-BD59-A6C34878D82A}">
+                    <a16:rowId xmlns:a16="http://schemas.microsoft.com/office/drawing/2014/main" val="2752588183"/>
+                  </a:ext>
+                </a:extLst>
+              </a:tr>
+              <a:tr h="370840">
+                <a:tc>
+                  <a:txBody>
+                    <a:bodyPr/>
+                    <a:lstStyle/>
+                    <a:p>
+                      <a:pPr algn="ctr"/>
+                      <a:endParaRPr lang="en-PH" dirty="0"/>
+                    </a:p>
+                  </a:txBody>
+                  <a:tcPr/>
+                </a:tc>
+                <a:tc>
+                  <a:txBody>
+                    <a:bodyPr/>
+                    <a:lstStyle/>
+                    <a:p>
+                      <a:pPr algn="ctr"/>
+                      <a:r>
+                        <a:rPr lang="en-PH" dirty="0"/>
+                        <a:t>Total</a:t>
+                      </a:r>
+                    </a:p>
+                  </a:txBody>
+                  <a:tcPr/>
+                </a:tc>
+                <a:tc>
+                  <a:txBody>
+                    <a:bodyPr/>
+                    <a:lstStyle/>
+                    <a:p>
+                      <a:pPr algn="ctr"/>
+                      <a:r>
+                        <a:rPr lang="en-PH" dirty="0"/>
+                        <a:t>0</a:t>
+                      </a:r>
+                    </a:p>
+                  </a:txBody>
+                  <a:tcPr/>
+                </a:tc>
+                <a:extLst>
+                  <a:ext uri="{0D108BD9-81ED-4DB2-BD59-A6C34878D82A}">
+                    <a16:rowId xmlns:a16="http://schemas.microsoft.com/office/drawing/2014/main" val="2020720623"/>
+                  </a:ext>
+                </a:extLst>
+              </a:tr>
+            </a:tbl>
+          </a:graphicData>
+        </a:graphic>
+      </p:graphicFrame>
+    </p:spTree>
+    <p:extLst>
+      <p:ext uri="{BB962C8B-B14F-4D97-AF65-F5344CB8AC3E}">
+        <p14:creationId xmlns:p14="http://schemas.microsoft.com/office/powerpoint/2010/main" val="2299477621"/>
+      </p:ext>
+    </p:extLst>
+  </p:cSld>
+  <p:clrMapOvr>
+    <a:masterClrMapping/>
+  </p:clrMapOvr>
+</p:sld>
+</file>
+
+<file path=ppt/slides/slide8.xml><?xml version="1.0" encoding="utf-8"?>
+<p:sld xmlns:a="http://schemas.openxmlformats.org/drawingml/2006/main" xmlns:r="http://schemas.openxmlformats.org/officeDocument/2006/relationships" xmlns:p="http://schemas.openxmlformats.org/presentationml/2006/main">
+  <p:cSld>
+    <p:spTree>
+      <p:nvGrpSpPr>
+        <p:cNvPr id="1" name="">
+          <a:extLst>
+            <a:ext uri="{FF2B5EF4-FFF2-40B4-BE49-F238E27FC236}">
+              <a16:creationId xmlns:a16="http://schemas.microsoft.com/office/drawing/2014/main" id="{8A947615-EF59-23B1-4405-3A8F9B22AC60}"/>
+            </a:ext>
+          </a:extLst>
+        </p:cNvPr>
+        <p:cNvGrpSpPr/>
+        <p:nvPr/>
+      </p:nvGrpSpPr>
+      <p:grpSpPr>
+        <a:xfrm>
+          <a:off x="0" y="0"/>
+          <a:ext cx="0" cy="0"/>
+          <a:chOff x="0" y="0"/>
+          <a:chExt cx="0" cy="0"/>
+        </a:xfrm>
+      </p:grpSpPr>
+      <p:graphicFrame>
+        <p:nvGraphicFramePr>
+          <p:cNvPr id="4" name="Table 3">
+            <a:extLst>
+              <a:ext uri="{FF2B5EF4-FFF2-40B4-BE49-F238E27FC236}">
+                <a16:creationId xmlns:a16="http://schemas.microsoft.com/office/drawing/2014/main" id="{FF696E51-AA90-F777-3BEF-48DC1B9B9972}"/>
+              </a:ext>
+            </a:extLst>
+          </p:cNvPr>
+          <p:cNvGraphicFramePr>
+            <a:graphicFrameLocks noGrp="1"/>
+          </p:cNvGraphicFramePr>
+          <p:nvPr>
+            <p:extLst>
+              <p:ext uri="{D42A27DB-BD31-4B8C-83A1-F6EECF244321}">
+                <p14:modId xmlns:p14="http://schemas.microsoft.com/office/powerpoint/2010/main" val="3242025575"/>
+              </p:ext>
+            </p:extLst>
+          </p:nvPr>
+        </p:nvGraphicFramePr>
+        <p:xfrm>
+          <a:off x="3054555" y="1850376"/>
+          <a:ext cx="5194710" cy="2865120"/>
+        </p:xfrm>
+        <a:graphic>
+          <a:graphicData uri="http://schemas.openxmlformats.org/drawingml/2006/table">
+            <a:tbl>
+              <a:tblPr firstRow="1" bandRow="1">
+                <a:tableStyleId>{5C22544A-7EE6-4342-B048-85BDC9FD1C3A}</a:tableStyleId>
+              </a:tblPr>
+              <a:tblGrid>
+                <a:gridCol w="1319989">
+                  <a:extLst>
+                    <a:ext uri="{9D8B030D-6E8A-4147-A177-3AD203B41FA5}">
+                      <a16:colId xmlns:a16="http://schemas.microsoft.com/office/drawing/2014/main" val="2224624994"/>
+                    </a:ext>
+                  </a:extLst>
+                </a:gridCol>
+                <a:gridCol w="1460239">
+                  <a:extLst>
+                    <a:ext uri="{9D8B030D-6E8A-4147-A177-3AD203B41FA5}">
+                      <a16:colId xmlns:a16="http://schemas.microsoft.com/office/drawing/2014/main" val="1369472384"/>
+                    </a:ext>
+                  </a:extLst>
+                </a:gridCol>
+                <a:gridCol w="1207241">
+                  <a:extLst>
+                    <a:ext uri="{9D8B030D-6E8A-4147-A177-3AD203B41FA5}">
+                      <a16:colId xmlns:a16="http://schemas.microsoft.com/office/drawing/2014/main" val="640483031"/>
+                    </a:ext>
+                  </a:extLst>
+                </a:gridCol>
+                <a:gridCol w="1207241">
+                  <a:extLst>
+                    <a:ext uri="{9D8B030D-6E8A-4147-A177-3AD203B41FA5}">
+                      <a16:colId xmlns:a16="http://schemas.microsoft.com/office/drawing/2014/main" val="3628378977"/>
+                    </a:ext>
+                  </a:extLst>
+                </a:gridCol>
+              </a:tblGrid>
+              <a:tr h="370840">
+                <a:tc>
+                  <a:txBody>
+                    <a:bodyPr/>
+                    <a:lstStyle/>
+                    <a:p>
+                      <a:pPr algn="ctr"/>
+                      <a:r>
+                        <a:rPr lang="en-PH" dirty="0"/>
+                        <a:t>Score</a:t>
+                      </a:r>
+                    </a:p>
+                  </a:txBody>
+                  <a:tcPr>
+                    <a:solidFill>
+                      <a:srgbClr val="005F73"/>
+                    </a:solidFill>
+                  </a:tcPr>
+                </a:tc>
+                <a:tc>
+                  <a:txBody>
+                    <a:bodyPr/>
+                    <a:lstStyle/>
+                    <a:p>
+                      <a:pPr algn="ctr"/>
+                      <a:r>
+                        <a:rPr lang="en-PH" dirty="0"/>
+                        <a:t>Mean</a:t>
+                      </a:r>
+                    </a:p>
+                  </a:txBody>
+                  <a:tcPr>
+                    <a:solidFill>
+                      <a:srgbClr val="005F73"/>
+                    </a:solidFill>
+                  </a:tcPr>
+                </a:tc>
+                <a:tc>
+                  <a:txBody>
+                    <a:bodyPr/>
+                    <a:lstStyle/>
+                    <a:p>
+                      <a:pPr algn="ctr"/>
+                      <a:r>
+                        <a:rPr lang="en-PH" dirty="0"/>
+                        <a:t>Deviation</a:t>
+                      </a:r>
+                    </a:p>
+                  </a:txBody>
+                  <a:tcPr>
+                    <a:solidFill>
+                      <a:srgbClr val="005F73"/>
+                    </a:solidFill>
+                  </a:tcPr>
+                </a:tc>
+                <a:tc>
+                  <a:txBody>
+                    <a:bodyPr/>
+                    <a:lstStyle/>
+                    <a:p>
+                      <a:pPr algn="ctr"/>
+                      <a:r>
+                        <a:rPr lang="en-PH" dirty="0"/>
+                        <a:t>Squared Deviations</a:t>
+                      </a:r>
+                    </a:p>
+                  </a:txBody>
+                  <a:tcPr>
+                    <a:solidFill>
+                      <a:srgbClr val="005F73"/>
+                    </a:solidFill>
+                  </a:tcPr>
+                </a:tc>
+                <a:extLst>
+                  <a:ext uri="{0D108BD9-81ED-4DB2-BD59-A6C34878D82A}">
+                    <a16:rowId xmlns:a16="http://schemas.microsoft.com/office/drawing/2014/main" val="812636649"/>
+                  </a:ext>
+                </a:extLst>
+              </a:tr>
+              <a:tr h="370840">
+                <a:tc>
+                  <a:txBody>
+                    <a:bodyPr/>
+                    <a:lstStyle/>
+                    <a:p>
+                      <a:pPr algn="ctr"/>
+                      <a:r>
+                        <a:rPr lang="en-PH" dirty="0"/>
+                        <a:t>1</a:t>
+                      </a:r>
+                    </a:p>
+                  </a:txBody>
+                  <a:tcPr/>
+                </a:tc>
+                <a:tc>
+                  <a:txBody>
+                    <a:bodyPr/>
+                    <a:lstStyle/>
+                    <a:p>
+                      <a:pPr algn="ctr"/>
+                      <a:r>
+                        <a:rPr lang="en-PH" dirty="0"/>
+                        <a:t>2.6</a:t>
+                      </a:r>
+                    </a:p>
+                  </a:txBody>
+                  <a:tcPr/>
+                </a:tc>
+                <a:tc>
+                  <a:txBody>
+                    <a:bodyPr/>
+                    <a:lstStyle/>
+                    <a:p>
+                      <a:pPr algn="ctr"/>
+                      <a:r>
+                        <a:rPr lang="en-PH" dirty="0"/>
+                        <a:t>-1.6</a:t>
+                      </a:r>
+                    </a:p>
+                  </a:txBody>
+                  <a:tcPr/>
+                </a:tc>
+                <a:tc>
+                  <a:txBody>
+                    <a:bodyPr/>
+                    <a:lstStyle/>
+                    <a:p>
+                      <a:pPr algn="ctr"/>
+                      <a:r>
+                        <a:rPr lang="en-PH" dirty="0"/>
+                        <a:t>2.56</a:t>
+                      </a:r>
+                    </a:p>
+                  </a:txBody>
+                  <a:tcPr/>
+                </a:tc>
+                <a:extLst>
+                  <a:ext uri="{0D108BD9-81ED-4DB2-BD59-A6C34878D82A}">
+                    <a16:rowId xmlns:a16="http://schemas.microsoft.com/office/drawing/2014/main" val="2228043305"/>
+                  </a:ext>
+                </a:extLst>
+              </a:tr>
+              <a:tr h="370840">
+                <a:tc>
+                  <a:txBody>
+                    <a:bodyPr/>
+                    <a:lstStyle/>
+                    <a:p>
+                      <a:pPr algn="ctr"/>
+                      <a:r>
+                        <a:rPr lang="en-PH" dirty="0"/>
+                        <a:t>2</a:t>
+                      </a:r>
+                    </a:p>
+                  </a:txBody>
+                  <a:tcPr/>
+                </a:tc>
+                <a:tc>
+                  <a:txBody>
+                    <a:bodyPr/>
+                    <a:lstStyle/>
+                    <a:p>
+                      <a:pPr algn="ctr"/>
+                      <a:r>
+                        <a:rPr lang="en-PH" dirty="0"/>
+                        <a:t>2.6</a:t>
+                      </a:r>
+                    </a:p>
+                  </a:txBody>
+                  <a:tcPr/>
+                </a:tc>
+                <a:tc>
+                  <a:txBody>
+                    <a:bodyPr/>
+                    <a:lstStyle/>
+                    <a:p>
+                      <a:pPr algn="ctr"/>
+                      <a:r>
+                        <a:rPr lang="en-PH" dirty="0"/>
+                        <a:t>-0.6</a:t>
+                      </a:r>
+                    </a:p>
+                  </a:txBody>
+                  <a:tcPr/>
+                </a:tc>
+                <a:tc>
+                  <a:txBody>
+                    <a:bodyPr/>
+                    <a:lstStyle/>
+                    <a:p>
+                      <a:pPr algn="ctr"/>
+                      <a:r>
+                        <a:rPr lang="en-PH" dirty="0"/>
+                        <a:t>0.36</a:t>
+                      </a:r>
+                    </a:p>
+                  </a:txBody>
+                  <a:tcPr/>
+                </a:tc>
+                <a:extLst>
+                  <a:ext uri="{0D108BD9-81ED-4DB2-BD59-A6C34878D82A}">
+                    <a16:rowId xmlns:a16="http://schemas.microsoft.com/office/drawing/2014/main" val="3262607193"/>
+                  </a:ext>
+                </a:extLst>
+              </a:tr>
+              <a:tr h="370840">
+                <a:tc>
+                  <a:txBody>
+                    <a:bodyPr/>
+                    <a:lstStyle/>
+                    <a:p>
+                      <a:pPr algn="ctr"/>
+                      <a:r>
+                        <a:rPr lang="en-PH" dirty="0"/>
+                        <a:t>3</a:t>
+                      </a:r>
+                    </a:p>
+                  </a:txBody>
+                  <a:tcPr/>
+                </a:tc>
+                <a:tc>
+                  <a:txBody>
+                    <a:bodyPr/>
+                    <a:lstStyle/>
+                    <a:p>
+                      <a:pPr algn="ctr"/>
+                      <a:r>
+                        <a:rPr lang="en-PH" dirty="0"/>
+                        <a:t>2.6</a:t>
+                      </a:r>
+                    </a:p>
+                  </a:txBody>
+                  <a:tcPr/>
+                </a:tc>
+                <a:tc>
+                  <a:txBody>
+                    <a:bodyPr/>
+                    <a:lstStyle/>
+                    <a:p>
+                      <a:pPr algn="ctr"/>
+                      <a:r>
+                        <a:rPr lang="en-PH" dirty="0"/>
+                        <a:t>0.4</a:t>
+                      </a:r>
+                    </a:p>
+                  </a:txBody>
+                  <a:tcPr/>
+                </a:tc>
+                <a:tc>
+                  <a:txBody>
+                    <a:bodyPr/>
+                    <a:lstStyle/>
+                    <a:p>
+                      <a:pPr algn="ctr"/>
+                      <a:r>
+                        <a:rPr lang="en-PH" dirty="0"/>
+                        <a:t>0.16</a:t>
+                      </a:r>
+                    </a:p>
+                  </a:txBody>
+                  <a:tcPr/>
+                </a:tc>
+                <a:extLst>
+                  <a:ext uri="{0D108BD9-81ED-4DB2-BD59-A6C34878D82A}">
+                    <a16:rowId xmlns:a16="http://schemas.microsoft.com/office/drawing/2014/main" val="453894178"/>
+                  </a:ext>
+                </a:extLst>
+              </a:tr>
+              <a:tr h="370840">
+                <a:tc>
+                  <a:txBody>
+                    <a:bodyPr/>
+                    <a:lstStyle/>
+                    <a:p>
+                      <a:pPr algn="ctr"/>
+                      <a:r>
+                        <a:rPr lang="en-PH" dirty="0"/>
+                        <a:t>3</a:t>
+                      </a:r>
+                    </a:p>
+                  </a:txBody>
+                  <a:tcPr/>
+                </a:tc>
+                <a:tc>
+                  <a:txBody>
+                    <a:bodyPr/>
+                    <a:lstStyle/>
+                    <a:p>
+                      <a:pPr algn="ctr"/>
+                      <a:r>
+                        <a:rPr lang="en-PH" dirty="0"/>
+                        <a:t>2.6</a:t>
+                      </a:r>
+                    </a:p>
+                  </a:txBody>
+                  <a:tcPr/>
+                </a:tc>
+                <a:tc>
+                  <a:txBody>
+                    <a:bodyPr/>
+                    <a:lstStyle/>
+                    <a:p>
+                      <a:pPr algn="ctr"/>
+                      <a:r>
+                        <a:rPr lang="en-PH" dirty="0"/>
+                        <a:t>0.4</a:t>
+                      </a:r>
+                    </a:p>
+                  </a:txBody>
+                  <a:tcPr/>
+                </a:tc>
+                <a:tc>
+                  <a:txBody>
+                    <a:bodyPr/>
+                    <a:lstStyle/>
+                    <a:p>
+                      <a:pPr algn="ctr"/>
+                      <a:r>
+                        <a:rPr lang="en-PH" dirty="0"/>
+                        <a:t>0.16</a:t>
+                      </a:r>
+                    </a:p>
+                  </a:txBody>
+                  <a:tcPr/>
+                </a:tc>
+                <a:extLst>
+                  <a:ext uri="{0D108BD9-81ED-4DB2-BD59-A6C34878D82A}">
+                    <a16:rowId xmlns:a16="http://schemas.microsoft.com/office/drawing/2014/main" val="2255606993"/>
+                  </a:ext>
+                </a:extLst>
+              </a:tr>
+              <a:tr h="370840">
+                <a:tc>
+                  <a:txBody>
+                    <a:bodyPr/>
+                    <a:lstStyle/>
+                    <a:p>
+                      <a:pPr algn="ctr"/>
+                      <a:r>
+                        <a:rPr lang="en-PH" dirty="0"/>
+                        <a:t>4</a:t>
+                      </a:r>
+                    </a:p>
+                  </a:txBody>
+                  <a:tcPr/>
+                </a:tc>
+                <a:tc>
+                  <a:txBody>
+                    <a:bodyPr/>
+                    <a:lstStyle/>
+                    <a:p>
+                      <a:pPr algn="ctr"/>
+                      <a:r>
+                        <a:rPr lang="en-PH" dirty="0"/>
+                        <a:t>2.6</a:t>
+                      </a:r>
+                    </a:p>
+                  </a:txBody>
+                  <a:tcPr/>
+                </a:tc>
+                <a:tc>
+                  <a:txBody>
+                    <a:bodyPr/>
+                    <a:lstStyle/>
+                    <a:p>
+                      <a:pPr algn="ctr"/>
+                      <a:r>
+                        <a:rPr lang="en-PH" dirty="0"/>
+                        <a:t>1.4</a:t>
+                      </a:r>
+                    </a:p>
+                  </a:txBody>
+                  <a:tcPr/>
+                </a:tc>
+                <a:tc>
+                  <a:txBody>
+                    <a:bodyPr/>
+                    <a:lstStyle/>
+                    <a:p>
+                      <a:pPr algn="ctr"/>
+                      <a:r>
+                        <a:rPr lang="en-PH" dirty="0"/>
+                        <a:t>1.96</a:t>
+                      </a:r>
+                    </a:p>
+                  </a:txBody>
+                  <a:tcPr/>
+                </a:tc>
+                <a:extLst>
+                  <a:ext uri="{0D108BD9-81ED-4DB2-BD59-A6C34878D82A}">
+                    <a16:rowId xmlns:a16="http://schemas.microsoft.com/office/drawing/2014/main" val="2752588183"/>
+                  </a:ext>
+                </a:extLst>
+              </a:tr>
+              <a:tr h="370840">
+                <a:tc>
+                  <a:txBody>
+                    <a:bodyPr/>
+                    <a:lstStyle/>
+                    <a:p>
+                      <a:pPr algn="ctr"/>
+                      <a:endParaRPr lang="en-PH" dirty="0"/>
+                    </a:p>
+                  </a:txBody>
+                  <a:tcPr/>
+                </a:tc>
+                <a:tc>
+                  <a:txBody>
+                    <a:bodyPr/>
+                    <a:lstStyle/>
+                    <a:p>
+                      <a:pPr algn="ctr"/>
+                      <a:r>
+                        <a:rPr lang="en-PH" dirty="0"/>
+                        <a:t>Total</a:t>
+                      </a:r>
+                    </a:p>
+                  </a:txBody>
+                  <a:tcPr/>
+                </a:tc>
+                <a:tc>
+                  <a:txBody>
+                    <a:bodyPr/>
+                    <a:lstStyle/>
+                    <a:p>
+                      <a:pPr algn="ctr"/>
+                      <a:r>
+                        <a:rPr lang="en-PH" dirty="0"/>
+                        <a:t>0</a:t>
+                      </a:r>
+                    </a:p>
+                  </a:txBody>
+                  <a:tcPr/>
+                </a:tc>
+                <a:tc>
+                  <a:txBody>
+                    <a:bodyPr/>
+                    <a:lstStyle/>
+                    <a:p>
+                      <a:pPr algn="ctr"/>
+                      <a:r>
+                        <a:rPr lang="en-PH" dirty="0"/>
+                        <a:t>5.20</a:t>
+                      </a:r>
+                    </a:p>
+                  </a:txBody>
+                  <a:tcPr/>
+                </a:tc>
+                <a:extLst>
+                  <a:ext uri="{0D108BD9-81ED-4DB2-BD59-A6C34878D82A}">
+                    <a16:rowId xmlns:a16="http://schemas.microsoft.com/office/drawing/2014/main" val="2020720623"/>
+                  </a:ext>
+                </a:extLst>
+              </a:tr>
+            </a:tbl>
+          </a:graphicData>
+        </a:graphic>
+      </p:graphicFrame>
+    </p:spTree>
+    <p:extLst>
+      <p:ext uri="{BB962C8B-B14F-4D97-AF65-F5344CB8AC3E}">
+        <p14:creationId xmlns:p14="http://schemas.microsoft.com/office/powerpoint/2010/main" val="1160738640"/>
+      </p:ext>
+    </p:extLst>
+  </p:cSld>
+  <p:clrMapOvr>
+    <a:masterClrMapping/>
+  </p:clrMapOvr>
+</p:sld>
+</file>
+
+<file path=ppt/slides/slide9.xml><?xml version="1.0" encoding="utf-8"?>
+<p:sld xmlns:a="http://schemas.openxmlformats.org/drawingml/2006/main" xmlns:r="http://schemas.openxmlformats.org/officeDocument/2006/relationships" xmlns:p="http://schemas.openxmlformats.org/presentationml/2006/main">
+  <p:cSld>
+    <p:spTree>
+      <p:nvGrpSpPr>
+        <p:cNvPr id="1" name=""/>
+        <p:cNvGrpSpPr/>
+        <p:nvPr/>
+      </p:nvGrpSpPr>
+      <p:grpSpPr>
+        <a:xfrm>
+          <a:off x="0" y="0"/>
+          <a:ext cx="0" cy="0"/>
+          <a:chOff x="0" y="0"/>
+          <a:chExt cx="0" cy="0"/>
+        </a:xfrm>
+      </p:grpSpPr>
+      <p:grpSp>
+        <p:nvGrpSpPr>
+          <p:cNvPr id="41" name="Group 40">
+            <a:extLst>
+              <a:ext uri="{FF2B5EF4-FFF2-40B4-BE49-F238E27FC236}">
+                <a16:creationId xmlns:a16="http://schemas.microsoft.com/office/drawing/2014/main" id="{BDC832DE-DF8F-7411-EA07-223EC79464B2}"/>
+              </a:ext>
+            </a:extLst>
+          </p:cNvPr>
+          <p:cNvGrpSpPr/>
+          <p:nvPr/>
+        </p:nvGrpSpPr>
+        <p:grpSpPr>
+          <a:xfrm>
+            <a:off x="1150374" y="2517058"/>
+            <a:ext cx="8008607" cy="3798328"/>
+            <a:chOff x="1150374" y="2517058"/>
+            <a:chExt cx="8008607" cy="3798328"/>
+          </a:xfrm>
+        </p:grpSpPr>
         <p:sp>
           <p:nvSpPr>
-            <p:cNvPr id="5" name="Rectangle 4">
+            <p:cNvPr id="34" name="Oval 33">
               <a:extLst>
                 <a:ext uri="{FF2B5EF4-FFF2-40B4-BE49-F238E27FC236}">
-                  <a16:creationId xmlns:a16="http://schemas.microsoft.com/office/drawing/2014/main" id="{89B57FD7-7737-800B-B2AA-D3E19BA43D9F}"/>
+                  <a16:creationId xmlns:a16="http://schemas.microsoft.com/office/drawing/2014/main" id="{09E07548-F76A-AF4C-84F8-EE1C88C9A00F}"/>
                 </a:ext>
               </a:extLst>
             </p:cNvPr>
@@ -6633,14 +9186,14 @@
           </p:nvSpPr>
           <p:spPr>
             <a:xfrm>
-              <a:off x="6617615" y="1839798"/>
-              <a:ext cx="2809189" cy="631596"/>
+              <a:off x="5845510" y="2604523"/>
+              <a:ext cx="3313471" cy="3215148"/>
             </a:xfrm>
-            <a:prstGeom prst="rect">
+            <a:prstGeom prst="ellipse">
               <a:avLst/>
             </a:prstGeom>
             <a:solidFill>
-              <a:srgbClr val="003049"/>
+              <a:schemeClr val="bg2"/>
             </a:solidFill>
             <a:ln>
               <a:noFill/>
@@ -6667,19 +9220,16 @@
             <a:lstStyle/>
             <a:p>
               <a:pPr algn="ctr"/>
-              <a:r>
-                <a:rPr lang="en-PH" dirty="0"/>
-                <a:t>Generate theory</a:t>
-              </a:r>
+              <a:endParaRPr lang="en-PH"/>
             </a:p>
           </p:txBody>
         </p:sp>
         <p:sp>
           <p:nvSpPr>
-            <p:cNvPr id="6" name="Rectangle 5">
+            <p:cNvPr id="27" name="Oval 26">
               <a:extLst>
                 <a:ext uri="{FF2B5EF4-FFF2-40B4-BE49-F238E27FC236}">
-                  <a16:creationId xmlns:a16="http://schemas.microsoft.com/office/drawing/2014/main" id="{BE77D6BD-2352-7538-CC7F-58371C657412}"/>
+                  <a16:creationId xmlns:a16="http://schemas.microsoft.com/office/drawing/2014/main" id="{ED512CC3-D47E-BD82-46A2-5832D82FF9F2}"/>
                 </a:ext>
               </a:extLst>
             </p:cNvPr>
@@ -6688,14 +9238,14 @@
           </p:nvSpPr>
           <p:spPr>
             <a:xfrm>
-              <a:off x="6617615" y="3066854"/>
-              <a:ext cx="2809189" cy="631596"/>
+              <a:off x="1150374" y="2517058"/>
+              <a:ext cx="3313471" cy="3215148"/>
             </a:xfrm>
-            <a:prstGeom prst="rect">
+            <a:prstGeom prst="ellipse">
               <a:avLst/>
             </a:prstGeom>
             <a:solidFill>
-              <a:srgbClr val="003049"/>
+              <a:schemeClr val="bg2"/>
             </a:solidFill>
             <a:ln>
               <a:noFill/>
@@ -6722,19 +9272,800 @@
             <a:lstStyle/>
             <a:p>
               <a:pPr algn="ctr"/>
+              <a:endParaRPr lang="en-PH"/>
+            </a:p>
+          </p:txBody>
+        </p:sp>
+        <p:pic>
+          <p:nvPicPr>
+            <p:cNvPr id="6" name="Graphic 5" descr="Angel face with solid fill with solid fill">
+              <a:extLst>
+                <a:ext uri="{FF2B5EF4-FFF2-40B4-BE49-F238E27FC236}">
+                  <a16:creationId xmlns:a16="http://schemas.microsoft.com/office/drawing/2014/main" id="{5A22C265-67C8-5566-B3D7-121D739E8756}"/>
+                </a:ext>
+              </a:extLst>
+            </p:cNvPr>
+            <p:cNvPicPr>
+              <a:picLocks noChangeAspect="1"/>
+            </p:cNvPicPr>
+            <p:nvPr/>
+          </p:nvPicPr>
+          <p:blipFill>
+            <a:blip r:embed="rId2">
+              <a:extLst>
+                <a:ext uri="{96DAC541-7B7A-43D3-8B79-37D633B846F1}">
+                  <asvg:svgBlip xmlns:asvg="http://schemas.microsoft.com/office/drawing/2016/SVG/main" r:embed="rId3"/>
+                </a:ext>
+              </a:extLst>
+            </a:blip>
+            <a:stretch>
+              <a:fillRect/>
+            </a:stretch>
+          </p:blipFill>
+          <p:spPr>
+            <a:xfrm>
+              <a:off x="1701097" y="3506923"/>
+              <a:ext cx="673510" cy="673510"/>
+            </a:xfrm>
+            <a:prstGeom prst="rect">
+              <a:avLst/>
+            </a:prstGeom>
+          </p:spPr>
+        </p:pic>
+        <p:pic>
+          <p:nvPicPr>
+            <p:cNvPr id="8" name="Graphic 7" descr="Crying face with solid fill with solid fill">
+              <a:extLst>
+                <a:ext uri="{FF2B5EF4-FFF2-40B4-BE49-F238E27FC236}">
+                  <a16:creationId xmlns:a16="http://schemas.microsoft.com/office/drawing/2014/main" id="{90C34579-9DA2-E805-4B4F-2C159BA679B4}"/>
+                </a:ext>
+              </a:extLst>
+            </p:cNvPr>
+            <p:cNvPicPr>
+              <a:picLocks noChangeAspect="1"/>
+            </p:cNvPicPr>
+            <p:nvPr/>
+          </p:nvPicPr>
+          <p:blipFill>
+            <a:blip r:embed="rId4">
+              <a:extLst>
+                <a:ext uri="{96DAC541-7B7A-43D3-8B79-37D633B846F1}">
+                  <asvg:svgBlip xmlns:asvg="http://schemas.microsoft.com/office/drawing/2016/SVG/main" r:embed="rId5"/>
+                </a:ext>
+              </a:extLst>
+            </a:blip>
+            <a:stretch>
+              <a:fillRect/>
+            </a:stretch>
+          </p:blipFill>
+          <p:spPr>
+            <a:xfrm>
+              <a:off x="3048117" y="3465136"/>
+              <a:ext cx="673510" cy="673510"/>
+            </a:xfrm>
+            <a:prstGeom prst="rect">
+              <a:avLst/>
+            </a:prstGeom>
+          </p:spPr>
+        </p:pic>
+        <p:pic>
+          <p:nvPicPr>
+            <p:cNvPr id="10" name="Graphic 9" descr="Funny face with solid fill with solid fill">
+              <a:extLst>
+                <a:ext uri="{FF2B5EF4-FFF2-40B4-BE49-F238E27FC236}">
+                  <a16:creationId xmlns:a16="http://schemas.microsoft.com/office/drawing/2014/main" id="{DBB3D42A-743D-1939-B498-33E62A69F334}"/>
+                </a:ext>
+              </a:extLst>
+            </p:cNvPr>
+            <p:cNvPicPr>
+              <a:picLocks noChangeAspect="1"/>
+            </p:cNvPicPr>
+            <p:nvPr/>
+          </p:nvPicPr>
+          <p:blipFill>
+            <a:blip r:embed="rId6">
+              <a:extLst>
+                <a:ext uri="{96DAC541-7B7A-43D3-8B79-37D633B846F1}">
+                  <asvg:svgBlip xmlns:asvg="http://schemas.microsoft.com/office/drawing/2016/SVG/main" r:embed="rId7"/>
+                </a:ext>
+              </a:extLst>
+            </a:blip>
+            <a:stretch>
+              <a:fillRect/>
+            </a:stretch>
+          </p:blipFill>
+          <p:spPr>
+            <a:xfrm>
+              <a:off x="2374607" y="2917723"/>
+              <a:ext cx="673510" cy="673510"/>
+            </a:xfrm>
+            <a:prstGeom prst="rect">
+              <a:avLst/>
+            </a:prstGeom>
+          </p:spPr>
+        </p:pic>
+        <p:pic>
+          <p:nvPicPr>
+            <p:cNvPr id="14" name="Graphic 13" descr="In love face with solid fill with solid fill">
+              <a:extLst>
+                <a:ext uri="{FF2B5EF4-FFF2-40B4-BE49-F238E27FC236}">
+                  <a16:creationId xmlns:a16="http://schemas.microsoft.com/office/drawing/2014/main" id="{0D4DAFBD-3CEC-AEBD-22AA-ECAABB73FCE4}"/>
+                </a:ext>
+              </a:extLst>
+            </p:cNvPr>
+            <p:cNvPicPr>
+              <a:picLocks noChangeAspect="1"/>
+            </p:cNvPicPr>
+            <p:nvPr/>
+          </p:nvPicPr>
+          <p:blipFill>
+            <a:blip r:embed="rId8">
+              <a:extLst>
+                <a:ext uri="{96DAC541-7B7A-43D3-8B79-37D633B846F1}">
+                  <asvg:svgBlip xmlns:asvg="http://schemas.microsoft.com/office/drawing/2016/SVG/main" r:embed="rId9"/>
+                </a:ext>
+              </a:extLst>
+            </a:blip>
+            <a:stretch>
+              <a:fillRect/>
+            </a:stretch>
+          </p:blipFill>
+          <p:spPr>
+            <a:xfrm>
+              <a:off x="7165490" y="3025395"/>
+              <a:ext cx="673510" cy="673510"/>
+            </a:xfrm>
+            <a:prstGeom prst="rect">
+              <a:avLst/>
+            </a:prstGeom>
+          </p:spPr>
+        </p:pic>
+        <p:pic>
+          <p:nvPicPr>
+            <p:cNvPr id="16" name="Graphic 15" descr="Moustache face with solid fill with solid fill">
+              <a:extLst>
+                <a:ext uri="{FF2B5EF4-FFF2-40B4-BE49-F238E27FC236}">
+                  <a16:creationId xmlns:a16="http://schemas.microsoft.com/office/drawing/2014/main" id="{2CE0A7AA-6A8C-742B-09A7-0A70E120902B}"/>
+                </a:ext>
+              </a:extLst>
+            </p:cNvPr>
+            <p:cNvPicPr>
+              <a:picLocks noChangeAspect="1"/>
+            </p:cNvPicPr>
+            <p:nvPr/>
+          </p:nvPicPr>
+          <p:blipFill>
+            <a:blip r:embed="rId10">
+              <a:extLst>
+                <a:ext uri="{96DAC541-7B7A-43D3-8B79-37D633B846F1}">
+                  <asvg:svgBlip xmlns:asvg="http://schemas.microsoft.com/office/drawing/2016/SVG/main" r:embed="rId11"/>
+                </a:ext>
+              </a:extLst>
+            </a:blip>
+            <a:stretch>
+              <a:fillRect/>
+            </a:stretch>
+          </p:blipFill>
+          <p:spPr>
+            <a:xfrm>
+              <a:off x="2293607" y="4292129"/>
+              <a:ext cx="673510" cy="673510"/>
+            </a:xfrm>
+            <a:prstGeom prst="rect">
+              <a:avLst/>
+            </a:prstGeom>
+          </p:spPr>
+        </p:pic>
+        <p:pic>
+          <p:nvPicPr>
+            <p:cNvPr id="18" name="Graphic 17" descr="Sad face with solid fill with solid fill">
+              <a:extLst>
+                <a:ext uri="{FF2B5EF4-FFF2-40B4-BE49-F238E27FC236}">
+                  <a16:creationId xmlns:a16="http://schemas.microsoft.com/office/drawing/2014/main" id="{BE025DBB-B44E-64B8-9B04-08212A352302}"/>
+                </a:ext>
+              </a:extLst>
+            </p:cNvPr>
+            <p:cNvPicPr>
+              <a:picLocks noChangeAspect="1"/>
+            </p:cNvPicPr>
+            <p:nvPr/>
+          </p:nvPicPr>
+          <p:blipFill>
+            <a:blip r:embed="rId12">
+              <a:extLst>
+                <a:ext uri="{96DAC541-7B7A-43D3-8B79-37D633B846F1}">
+                  <asvg:svgBlip xmlns:asvg="http://schemas.microsoft.com/office/drawing/2016/SVG/main" r:embed="rId13"/>
+                </a:ext>
+              </a:extLst>
+            </a:blip>
+            <a:stretch>
+              <a:fillRect/>
+            </a:stretch>
+          </p:blipFill>
+          <p:spPr>
+            <a:xfrm>
+              <a:off x="6317457" y="3837509"/>
+              <a:ext cx="673510" cy="673510"/>
+            </a:xfrm>
+            <a:prstGeom prst="rect">
+              <a:avLst/>
+            </a:prstGeom>
+          </p:spPr>
+        </p:pic>
+        <p:pic>
+          <p:nvPicPr>
+            <p:cNvPr id="20" name="Graphic 19" descr="Smiling with hearts face with solid fill with solid fill">
+              <a:extLst>
+                <a:ext uri="{FF2B5EF4-FFF2-40B4-BE49-F238E27FC236}">
+                  <a16:creationId xmlns:a16="http://schemas.microsoft.com/office/drawing/2014/main" id="{22D918BD-571B-CD6E-FAB0-7837A8C18FD2}"/>
+                </a:ext>
+              </a:extLst>
+            </p:cNvPr>
+            <p:cNvPicPr>
+              <a:picLocks noChangeAspect="1"/>
+            </p:cNvPicPr>
+            <p:nvPr/>
+          </p:nvPicPr>
+          <p:blipFill>
+            <a:blip r:embed="rId14">
+              <a:extLst>
+                <a:ext uri="{96DAC541-7B7A-43D3-8B79-37D633B846F1}">
+                  <asvg:svgBlip xmlns:asvg="http://schemas.microsoft.com/office/drawing/2016/SVG/main" r:embed="rId15"/>
+                </a:ext>
+              </a:extLst>
+            </a:blip>
+            <a:stretch>
+              <a:fillRect/>
+            </a:stretch>
+          </p:blipFill>
+          <p:spPr>
+            <a:xfrm>
+              <a:off x="7325614" y="4628884"/>
+              <a:ext cx="673510" cy="673510"/>
+            </a:xfrm>
+            <a:prstGeom prst="rect">
+              <a:avLst/>
+            </a:prstGeom>
+          </p:spPr>
+        </p:pic>
+        <p:pic>
+          <p:nvPicPr>
+            <p:cNvPr id="24" name="Graphic 23" descr="Tongue face with solid fill with solid fill">
+              <a:extLst>
+                <a:ext uri="{FF2B5EF4-FFF2-40B4-BE49-F238E27FC236}">
+                  <a16:creationId xmlns:a16="http://schemas.microsoft.com/office/drawing/2014/main" id="{2F3E696E-53C9-E1D9-B443-D52833CC1AE2}"/>
+                </a:ext>
+              </a:extLst>
+            </p:cNvPr>
+            <p:cNvPicPr>
+              <a:picLocks noChangeAspect="1"/>
+            </p:cNvPicPr>
+            <p:nvPr/>
+          </p:nvPicPr>
+          <p:blipFill>
+            <a:blip r:embed="rId16">
+              <a:extLst>
+                <a:ext uri="{96DAC541-7B7A-43D3-8B79-37D633B846F1}">
+                  <asvg:svgBlip xmlns:asvg="http://schemas.microsoft.com/office/drawing/2016/SVG/main" r:embed="rId17"/>
+                </a:ext>
+              </a:extLst>
+            </a:blip>
+            <a:stretch>
+              <a:fillRect/>
+            </a:stretch>
+          </p:blipFill>
+          <p:spPr>
+            <a:xfrm>
+              <a:off x="8035877" y="3752172"/>
+              <a:ext cx="673510" cy="673510"/>
+            </a:xfrm>
+            <a:prstGeom prst="rect">
+              <a:avLst/>
+            </a:prstGeom>
+          </p:spPr>
+        </p:pic>
+        <p:sp>
+          <p:nvSpPr>
+            <p:cNvPr id="28" name="TextBox 27">
+              <a:extLst>
+                <a:ext uri="{FF2B5EF4-FFF2-40B4-BE49-F238E27FC236}">
+                  <a16:creationId xmlns:a16="http://schemas.microsoft.com/office/drawing/2014/main" id="{B6B5EB54-6219-45CD-70B5-7C5C877939F9}"/>
+                </a:ext>
+              </a:extLst>
+            </p:cNvPr>
+            <p:cNvSpPr txBox="1"/>
+            <p:nvPr/>
+          </p:nvSpPr>
+          <p:spPr>
+            <a:xfrm>
+              <a:off x="2485220" y="3474346"/>
+              <a:ext cx="535744" cy="461665"/>
+            </a:xfrm>
+            <a:prstGeom prst="rect">
+              <a:avLst/>
+            </a:prstGeom>
+            <a:noFill/>
+          </p:spPr>
+          <p:txBody>
+            <a:bodyPr wrap="square" rtlCol="0">
+              <a:spAutoFit/>
+            </a:bodyPr>
+            <a:lstStyle/>
+            <a:p>
               <a:r>
-                <a:rPr lang="en-PH" dirty="0"/>
-                <a:t>Generate hypotheses</a:t>
+                <a:rPr lang="en-PH" sz="2400" dirty="0"/>
+                <a:t>11</a:t>
               </a:r>
             </a:p>
           </p:txBody>
         </p:sp>
         <p:sp>
           <p:nvSpPr>
-            <p:cNvPr id="7" name="Rectangle 6">
+            <p:cNvPr id="30" name="TextBox 29">
               <a:extLst>
                 <a:ext uri="{FF2B5EF4-FFF2-40B4-BE49-F238E27FC236}">
-                  <a16:creationId xmlns:a16="http://schemas.microsoft.com/office/drawing/2014/main" id="{50AEA624-1C59-CDE7-BF46-A10BC79DFA2D}"/>
+                  <a16:creationId xmlns:a16="http://schemas.microsoft.com/office/drawing/2014/main" id="{F8F65BBC-3AE4-E3F0-0549-7D7950463D8B}"/>
+                </a:ext>
+              </a:extLst>
+            </p:cNvPr>
+            <p:cNvSpPr txBox="1"/>
+            <p:nvPr/>
+          </p:nvSpPr>
+          <p:spPr>
+            <a:xfrm>
+              <a:off x="3213036" y="4061296"/>
+              <a:ext cx="535744" cy="461665"/>
+            </a:xfrm>
+            <a:prstGeom prst="rect">
+              <a:avLst/>
+            </a:prstGeom>
+            <a:noFill/>
+          </p:spPr>
+          <p:txBody>
+            <a:bodyPr wrap="square" rtlCol="0">
+              <a:spAutoFit/>
+            </a:bodyPr>
+            <a:lstStyle/>
+            <a:p>
+              <a:r>
+                <a:rPr lang="en-PH" sz="2400" dirty="0"/>
+                <a:t>8</a:t>
+              </a:r>
+            </a:p>
+          </p:txBody>
+        </p:sp>
+        <p:sp>
+          <p:nvSpPr>
+            <p:cNvPr id="31" name="TextBox 30">
+              <a:extLst>
+                <a:ext uri="{FF2B5EF4-FFF2-40B4-BE49-F238E27FC236}">
+                  <a16:creationId xmlns:a16="http://schemas.microsoft.com/office/drawing/2014/main" id="{A8E0F540-C6CF-D532-48E3-946A14630CCD}"/>
+                </a:ext>
+              </a:extLst>
+            </p:cNvPr>
+            <p:cNvSpPr txBox="1"/>
+            <p:nvPr/>
+          </p:nvSpPr>
+          <p:spPr>
+            <a:xfrm>
+              <a:off x="2374607" y="4837375"/>
+              <a:ext cx="535744" cy="461665"/>
+            </a:xfrm>
+            <a:prstGeom prst="rect">
+              <a:avLst/>
+            </a:prstGeom>
+            <a:noFill/>
+          </p:spPr>
+          <p:txBody>
+            <a:bodyPr wrap="square" rtlCol="0">
+              <a:spAutoFit/>
+            </a:bodyPr>
+            <a:lstStyle/>
+            <a:p>
+              <a:r>
+                <a:rPr lang="en-PH" sz="2400" dirty="0"/>
+                <a:t>9</a:t>
+              </a:r>
+            </a:p>
+          </p:txBody>
+        </p:sp>
+        <p:sp>
+          <p:nvSpPr>
+            <p:cNvPr id="32" name="TextBox 31">
+              <a:extLst>
+                <a:ext uri="{FF2B5EF4-FFF2-40B4-BE49-F238E27FC236}">
+                  <a16:creationId xmlns:a16="http://schemas.microsoft.com/office/drawing/2014/main" id="{7ACD048A-EC69-44D1-C24D-74B4237AFA7C}"/>
+                </a:ext>
+              </a:extLst>
+            </p:cNvPr>
+            <p:cNvSpPr txBox="1"/>
+            <p:nvPr/>
+          </p:nvSpPr>
+          <p:spPr>
+            <a:xfrm>
+              <a:off x="1715728" y="4124632"/>
+              <a:ext cx="535744" cy="461665"/>
+            </a:xfrm>
+            <a:prstGeom prst="rect">
+              <a:avLst/>
+            </a:prstGeom>
+            <a:noFill/>
+          </p:spPr>
+          <p:txBody>
+            <a:bodyPr wrap="square" rtlCol="0">
+              <a:spAutoFit/>
+            </a:bodyPr>
+            <a:lstStyle/>
+            <a:p>
+              <a:r>
+                <a:rPr lang="en-PH" sz="2400" dirty="0"/>
+                <a:t>12</a:t>
+              </a:r>
+            </a:p>
+          </p:txBody>
+        </p:sp>
+        <mc:AlternateContent xmlns:mc="http://schemas.openxmlformats.org/markup-compatibility/2006">
+          <mc:Choice xmlns:a14="http://schemas.microsoft.com/office/drawing/2010/main" Requires="a14">
+            <p:sp>
+              <p:nvSpPr>
+                <p:cNvPr id="33" name="TextBox 32">
+                  <a:extLst>
+                    <a:ext uri="{FF2B5EF4-FFF2-40B4-BE49-F238E27FC236}">
+                      <a16:creationId xmlns:a16="http://schemas.microsoft.com/office/drawing/2014/main" id="{E6F1D5D4-566A-EC5C-01B9-9EEC0D152301}"/>
+                    </a:ext>
+                  </a:extLst>
+                </p:cNvPr>
+                <p:cNvSpPr txBox="1"/>
+                <p:nvPr/>
+              </p:nvSpPr>
+              <p:spPr>
+                <a:xfrm>
+                  <a:off x="1983600" y="5837172"/>
+                  <a:ext cx="1148199" cy="430887"/>
+                </a:xfrm>
+                <a:prstGeom prst="rect">
+                  <a:avLst/>
+                </a:prstGeom>
+                <a:noFill/>
+              </p:spPr>
+              <p:txBody>
+                <a:bodyPr wrap="none" lIns="0" tIns="0" rIns="0" bIns="0" rtlCol="0">
+                  <a:spAutoFit/>
+                </a:bodyPr>
+                <a:lstStyle/>
+                <a:p>
+                  <a14:m>
+                    <m:oMathPara xmlns:m="http://schemas.openxmlformats.org/officeDocument/2006/math">
+                      <m:oMathParaPr>
+                        <m:jc m:val="centerGroup"/>
+                      </m:oMathParaPr>
+                      <m:oMath xmlns:m="http://schemas.openxmlformats.org/officeDocument/2006/math">
+                        <m:acc>
+                          <m:accPr>
+                            <m:chr m:val="̅"/>
+                            <m:ctrlPr>
+                              <a:rPr lang="en-PH" sz="2800" i="1" smtClean="0">
+                                <a:latin typeface="Cambria Math" panose="02040503050406030204" pitchFamily="18" charset="0"/>
+                              </a:rPr>
+                            </m:ctrlPr>
+                          </m:accPr>
+                          <m:e>
+                            <m:r>
+                              <a:rPr lang="en-PH" sz="2800" b="0" i="1" smtClean="0">
+                                <a:latin typeface="Cambria Math" panose="02040503050406030204" pitchFamily="18" charset="0"/>
+                              </a:rPr>
+                              <m:t>𝑥</m:t>
+                            </m:r>
+                          </m:e>
+                        </m:acc>
+                        <m:r>
+                          <a:rPr lang="en-PH" sz="2800" b="0" i="1" smtClean="0">
+                            <a:latin typeface="Cambria Math" panose="02040503050406030204" pitchFamily="18" charset="0"/>
+                          </a:rPr>
+                          <m:t>=10</m:t>
+                        </m:r>
+                      </m:oMath>
+                    </m:oMathPara>
+                  </a14:m>
+                  <a:endParaRPr lang="en-PH" sz="2800" dirty="0"/>
+                </a:p>
+              </p:txBody>
+            </p:sp>
+          </mc:Choice>
+          <mc:Fallback>
+            <p:sp>
+              <p:nvSpPr>
+                <p:cNvPr id="33" name="TextBox 32">
+                  <a:extLst>
+                    <a:ext uri="{FF2B5EF4-FFF2-40B4-BE49-F238E27FC236}">
+                      <a16:creationId xmlns:a16="http://schemas.microsoft.com/office/drawing/2014/main" id="{E6F1D5D4-566A-EC5C-01B9-9EEC0D152301}"/>
+                    </a:ext>
+                  </a:extLst>
+                </p:cNvPr>
+                <p:cNvSpPr txBox="1">
+                  <a:spLocks noRot="1" noChangeAspect="1" noMove="1" noResize="1" noEditPoints="1" noAdjustHandles="1" noChangeArrowheads="1" noChangeShapeType="1" noTextEdit="1"/>
+                </p:cNvSpPr>
+                <p:nvPr/>
+              </p:nvSpPr>
+              <p:spPr>
+                <a:xfrm>
+                  <a:off x="1983600" y="5837172"/>
+                  <a:ext cx="1148199" cy="430887"/>
+                </a:xfrm>
+                <a:prstGeom prst="rect">
+                  <a:avLst/>
+                </a:prstGeom>
+                <a:blipFill>
+                  <a:blip r:embed="rId18"/>
+                  <a:stretch>
+                    <a:fillRect/>
+                  </a:stretch>
+                </a:blipFill>
+              </p:spPr>
+              <p:txBody>
+                <a:bodyPr/>
+                <a:lstStyle/>
+                <a:p>
+                  <a:r>
+                    <a:rPr lang="en-PH">
+                      <a:noFill/>
+                    </a:rPr>
+                    <a:t> </a:t>
+                  </a:r>
+                </a:p>
+              </p:txBody>
+            </p:sp>
+          </mc:Fallback>
+        </mc:AlternateContent>
+        <p:sp>
+          <p:nvSpPr>
+            <p:cNvPr id="35" name="TextBox 34">
+              <a:extLst>
+                <a:ext uri="{FF2B5EF4-FFF2-40B4-BE49-F238E27FC236}">
+                  <a16:creationId xmlns:a16="http://schemas.microsoft.com/office/drawing/2014/main" id="{07DF04AC-13F9-2C3F-04AB-4FE8A5CFBFAF}"/>
+                </a:ext>
+              </a:extLst>
+            </p:cNvPr>
+            <p:cNvSpPr txBox="1"/>
+            <p:nvPr/>
+          </p:nvSpPr>
+          <p:spPr>
+            <a:xfrm>
+              <a:off x="7248011" y="3606676"/>
+              <a:ext cx="535744" cy="461665"/>
+            </a:xfrm>
+            <a:prstGeom prst="rect">
+              <a:avLst/>
+            </a:prstGeom>
+            <a:noFill/>
+          </p:spPr>
+          <p:txBody>
+            <a:bodyPr wrap="square" rtlCol="0">
+              <a:spAutoFit/>
+            </a:bodyPr>
+            <a:lstStyle/>
+            <a:p>
+              <a:r>
+                <a:rPr lang="en-PH" sz="2400" dirty="0"/>
+                <a:t>7</a:t>
+              </a:r>
+            </a:p>
+          </p:txBody>
+        </p:sp>
+        <p:sp>
+          <p:nvSpPr>
+            <p:cNvPr id="36" name="TextBox 35">
+              <a:extLst>
+                <a:ext uri="{FF2B5EF4-FFF2-40B4-BE49-F238E27FC236}">
+                  <a16:creationId xmlns:a16="http://schemas.microsoft.com/office/drawing/2014/main" id="{3E79FFA6-4DFA-2055-4648-CD734C3B1F13}"/>
+                </a:ext>
+              </a:extLst>
+            </p:cNvPr>
+            <p:cNvSpPr txBox="1"/>
+            <p:nvPr/>
+          </p:nvSpPr>
+          <p:spPr>
+            <a:xfrm>
+              <a:off x="8173643" y="4355464"/>
+              <a:ext cx="535744" cy="461665"/>
+            </a:xfrm>
+            <a:prstGeom prst="rect">
+              <a:avLst/>
+            </a:prstGeom>
+            <a:noFill/>
+          </p:spPr>
+          <p:txBody>
+            <a:bodyPr wrap="square" rtlCol="0">
+              <a:spAutoFit/>
+            </a:bodyPr>
+            <a:lstStyle/>
+            <a:p>
+              <a:r>
+                <a:rPr lang="en-PH" sz="2400" dirty="0"/>
+                <a:t>8</a:t>
+              </a:r>
+            </a:p>
+          </p:txBody>
+        </p:sp>
+        <p:sp>
+          <p:nvSpPr>
+            <p:cNvPr id="37" name="TextBox 36">
+              <a:extLst>
+                <a:ext uri="{FF2B5EF4-FFF2-40B4-BE49-F238E27FC236}">
+                  <a16:creationId xmlns:a16="http://schemas.microsoft.com/office/drawing/2014/main" id="{F7258875-EFED-04CB-D366-4134649E3D83}"/>
+                </a:ext>
+              </a:extLst>
+            </p:cNvPr>
+            <p:cNvSpPr txBox="1"/>
+            <p:nvPr/>
+          </p:nvSpPr>
+          <p:spPr>
+            <a:xfrm>
+              <a:off x="7325613" y="5182910"/>
+              <a:ext cx="710263" cy="461665"/>
+            </a:xfrm>
+            <a:prstGeom prst="rect">
+              <a:avLst/>
+            </a:prstGeom>
+            <a:noFill/>
+          </p:spPr>
+          <p:txBody>
+            <a:bodyPr wrap="square" rtlCol="0">
+              <a:spAutoFit/>
+            </a:bodyPr>
+            <a:lstStyle/>
+            <a:p>
+              <a:r>
+                <a:rPr lang="en-PH" sz="2400" dirty="0"/>
+                <a:t>???</a:t>
+              </a:r>
+            </a:p>
+          </p:txBody>
+        </p:sp>
+        <p:sp>
+          <p:nvSpPr>
+            <p:cNvPr id="38" name="TextBox 37">
+              <a:extLst>
+                <a:ext uri="{FF2B5EF4-FFF2-40B4-BE49-F238E27FC236}">
+                  <a16:creationId xmlns:a16="http://schemas.microsoft.com/office/drawing/2014/main" id="{7D058688-CA94-DF99-EFEB-D848E0D1FDD3}"/>
+                </a:ext>
+              </a:extLst>
+            </p:cNvPr>
+            <p:cNvSpPr txBox="1"/>
+            <p:nvPr/>
+          </p:nvSpPr>
+          <p:spPr>
+            <a:xfrm>
+              <a:off x="6453115" y="4398051"/>
+              <a:ext cx="535744" cy="461665"/>
+            </a:xfrm>
+            <a:prstGeom prst="rect">
+              <a:avLst/>
+            </a:prstGeom>
+            <a:noFill/>
+          </p:spPr>
+          <p:txBody>
+            <a:bodyPr wrap="square" rtlCol="0">
+              <a:spAutoFit/>
+            </a:bodyPr>
+            <a:lstStyle/>
+            <a:p>
+              <a:r>
+                <a:rPr lang="en-PH" sz="2400" dirty="0"/>
+                <a:t>15</a:t>
+              </a:r>
+            </a:p>
+          </p:txBody>
+        </p:sp>
+        <mc:AlternateContent xmlns:mc="http://schemas.openxmlformats.org/markup-compatibility/2006">
+          <mc:Choice xmlns:a14="http://schemas.microsoft.com/office/drawing/2010/main" Requires="a14">
+            <p:sp>
+              <p:nvSpPr>
+                <p:cNvPr id="39" name="TextBox 38">
+                  <a:extLst>
+                    <a:ext uri="{FF2B5EF4-FFF2-40B4-BE49-F238E27FC236}">
+                      <a16:creationId xmlns:a16="http://schemas.microsoft.com/office/drawing/2014/main" id="{CD782E6C-B3FB-62DE-F8DC-586233DB3959}"/>
+                    </a:ext>
+                  </a:extLst>
+                </p:cNvPr>
+                <p:cNvSpPr txBox="1"/>
+                <p:nvPr/>
+              </p:nvSpPr>
+              <p:spPr>
+                <a:xfrm>
+                  <a:off x="6887677" y="5884499"/>
+                  <a:ext cx="1153329" cy="430887"/>
+                </a:xfrm>
+                <a:prstGeom prst="rect">
+                  <a:avLst/>
+                </a:prstGeom>
+                <a:noFill/>
+              </p:spPr>
+              <p:txBody>
+                <a:bodyPr wrap="none" lIns="0" tIns="0" rIns="0" bIns="0" rtlCol="0">
+                  <a:spAutoFit/>
+                </a:bodyPr>
+                <a:lstStyle/>
+                <a:p>
+                  <a14:m>
+                    <m:oMathPara xmlns:m="http://schemas.openxmlformats.org/officeDocument/2006/math">
+                      <m:oMathParaPr>
+                        <m:jc m:val="centerGroup"/>
+                      </m:oMathParaPr>
+                      <m:oMath xmlns:m="http://schemas.openxmlformats.org/officeDocument/2006/math">
+                        <m:r>
+                          <a:rPr lang="en-PH" sz="2800" b="0" i="1" smtClean="0">
+                            <a:latin typeface="Cambria Math" panose="02040503050406030204" pitchFamily="18" charset="0"/>
+                            <a:ea typeface="Cambria Math" panose="02040503050406030204" pitchFamily="18" charset="0"/>
+                          </a:rPr>
+                          <m:t>𝜇</m:t>
+                        </m:r>
+                        <m:r>
+                          <a:rPr lang="en-PH" sz="2800" b="0" i="1" smtClean="0">
+                            <a:latin typeface="Cambria Math" panose="02040503050406030204" pitchFamily="18" charset="0"/>
+                            <a:ea typeface="Cambria Math" panose="02040503050406030204" pitchFamily="18" charset="0"/>
+                          </a:rPr>
+                          <m:t>=10</m:t>
+                        </m:r>
+                      </m:oMath>
+                    </m:oMathPara>
+                  </a14:m>
+                  <a:endParaRPr lang="en-PH" sz="2800" dirty="0"/>
+                </a:p>
+              </p:txBody>
+            </p:sp>
+          </mc:Choice>
+          <mc:Fallback>
+            <p:sp>
+              <p:nvSpPr>
+                <p:cNvPr id="39" name="TextBox 38">
+                  <a:extLst>
+                    <a:ext uri="{FF2B5EF4-FFF2-40B4-BE49-F238E27FC236}">
+                      <a16:creationId xmlns:a16="http://schemas.microsoft.com/office/drawing/2014/main" id="{CD782E6C-B3FB-62DE-F8DC-586233DB3959}"/>
+                    </a:ext>
+                  </a:extLst>
+                </p:cNvPr>
+                <p:cNvSpPr txBox="1">
+                  <a:spLocks noRot="1" noChangeAspect="1" noMove="1" noResize="1" noEditPoints="1" noAdjustHandles="1" noChangeArrowheads="1" noChangeShapeType="1" noTextEdit="1"/>
+                </p:cNvSpPr>
+                <p:nvPr/>
+              </p:nvSpPr>
+              <p:spPr>
+                <a:xfrm>
+                  <a:off x="6887677" y="5884499"/>
+                  <a:ext cx="1153329" cy="430887"/>
+                </a:xfrm>
+                <a:prstGeom prst="rect">
+                  <a:avLst/>
+                </a:prstGeom>
+                <a:blipFill>
+                  <a:blip r:embed="rId19"/>
+                  <a:stretch>
+                    <a:fillRect/>
+                  </a:stretch>
+                </a:blipFill>
+              </p:spPr>
+              <p:txBody>
+                <a:bodyPr/>
+                <a:lstStyle/>
+                <a:p>
+                  <a:r>
+                    <a:rPr lang="en-PH">
+                      <a:noFill/>
+                    </a:rPr>
+                    <a:t> </a:t>
+                  </a:r>
+                </a:p>
+              </p:txBody>
+            </p:sp>
+          </mc:Fallback>
+        </mc:AlternateContent>
+        <p:sp>
+          <p:nvSpPr>
+            <p:cNvPr id="40" name="Arrow: Right 39">
+              <a:extLst>
+                <a:ext uri="{FF2B5EF4-FFF2-40B4-BE49-F238E27FC236}">
+                  <a16:creationId xmlns:a16="http://schemas.microsoft.com/office/drawing/2014/main" id="{8AFCC240-6A6D-8EE3-BBE3-743D6645194B}"/>
                 </a:ext>
               </a:extLst>
             </p:cNvPr>
@@ -6743,14 +10074,16 @@
           </p:nvSpPr>
           <p:spPr>
             <a:xfrm>
-              <a:off x="6617615" y="4293910"/>
-              <a:ext cx="2809189" cy="631596"/>
+              <a:off x="4709764" y="3936011"/>
+              <a:ext cx="1035192" cy="650286"/>
             </a:xfrm>
-            <a:prstGeom prst="rect">
+            <a:prstGeom prst="rightArrow">
               <a:avLst/>
             </a:prstGeom>
             <a:solidFill>
-              <a:srgbClr val="003049"/>
+              <a:schemeClr val="bg2">
+                <a:lumMod val="75000"/>
+              </a:schemeClr>
             </a:solidFill>
             <a:ln>
               <a:noFill/>
@@ -6777,789 +10110,15 @@
             <a:lstStyle/>
             <a:p>
               <a:pPr algn="ctr"/>
-              <a:r>
-                <a:rPr lang="en-PH" dirty="0"/>
-                <a:t>Collect data to test theory</a:t>
-              </a:r>
+              <a:endParaRPr lang="en-PH"/>
             </a:p>
           </p:txBody>
         </p:sp>
-        <p:sp>
-          <p:nvSpPr>
-            <p:cNvPr id="8" name="Rectangle 7">
-              <a:extLst>
-                <a:ext uri="{FF2B5EF4-FFF2-40B4-BE49-F238E27FC236}">
-                  <a16:creationId xmlns:a16="http://schemas.microsoft.com/office/drawing/2014/main" id="{E77742BF-16E0-452F-8CD1-7A7239903780}"/>
-                </a:ext>
-              </a:extLst>
-            </p:cNvPr>
-            <p:cNvSpPr/>
-            <p:nvPr/>
-          </p:nvSpPr>
-          <p:spPr>
-            <a:xfrm>
-              <a:off x="6617615" y="5520966"/>
-              <a:ext cx="2809189" cy="631596"/>
-            </a:xfrm>
-            <a:prstGeom prst="rect">
-              <a:avLst/>
-            </a:prstGeom>
-            <a:solidFill>
-              <a:srgbClr val="003049"/>
-            </a:solidFill>
-            <a:ln>
-              <a:noFill/>
-            </a:ln>
-          </p:spPr>
-          <p:style>
-            <a:lnRef idx="2">
-              <a:schemeClr val="accent1">
-                <a:shade val="15000"/>
-              </a:schemeClr>
-            </a:lnRef>
-            <a:fillRef idx="1">
-              <a:schemeClr val="accent1"/>
-            </a:fillRef>
-            <a:effectRef idx="0">
-              <a:schemeClr val="accent1"/>
-            </a:effectRef>
-            <a:fontRef idx="minor">
-              <a:schemeClr val="lt1"/>
-            </a:fontRef>
-          </p:style>
-          <p:txBody>
-            <a:bodyPr rtlCol="0" anchor="ctr"/>
-            <a:lstStyle/>
-            <a:p>
-              <a:pPr algn="ctr"/>
-              <a:r>
-                <a:rPr lang="en-PH" dirty="0"/>
-                <a:t>Analyze data</a:t>
-              </a:r>
-            </a:p>
-          </p:txBody>
-        </p:sp>
-        <p:cxnSp>
-          <p:nvCxnSpPr>
-            <p:cNvPr id="10" name="Straight Arrow Connector 9">
-              <a:extLst>
-                <a:ext uri="{FF2B5EF4-FFF2-40B4-BE49-F238E27FC236}">
-                  <a16:creationId xmlns:a16="http://schemas.microsoft.com/office/drawing/2014/main" id="{D4B48E1E-2496-002C-50D0-12E038B94E6B}"/>
-                </a:ext>
-              </a:extLst>
-            </p:cNvPr>
-            <p:cNvCxnSpPr>
-              <a:stCxn id="4" idx="2"/>
-              <a:endCxn id="5" idx="0"/>
-            </p:cNvCxnSpPr>
-            <p:nvPr/>
-          </p:nvCxnSpPr>
-          <p:spPr>
-            <a:xfrm>
-              <a:off x="8022210" y="1244338"/>
-              <a:ext cx="0" cy="595460"/>
-            </a:xfrm>
-            <a:prstGeom prst="straightConnector1">
-              <a:avLst/>
-            </a:prstGeom>
-            <a:ln w="28575">
-              <a:solidFill>
-                <a:schemeClr val="tx1">
-                  <a:lumMod val="75000"/>
-                  <a:lumOff val="25000"/>
-                </a:schemeClr>
-              </a:solidFill>
-              <a:tailEnd type="triangle"/>
-            </a:ln>
-          </p:spPr>
-          <p:style>
-            <a:lnRef idx="1">
-              <a:schemeClr val="dk1"/>
-            </a:lnRef>
-            <a:fillRef idx="0">
-              <a:schemeClr val="dk1"/>
-            </a:fillRef>
-            <a:effectRef idx="0">
-              <a:schemeClr val="dk1"/>
-            </a:effectRef>
-            <a:fontRef idx="minor">
-              <a:schemeClr val="tx1"/>
-            </a:fontRef>
-          </p:style>
-        </p:cxnSp>
-        <p:cxnSp>
-          <p:nvCxnSpPr>
-            <p:cNvPr id="11" name="Straight Arrow Connector 10">
-              <a:extLst>
-                <a:ext uri="{FF2B5EF4-FFF2-40B4-BE49-F238E27FC236}">
-                  <a16:creationId xmlns:a16="http://schemas.microsoft.com/office/drawing/2014/main" id="{B655901D-D2A4-3BD4-366D-CCD90F54A362}"/>
-                </a:ext>
-              </a:extLst>
-            </p:cNvPr>
-            <p:cNvCxnSpPr>
-              <a:cxnSpLocks/>
-              <a:stCxn id="5" idx="2"/>
-              <a:endCxn id="6" idx="0"/>
-            </p:cNvCxnSpPr>
-            <p:nvPr/>
-          </p:nvCxnSpPr>
-          <p:spPr>
-            <a:xfrm>
-              <a:off x="8022210" y="2471394"/>
-              <a:ext cx="0" cy="595460"/>
-            </a:xfrm>
-            <a:prstGeom prst="straightConnector1">
-              <a:avLst/>
-            </a:prstGeom>
-            <a:ln w="28575">
-              <a:solidFill>
-                <a:schemeClr val="tx1">
-                  <a:lumMod val="75000"/>
-                  <a:lumOff val="25000"/>
-                </a:schemeClr>
-              </a:solidFill>
-              <a:tailEnd type="triangle"/>
-            </a:ln>
-          </p:spPr>
-          <p:style>
-            <a:lnRef idx="1">
-              <a:schemeClr val="dk1"/>
-            </a:lnRef>
-            <a:fillRef idx="0">
-              <a:schemeClr val="dk1"/>
-            </a:fillRef>
-            <a:effectRef idx="0">
-              <a:schemeClr val="dk1"/>
-            </a:effectRef>
-            <a:fontRef idx="minor">
-              <a:schemeClr val="tx1"/>
-            </a:fontRef>
-          </p:style>
-        </p:cxnSp>
-        <p:cxnSp>
-          <p:nvCxnSpPr>
-            <p:cNvPr id="14" name="Straight Arrow Connector 13">
-              <a:extLst>
-                <a:ext uri="{FF2B5EF4-FFF2-40B4-BE49-F238E27FC236}">
-                  <a16:creationId xmlns:a16="http://schemas.microsoft.com/office/drawing/2014/main" id="{52FB58CA-C9BC-97C3-4268-54A306B2DFA9}"/>
-                </a:ext>
-              </a:extLst>
-            </p:cNvPr>
-            <p:cNvCxnSpPr>
-              <a:cxnSpLocks/>
-              <a:stCxn id="6" idx="2"/>
-              <a:endCxn id="7" idx="0"/>
-            </p:cNvCxnSpPr>
-            <p:nvPr/>
-          </p:nvCxnSpPr>
-          <p:spPr>
-            <a:xfrm>
-              <a:off x="8022210" y="3698450"/>
-              <a:ext cx="0" cy="595460"/>
-            </a:xfrm>
-            <a:prstGeom prst="straightConnector1">
-              <a:avLst/>
-            </a:prstGeom>
-            <a:ln w="28575">
-              <a:solidFill>
-                <a:schemeClr val="tx1">
-                  <a:lumMod val="75000"/>
-                  <a:lumOff val="25000"/>
-                </a:schemeClr>
-              </a:solidFill>
-              <a:tailEnd type="triangle"/>
-            </a:ln>
-          </p:spPr>
-          <p:style>
-            <a:lnRef idx="1">
-              <a:schemeClr val="dk1"/>
-            </a:lnRef>
-            <a:fillRef idx="0">
-              <a:schemeClr val="dk1"/>
-            </a:fillRef>
-            <a:effectRef idx="0">
-              <a:schemeClr val="dk1"/>
-            </a:effectRef>
-            <a:fontRef idx="minor">
-              <a:schemeClr val="tx1"/>
-            </a:fontRef>
-          </p:style>
-        </p:cxnSp>
-        <p:cxnSp>
-          <p:nvCxnSpPr>
-            <p:cNvPr id="17" name="Straight Arrow Connector 16">
-              <a:extLst>
-                <a:ext uri="{FF2B5EF4-FFF2-40B4-BE49-F238E27FC236}">
-                  <a16:creationId xmlns:a16="http://schemas.microsoft.com/office/drawing/2014/main" id="{AE7DE614-9F97-5F8D-5401-D9DAF773FF6E}"/>
-                </a:ext>
-              </a:extLst>
-            </p:cNvPr>
-            <p:cNvCxnSpPr>
-              <a:cxnSpLocks/>
-              <a:stCxn id="7" idx="2"/>
-              <a:endCxn id="8" idx="0"/>
-            </p:cNvCxnSpPr>
-            <p:nvPr/>
-          </p:nvCxnSpPr>
-          <p:spPr>
-            <a:xfrm>
-              <a:off x="8022210" y="4925506"/>
-              <a:ext cx="0" cy="595460"/>
-            </a:xfrm>
-            <a:prstGeom prst="straightConnector1">
-              <a:avLst/>
-            </a:prstGeom>
-            <a:ln w="28575">
-              <a:solidFill>
-                <a:schemeClr val="tx1">
-                  <a:lumMod val="75000"/>
-                  <a:lumOff val="25000"/>
-                </a:schemeClr>
-              </a:solidFill>
-              <a:tailEnd type="triangle"/>
-            </a:ln>
-          </p:spPr>
-          <p:style>
-            <a:lnRef idx="1">
-              <a:schemeClr val="dk1"/>
-            </a:lnRef>
-            <a:fillRef idx="0">
-              <a:schemeClr val="dk1"/>
-            </a:fillRef>
-            <a:effectRef idx="0">
-              <a:schemeClr val="dk1"/>
-            </a:effectRef>
-            <a:fontRef idx="minor">
-              <a:schemeClr val="tx1"/>
-            </a:fontRef>
-          </p:style>
-        </p:cxnSp>
-        <p:cxnSp>
-          <p:nvCxnSpPr>
-            <p:cNvPr id="21" name="Connector: Elbow 20">
-              <a:extLst>
-                <a:ext uri="{FF2B5EF4-FFF2-40B4-BE49-F238E27FC236}">
-                  <a16:creationId xmlns:a16="http://schemas.microsoft.com/office/drawing/2014/main" id="{9B8E5BD4-393F-DC4E-9516-68A77745633F}"/>
-                </a:ext>
-              </a:extLst>
-            </p:cNvPr>
-            <p:cNvCxnSpPr>
-              <a:stCxn id="8" idx="3"/>
-              <a:endCxn id="5" idx="3"/>
-            </p:cNvCxnSpPr>
-            <p:nvPr/>
-          </p:nvCxnSpPr>
-          <p:spPr>
-            <a:xfrm flipV="1">
-              <a:off x="9426804" y="2155596"/>
-              <a:ext cx="12700" cy="3681168"/>
-            </a:xfrm>
-            <a:prstGeom prst="bentConnector3">
-              <a:avLst>
-                <a:gd name="adj1" fmla="val 5956701"/>
-              </a:avLst>
-            </a:prstGeom>
-            <a:ln w="28575">
-              <a:solidFill>
-                <a:schemeClr val="tx1">
-                  <a:lumMod val="75000"/>
-                  <a:lumOff val="25000"/>
-                </a:schemeClr>
-              </a:solidFill>
-              <a:tailEnd type="triangle"/>
-            </a:ln>
-          </p:spPr>
-          <p:style>
-            <a:lnRef idx="1">
-              <a:schemeClr val="dk1"/>
-            </a:lnRef>
-            <a:fillRef idx="0">
-              <a:schemeClr val="dk1"/>
-            </a:fillRef>
-            <a:effectRef idx="0">
-              <a:schemeClr val="dk1"/>
-            </a:effectRef>
-            <a:fontRef idx="minor">
-              <a:schemeClr val="tx1"/>
-            </a:fontRef>
-          </p:style>
-        </p:cxnSp>
-        <p:sp>
-          <p:nvSpPr>
-            <p:cNvPr id="23" name="Rectangle 22">
-              <a:extLst>
-                <a:ext uri="{FF2B5EF4-FFF2-40B4-BE49-F238E27FC236}">
-                  <a16:creationId xmlns:a16="http://schemas.microsoft.com/office/drawing/2014/main" id="{90E0FD32-2646-7C5F-01F9-48E9D5070B69}"/>
-                </a:ext>
-              </a:extLst>
-            </p:cNvPr>
-            <p:cNvSpPr/>
-            <p:nvPr/>
-          </p:nvSpPr>
-          <p:spPr>
-            <a:xfrm>
-              <a:off x="2886173" y="612742"/>
-              <a:ext cx="2317424" cy="631596"/>
-            </a:xfrm>
-            <a:prstGeom prst="rect">
-              <a:avLst/>
-            </a:prstGeom>
-            <a:solidFill>
-              <a:srgbClr val="005F73"/>
-            </a:solidFill>
-            <a:ln>
-              <a:noFill/>
-            </a:ln>
-          </p:spPr>
-          <p:style>
-            <a:lnRef idx="2">
-              <a:schemeClr val="accent1">
-                <a:shade val="15000"/>
-              </a:schemeClr>
-            </a:lnRef>
-            <a:fillRef idx="1">
-              <a:schemeClr val="accent1"/>
-            </a:fillRef>
-            <a:effectRef idx="0">
-              <a:schemeClr val="accent1"/>
-            </a:effectRef>
-            <a:fontRef idx="minor">
-              <a:schemeClr val="lt1"/>
-            </a:fontRef>
-          </p:style>
-          <p:txBody>
-            <a:bodyPr rtlCol="0" anchor="ctr"/>
-            <a:lstStyle/>
-            <a:p>
-              <a:pPr algn="ctr"/>
-              <a:r>
-                <a:rPr lang="en-PH" dirty="0"/>
-                <a:t>data</a:t>
-              </a:r>
-            </a:p>
-          </p:txBody>
-        </p:sp>
-        <p:sp>
-          <p:nvSpPr>
-            <p:cNvPr id="24" name="Rectangle 23">
-              <a:extLst>
-                <a:ext uri="{FF2B5EF4-FFF2-40B4-BE49-F238E27FC236}">
-                  <a16:creationId xmlns:a16="http://schemas.microsoft.com/office/drawing/2014/main" id="{C6996459-E469-F968-9257-68B2179279B6}"/>
-                </a:ext>
-              </a:extLst>
-            </p:cNvPr>
-            <p:cNvSpPr/>
-            <p:nvPr/>
-          </p:nvSpPr>
-          <p:spPr>
-            <a:xfrm>
-              <a:off x="2886173" y="3066854"/>
-              <a:ext cx="2317424" cy="631596"/>
-            </a:xfrm>
-            <a:prstGeom prst="rect">
-              <a:avLst/>
-            </a:prstGeom>
-            <a:solidFill>
-              <a:srgbClr val="005F73"/>
-            </a:solidFill>
-            <a:ln>
-              <a:noFill/>
-            </a:ln>
-          </p:spPr>
-          <p:style>
-            <a:lnRef idx="2">
-              <a:schemeClr val="accent1">
-                <a:shade val="15000"/>
-              </a:schemeClr>
-            </a:lnRef>
-            <a:fillRef idx="1">
-              <a:schemeClr val="accent1"/>
-            </a:fillRef>
-            <a:effectRef idx="0">
-              <a:schemeClr val="accent1"/>
-            </a:effectRef>
-            <a:fontRef idx="minor">
-              <a:schemeClr val="lt1"/>
-            </a:fontRef>
-          </p:style>
-          <p:txBody>
-            <a:bodyPr rtlCol="0" anchor="ctr"/>
-            <a:lstStyle/>
-            <a:p>
-              <a:pPr algn="ctr"/>
-              <a:r>
-                <a:rPr lang="en-PH" dirty="0"/>
-                <a:t>Identify variables</a:t>
-              </a:r>
-            </a:p>
-          </p:txBody>
-        </p:sp>
-        <p:sp>
-          <p:nvSpPr>
-            <p:cNvPr id="25" name="Rectangle 24">
-              <a:extLst>
-                <a:ext uri="{FF2B5EF4-FFF2-40B4-BE49-F238E27FC236}">
-                  <a16:creationId xmlns:a16="http://schemas.microsoft.com/office/drawing/2014/main" id="{DB22B3CA-7310-0CD6-817C-8C76A452CA23}"/>
-                </a:ext>
-              </a:extLst>
-            </p:cNvPr>
-            <p:cNvSpPr/>
-            <p:nvPr/>
-          </p:nvSpPr>
-          <p:spPr>
-            <a:xfrm>
-              <a:off x="2886173" y="4293910"/>
-              <a:ext cx="2317424" cy="631596"/>
-            </a:xfrm>
-            <a:prstGeom prst="rect">
-              <a:avLst/>
-            </a:prstGeom>
-            <a:solidFill>
-              <a:srgbClr val="005F73"/>
-            </a:solidFill>
-            <a:ln>
-              <a:noFill/>
-            </a:ln>
-          </p:spPr>
-          <p:style>
-            <a:lnRef idx="2">
-              <a:schemeClr val="accent1">
-                <a:shade val="15000"/>
-              </a:schemeClr>
-            </a:lnRef>
-            <a:fillRef idx="1">
-              <a:schemeClr val="accent1"/>
-            </a:fillRef>
-            <a:effectRef idx="0">
-              <a:schemeClr val="accent1"/>
-            </a:effectRef>
-            <a:fontRef idx="minor">
-              <a:schemeClr val="lt1"/>
-            </a:fontRef>
-          </p:style>
-          <p:txBody>
-            <a:bodyPr rtlCol="0" anchor="ctr"/>
-            <a:lstStyle/>
-            <a:p>
-              <a:pPr algn="ctr"/>
-              <a:r>
-                <a:rPr lang="en-PH" dirty="0"/>
-                <a:t>Measure variables</a:t>
-              </a:r>
-            </a:p>
-          </p:txBody>
-        </p:sp>
-        <p:sp>
-          <p:nvSpPr>
-            <p:cNvPr id="26" name="Rectangle 25">
-              <a:extLst>
-                <a:ext uri="{FF2B5EF4-FFF2-40B4-BE49-F238E27FC236}">
-                  <a16:creationId xmlns:a16="http://schemas.microsoft.com/office/drawing/2014/main" id="{99FFF5E7-AE9B-6EBA-064B-C9A48A8B4FB5}"/>
-                </a:ext>
-              </a:extLst>
-            </p:cNvPr>
-            <p:cNvSpPr/>
-            <p:nvPr/>
-          </p:nvSpPr>
-          <p:spPr>
-            <a:xfrm>
-              <a:off x="2886173" y="5520966"/>
-              <a:ext cx="2317424" cy="631596"/>
-            </a:xfrm>
-            <a:prstGeom prst="rect">
-              <a:avLst/>
-            </a:prstGeom>
-            <a:solidFill>
-              <a:srgbClr val="005F73"/>
-            </a:solidFill>
-            <a:ln>
-              <a:noFill/>
-            </a:ln>
-          </p:spPr>
-          <p:style>
-            <a:lnRef idx="2">
-              <a:schemeClr val="accent1">
-                <a:shade val="15000"/>
-              </a:schemeClr>
-            </a:lnRef>
-            <a:fillRef idx="1">
-              <a:schemeClr val="accent1"/>
-            </a:fillRef>
-            <a:effectRef idx="0">
-              <a:schemeClr val="accent1"/>
-            </a:effectRef>
-            <a:fontRef idx="minor">
-              <a:schemeClr val="lt1"/>
-            </a:fontRef>
-          </p:style>
-          <p:txBody>
-            <a:bodyPr rtlCol="0" anchor="ctr"/>
-            <a:lstStyle/>
-            <a:p>
-              <a:pPr algn="ctr"/>
-              <a:r>
-                <a:rPr lang="en-PH" dirty="0"/>
-                <a:t>Graph data / fit a model</a:t>
-              </a:r>
-            </a:p>
-          </p:txBody>
-        </p:sp>
-        <p:cxnSp>
-          <p:nvCxnSpPr>
-            <p:cNvPr id="27" name="Straight Arrow Connector 26">
-              <a:extLst>
-                <a:ext uri="{FF2B5EF4-FFF2-40B4-BE49-F238E27FC236}">
-                  <a16:creationId xmlns:a16="http://schemas.microsoft.com/office/drawing/2014/main" id="{C76DA904-53E0-55C4-78C5-40034464B48B}"/>
-                </a:ext>
-              </a:extLst>
-            </p:cNvPr>
-            <p:cNvCxnSpPr>
-              <a:cxnSpLocks/>
-              <a:stCxn id="4" idx="1"/>
-              <a:endCxn id="23" idx="3"/>
-            </p:cNvCxnSpPr>
-            <p:nvPr/>
-          </p:nvCxnSpPr>
-          <p:spPr>
-            <a:xfrm flipH="1">
-              <a:off x="5203597" y="928540"/>
-              <a:ext cx="1414018" cy="0"/>
-            </a:xfrm>
-            <a:prstGeom prst="straightConnector1">
-              <a:avLst/>
-            </a:prstGeom>
-            <a:ln w="28575">
-              <a:solidFill>
-                <a:schemeClr val="tx1">
-                  <a:lumMod val="75000"/>
-                  <a:lumOff val="25000"/>
-                </a:schemeClr>
-              </a:solidFill>
-              <a:headEnd type="triangle" w="med" len="med"/>
-              <a:tailEnd type="triangle" w="med" len="med"/>
-            </a:ln>
-          </p:spPr>
-          <p:style>
-            <a:lnRef idx="1">
-              <a:schemeClr val="dk1"/>
-            </a:lnRef>
-            <a:fillRef idx="0">
-              <a:schemeClr val="dk1"/>
-            </a:fillRef>
-            <a:effectRef idx="0">
-              <a:schemeClr val="dk1"/>
-            </a:effectRef>
-            <a:fontRef idx="minor">
-              <a:schemeClr val="tx1"/>
-            </a:fontRef>
-          </p:style>
-        </p:cxnSp>
-        <p:cxnSp>
-          <p:nvCxnSpPr>
-            <p:cNvPr id="30" name="Straight Arrow Connector 29">
-              <a:extLst>
-                <a:ext uri="{FF2B5EF4-FFF2-40B4-BE49-F238E27FC236}">
-                  <a16:creationId xmlns:a16="http://schemas.microsoft.com/office/drawing/2014/main" id="{328AB6D9-6206-1B8D-6E9C-CAA35EDBD14D}"/>
-                </a:ext>
-              </a:extLst>
-            </p:cNvPr>
-            <p:cNvCxnSpPr>
-              <a:cxnSpLocks/>
-              <a:stCxn id="6" idx="1"/>
-              <a:endCxn id="24" idx="3"/>
-            </p:cNvCxnSpPr>
-            <p:nvPr/>
-          </p:nvCxnSpPr>
-          <p:spPr>
-            <a:xfrm flipH="1">
-              <a:off x="5203597" y="3382652"/>
-              <a:ext cx="1414018" cy="0"/>
-            </a:xfrm>
-            <a:prstGeom prst="straightConnector1">
-              <a:avLst/>
-            </a:prstGeom>
-            <a:ln w="28575">
-              <a:solidFill>
-                <a:schemeClr val="tx1">
-                  <a:lumMod val="75000"/>
-                  <a:lumOff val="25000"/>
-                </a:schemeClr>
-              </a:solidFill>
-              <a:tailEnd type="triangle"/>
-            </a:ln>
-          </p:spPr>
-          <p:style>
-            <a:lnRef idx="1">
-              <a:schemeClr val="dk1"/>
-            </a:lnRef>
-            <a:fillRef idx="0">
-              <a:schemeClr val="dk1"/>
-            </a:fillRef>
-            <a:effectRef idx="0">
-              <a:schemeClr val="dk1"/>
-            </a:effectRef>
-            <a:fontRef idx="minor">
-              <a:schemeClr val="tx1"/>
-            </a:fontRef>
-          </p:style>
-        </p:cxnSp>
-        <p:cxnSp>
-          <p:nvCxnSpPr>
-            <p:cNvPr id="33" name="Straight Arrow Connector 32">
-              <a:extLst>
-                <a:ext uri="{FF2B5EF4-FFF2-40B4-BE49-F238E27FC236}">
-                  <a16:creationId xmlns:a16="http://schemas.microsoft.com/office/drawing/2014/main" id="{D424137C-7DAD-DFA9-FFB5-408C9167949A}"/>
-                </a:ext>
-              </a:extLst>
-            </p:cNvPr>
-            <p:cNvCxnSpPr>
-              <a:cxnSpLocks/>
-              <a:stCxn id="7" idx="1"/>
-              <a:endCxn id="25" idx="3"/>
-            </p:cNvCxnSpPr>
-            <p:nvPr/>
-          </p:nvCxnSpPr>
-          <p:spPr>
-            <a:xfrm flipH="1">
-              <a:off x="5203597" y="4609708"/>
-              <a:ext cx="1414018" cy="0"/>
-            </a:xfrm>
-            <a:prstGeom prst="straightConnector1">
-              <a:avLst/>
-            </a:prstGeom>
-            <a:ln w="28575">
-              <a:solidFill>
-                <a:schemeClr val="tx1">
-                  <a:lumMod val="75000"/>
-                  <a:lumOff val="25000"/>
-                </a:schemeClr>
-              </a:solidFill>
-              <a:tailEnd type="triangle"/>
-            </a:ln>
-          </p:spPr>
-          <p:style>
-            <a:lnRef idx="1">
-              <a:schemeClr val="dk1"/>
-            </a:lnRef>
-            <a:fillRef idx="0">
-              <a:schemeClr val="dk1"/>
-            </a:fillRef>
-            <a:effectRef idx="0">
-              <a:schemeClr val="dk1"/>
-            </a:effectRef>
-            <a:fontRef idx="minor">
-              <a:schemeClr val="tx1"/>
-            </a:fontRef>
-          </p:style>
-        </p:cxnSp>
-        <p:cxnSp>
-          <p:nvCxnSpPr>
-            <p:cNvPr id="36" name="Straight Arrow Connector 35">
-              <a:extLst>
-                <a:ext uri="{FF2B5EF4-FFF2-40B4-BE49-F238E27FC236}">
-                  <a16:creationId xmlns:a16="http://schemas.microsoft.com/office/drawing/2014/main" id="{8476760F-A8EB-8325-5273-C035D4951537}"/>
-                </a:ext>
-              </a:extLst>
-            </p:cNvPr>
-            <p:cNvCxnSpPr>
-              <a:cxnSpLocks/>
-              <a:stCxn id="8" idx="1"/>
-              <a:endCxn id="26" idx="3"/>
-            </p:cNvCxnSpPr>
-            <p:nvPr/>
-          </p:nvCxnSpPr>
-          <p:spPr>
-            <a:xfrm flipH="1">
-              <a:off x="5203597" y="5836764"/>
-              <a:ext cx="1414018" cy="0"/>
-            </a:xfrm>
-            <a:prstGeom prst="straightConnector1">
-              <a:avLst/>
-            </a:prstGeom>
-            <a:ln w="28575">
-              <a:solidFill>
-                <a:schemeClr val="tx1">
-                  <a:lumMod val="75000"/>
-                  <a:lumOff val="25000"/>
-                </a:schemeClr>
-              </a:solidFill>
-              <a:tailEnd type="triangle"/>
-            </a:ln>
-          </p:spPr>
-          <p:style>
-            <a:lnRef idx="1">
-              <a:schemeClr val="dk1"/>
-            </a:lnRef>
-            <a:fillRef idx="0">
-              <a:schemeClr val="dk1"/>
-            </a:fillRef>
-            <a:effectRef idx="0">
-              <a:schemeClr val="dk1"/>
-            </a:effectRef>
-            <a:fontRef idx="minor">
-              <a:schemeClr val="tx1"/>
-            </a:fontRef>
-          </p:style>
-        </p:cxnSp>
       </p:grpSp>
-      <p:sp>
-        <p:nvSpPr>
-          <p:cNvPr id="3" name="Rectangle 2">
-            <a:extLst>
-              <a:ext uri="{FF2B5EF4-FFF2-40B4-BE49-F238E27FC236}">
-                <a16:creationId xmlns:a16="http://schemas.microsoft.com/office/drawing/2014/main" id="{29BDB00D-2E0D-63F5-CB08-7F4125FA88AF}"/>
-              </a:ext>
-            </a:extLst>
-          </p:cNvPr>
-          <p:cNvSpPr/>
-          <p:nvPr/>
-        </p:nvSpPr>
-        <p:spPr>
-          <a:xfrm>
-            <a:off x="2615936" y="5312004"/>
-            <a:ext cx="8003355" cy="1234912"/>
-          </a:xfrm>
-          <a:prstGeom prst="rect">
-            <a:avLst/>
-          </a:prstGeom>
-          <a:solidFill>
-            <a:srgbClr val="005F73">
-              <a:alpha val="23000"/>
-            </a:srgbClr>
-          </a:solidFill>
-          <a:ln>
-            <a:noFill/>
-          </a:ln>
-        </p:spPr>
-        <p:style>
-          <a:lnRef idx="2">
-            <a:schemeClr val="accent1">
-              <a:shade val="15000"/>
-            </a:schemeClr>
-          </a:lnRef>
-          <a:fillRef idx="1">
-            <a:schemeClr val="accent1"/>
-          </a:fillRef>
-          <a:effectRef idx="0">
-            <a:schemeClr val="accent1"/>
-          </a:effectRef>
-          <a:fontRef idx="minor">
-            <a:schemeClr val="lt1"/>
-          </a:fontRef>
-        </p:style>
-        <p:txBody>
-          <a:bodyPr rtlCol="0" anchor="ctr"/>
-          <a:lstStyle/>
-          <a:p>
-            <a:pPr algn="ctr"/>
-            <a:endParaRPr lang="en-PH"/>
-          </a:p>
-        </p:txBody>
-      </p:sp>
     </p:spTree>
     <p:extLst>
       <p:ext uri="{BB962C8B-B14F-4D97-AF65-F5344CB8AC3E}">
-        <p14:creationId xmlns:p14="http://schemas.microsoft.com/office/powerpoint/2010/main" val="2113019733"/>
+        <p14:creationId xmlns:p14="http://schemas.microsoft.com/office/powerpoint/2010/main" val="3123074908"/>
       </p:ext>
     </p:extLst>
   </p:cSld>

--- a/plot-diagram.pptx
+++ b/plot-diagram.pptx
@@ -3545,6 +3545,89 @@
           <a:chExt cx="0" cy="0"/>
         </a:xfrm>
       </p:grpSpPr>
+      <p:grpSp>
+        <p:nvGrpSpPr>
+          <p:cNvPr id="7" name="Group 6">
+            <a:extLst>
+              <a:ext uri="{FF2B5EF4-FFF2-40B4-BE49-F238E27FC236}">
+                <a16:creationId xmlns:a16="http://schemas.microsoft.com/office/drawing/2014/main" id="{BC080F70-8EB3-E7F6-1B51-DEB1B1D63BA9}"/>
+              </a:ext>
+            </a:extLst>
+          </p:cNvPr>
+          <p:cNvGrpSpPr/>
+          <p:nvPr/>
+        </p:nvGrpSpPr>
+        <p:grpSpPr>
+          <a:xfrm>
+            <a:off x="732404" y="740959"/>
+            <a:ext cx="7568316" cy="5540860"/>
+            <a:chOff x="732404" y="740959"/>
+            <a:chExt cx="5525271" cy="4045121"/>
+          </a:xfrm>
+        </p:grpSpPr>
+        <p:pic>
+          <p:nvPicPr>
+            <p:cNvPr id="5" name="Picture 4">
+              <a:extLst>
+                <a:ext uri="{FF2B5EF4-FFF2-40B4-BE49-F238E27FC236}">
+                  <a16:creationId xmlns:a16="http://schemas.microsoft.com/office/drawing/2014/main" id="{C1405E76-4679-D26E-61C0-E55AE0B6462A}"/>
+                </a:ext>
+              </a:extLst>
+            </p:cNvPr>
+            <p:cNvPicPr>
+              <a:picLocks noChangeAspect="1"/>
+            </p:cNvPicPr>
+            <p:nvPr/>
+          </p:nvPicPr>
+          <p:blipFill>
+            <a:blip r:embed="rId2"/>
+            <a:srcRect b="68537"/>
+            <a:stretch>
+              <a:fillRect/>
+            </a:stretch>
+          </p:blipFill>
+          <p:spPr>
+            <a:xfrm>
+              <a:off x="732404" y="740959"/>
+              <a:ext cx="5525271" cy="1819361"/>
+            </a:xfrm>
+            <a:prstGeom prst="rect">
+              <a:avLst/>
+            </a:prstGeom>
+          </p:spPr>
+        </p:pic>
+        <p:pic>
+          <p:nvPicPr>
+            <p:cNvPr id="6" name="Picture 5">
+              <a:extLst>
+                <a:ext uri="{FF2B5EF4-FFF2-40B4-BE49-F238E27FC236}">
+                  <a16:creationId xmlns:a16="http://schemas.microsoft.com/office/drawing/2014/main" id="{47365869-76F0-645C-B659-E7C1C49BD85B}"/>
+                </a:ext>
+              </a:extLst>
+            </p:cNvPr>
+            <p:cNvPicPr>
+              <a:picLocks noChangeAspect="1"/>
+            </p:cNvPicPr>
+            <p:nvPr/>
+          </p:nvPicPr>
+          <p:blipFill>
+            <a:blip r:embed="rId2"/>
+            <a:srcRect t="63793"/>
+            <a:stretch>
+              <a:fillRect/>
+            </a:stretch>
+          </p:blipFill>
+          <p:spPr>
+            <a:xfrm>
+              <a:off x="732404" y="2692399"/>
+              <a:ext cx="5525271" cy="2093681"/>
+            </a:xfrm>
+            <a:prstGeom prst="rect">
+              <a:avLst/>
+            </a:prstGeom>
+          </p:spPr>
+        </p:pic>
+      </p:grpSp>
     </p:spTree>
     <p:extLst>
       <p:ext uri="{BB962C8B-B14F-4D97-AF65-F5344CB8AC3E}">
